--- a/MOD08_Recursion/01 Presentacion/INFO2_MOD08_2-Busqueda_Binaria.pptx
+++ b/MOD08_Recursion/01 Presentacion/INFO2_MOD08_2-Busqueda_Binaria.pptx
@@ -4,19 +4,24 @@
   <p:sldMasterIdLst>
     <p:sldMasterId id="2147483648" r:id="rId1"/>
   </p:sldMasterIdLst>
+  <p:notesMasterIdLst>
+    <p:notesMasterId r:id="rId16"/>
+  </p:notesMasterIdLst>
   <p:sldIdLst>
-    <p:sldId id="281" r:id="rId2"/>
-    <p:sldId id="282" r:id="rId3"/>
-    <p:sldId id="283" r:id="rId4"/>
-    <p:sldId id="284" r:id="rId5"/>
-    <p:sldId id="285" r:id="rId6"/>
-    <p:sldId id="301" r:id="rId7"/>
-    <p:sldId id="267" r:id="rId8"/>
-    <p:sldId id="288" r:id="rId9"/>
-    <p:sldId id="302" r:id="rId10"/>
-    <p:sldId id="303" r:id="rId11"/>
-    <p:sldId id="289" r:id="rId12"/>
-    <p:sldId id="290" r:id="rId13"/>
+    <p:sldId id="256" r:id="rId2"/>
+    <p:sldId id="281" r:id="rId3"/>
+    <p:sldId id="282" r:id="rId4"/>
+    <p:sldId id="283" r:id="rId5"/>
+    <p:sldId id="284" r:id="rId6"/>
+    <p:sldId id="285" r:id="rId7"/>
+    <p:sldId id="301" r:id="rId8"/>
+    <p:sldId id="304" r:id="rId9"/>
+    <p:sldId id="267" r:id="rId10"/>
+    <p:sldId id="288" r:id="rId11"/>
+    <p:sldId id="302" r:id="rId12"/>
+    <p:sldId id="303" r:id="rId13"/>
+    <p:sldId id="289" r:id="rId14"/>
+    <p:sldId id="290" r:id="rId15"/>
   </p:sldIdLst>
   <p:sldSz cx="12192000" cy="6858000"/>
   <p:notesSz cx="6858000" cy="9144000"/>
@@ -115,7 +120,457 @@
       </a:defRPr>
     </a:lvl9pPr>
   </p:defaultTextStyle>
+  <p:extLst>
+    <p:ext uri="{EFAFB233-063F-42B5-8137-9DF3F51BA10A}">
+      <p15:sldGuideLst xmlns:p15="http://schemas.microsoft.com/office/powerpoint/2012/main">
+        <p15:guide id="1" orient="horz" pos="2160" userDrawn="1">
+          <p15:clr>
+            <a:srgbClr val="A4A3A4"/>
+          </p15:clr>
+        </p15:guide>
+        <p15:guide id="2" pos="3840" userDrawn="1">
+          <p15:clr>
+            <a:srgbClr val="A4A3A4"/>
+          </p15:clr>
+        </p15:guide>
+      </p15:sldGuideLst>
+    </p:ext>
+  </p:extLst>
 </p:presentation>
+</file>
+
+<file path=ppt/notesMasters/notesMaster1.xml><?xml version="1.0" encoding="utf-8"?>
+<p:notesMaster xmlns:a="http://schemas.openxmlformats.org/drawingml/2006/main" xmlns:r="http://schemas.openxmlformats.org/officeDocument/2006/relationships" xmlns:p="http://schemas.openxmlformats.org/presentationml/2006/main">
+  <p:cSld>
+    <p:bg>
+      <p:bgRef idx="1001">
+        <a:schemeClr val="bg1"/>
+      </p:bgRef>
+    </p:bg>
+    <p:spTree>
+      <p:nvGrpSpPr>
+        <p:cNvPr id="1" name=""/>
+        <p:cNvGrpSpPr/>
+        <p:nvPr/>
+      </p:nvGrpSpPr>
+      <p:grpSpPr>
+        <a:xfrm>
+          <a:off x="0" y="0"/>
+          <a:ext cx="0" cy="0"/>
+          <a:chOff x="0" y="0"/>
+          <a:chExt cx="0" cy="0"/>
+        </a:xfrm>
+      </p:grpSpPr>
+      <p:sp>
+        <p:nvSpPr>
+          <p:cNvPr id="2" name="Header Placeholder 1"/>
+          <p:cNvSpPr>
+            <a:spLocks noGrp="1"/>
+          </p:cNvSpPr>
+          <p:nvPr>
+            <p:ph type="hdr" sz="quarter"/>
+          </p:nvPr>
+        </p:nvSpPr>
+        <p:spPr>
+          <a:xfrm>
+            <a:off x="0" y="0"/>
+            <a:ext cx="2971800" cy="458788"/>
+          </a:xfrm>
+          <a:prstGeom prst="rect">
+            <a:avLst/>
+          </a:prstGeom>
+        </p:spPr>
+        <p:txBody>
+          <a:bodyPr vert="horz" lIns="91440" tIns="45720" rIns="91440" bIns="45720" rtlCol="0"/>
+          <a:lstStyle>
+            <a:lvl1pPr algn="l">
+              <a:defRPr sz="1200"/>
+            </a:lvl1pPr>
+          </a:lstStyle>
+          <a:p>
+            <a:endParaRPr lang="es-ES_tradnl"/>
+          </a:p>
+        </p:txBody>
+      </p:sp>
+      <p:sp>
+        <p:nvSpPr>
+          <p:cNvPr id="3" name="Date Placeholder 2"/>
+          <p:cNvSpPr>
+            <a:spLocks noGrp="1"/>
+          </p:cNvSpPr>
+          <p:nvPr>
+            <p:ph type="dt" idx="1"/>
+          </p:nvPr>
+        </p:nvSpPr>
+        <p:spPr>
+          <a:xfrm>
+            <a:off x="3884613" y="0"/>
+            <a:ext cx="2971800" cy="458788"/>
+          </a:xfrm>
+          <a:prstGeom prst="rect">
+            <a:avLst/>
+          </a:prstGeom>
+        </p:spPr>
+        <p:txBody>
+          <a:bodyPr vert="horz" lIns="91440" tIns="45720" rIns="91440" bIns="45720" rtlCol="0"/>
+          <a:lstStyle>
+            <a:lvl1pPr algn="r">
+              <a:defRPr sz="1200"/>
+            </a:lvl1pPr>
+          </a:lstStyle>
+          <a:p>
+            <a:fld id="{6AB1AF17-118D-084A-9561-24C354C6B611}" type="datetimeFigureOut">
+              <a:rPr lang="es-ES_tradnl" smtClean="0"/>
+              <a:t>1/3/20</a:t>
+            </a:fld>
+            <a:endParaRPr lang="es-ES_tradnl"/>
+          </a:p>
+        </p:txBody>
+      </p:sp>
+      <p:sp>
+        <p:nvSpPr>
+          <p:cNvPr id="4" name="Slide Image Placeholder 3"/>
+          <p:cNvSpPr>
+            <a:spLocks noGrp="1" noRot="1" noChangeAspect="1"/>
+          </p:cNvSpPr>
+          <p:nvPr>
+            <p:ph type="sldImg" idx="2"/>
+          </p:nvPr>
+        </p:nvSpPr>
+        <p:spPr>
+          <a:xfrm>
+            <a:off x="685800" y="1143000"/>
+            <a:ext cx="5486400" cy="3086100"/>
+          </a:xfrm>
+          <a:prstGeom prst="rect">
+            <a:avLst/>
+          </a:prstGeom>
+          <a:noFill/>
+          <a:ln w="12700">
+            <a:solidFill>
+              <a:prstClr val="black"/>
+            </a:solidFill>
+          </a:ln>
+        </p:spPr>
+        <p:txBody>
+          <a:bodyPr vert="horz" lIns="91440" tIns="45720" rIns="91440" bIns="45720" rtlCol="0" anchor="ctr"/>
+          <a:lstStyle/>
+          <a:p>
+            <a:endParaRPr lang="es-ES_tradnl"/>
+          </a:p>
+        </p:txBody>
+      </p:sp>
+      <p:sp>
+        <p:nvSpPr>
+          <p:cNvPr id="5" name="Notes Placeholder 4"/>
+          <p:cNvSpPr>
+            <a:spLocks noGrp="1"/>
+          </p:cNvSpPr>
+          <p:nvPr>
+            <p:ph type="body" sz="quarter" idx="3"/>
+          </p:nvPr>
+        </p:nvSpPr>
+        <p:spPr>
+          <a:xfrm>
+            <a:off x="685800" y="4400550"/>
+            <a:ext cx="5486400" cy="3600450"/>
+          </a:xfrm>
+          <a:prstGeom prst="rect">
+            <a:avLst/>
+          </a:prstGeom>
+        </p:spPr>
+        <p:txBody>
+          <a:bodyPr vert="horz" lIns="91440" tIns="45720" rIns="91440" bIns="45720" rtlCol="0"/>
+          <a:lstStyle/>
+          <a:p>
+            <a:pPr lvl="0"/>
+            <a:r>
+              <a:rPr lang="en-US"/>
+              <a:t>Click to edit Master text styles</a:t>
+            </a:r>
+          </a:p>
+          <a:p>
+            <a:pPr lvl="1"/>
+            <a:r>
+              <a:rPr lang="en-US"/>
+              <a:t>Second level</a:t>
+            </a:r>
+          </a:p>
+          <a:p>
+            <a:pPr lvl="2"/>
+            <a:r>
+              <a:rPr lang="en-US"/>
+              <a:t>Third level</a:t>
+            </a:r>
+          </a:p>
+          <a:p>
+            <a:pPr lvl="3"/>
+            <a:r>
+              <a:rPr lang="en-US"/>
+              <a:t>Fourth level</a:t>
+            </a:r>
+          </a:p>
+          <a:p>
+            <a:pPr lvl="4"/>
+            <a:r>
+              <a:rPr lang="en-US"/>
+              <a:t>Fifth level</a:t>
+            </a:r>
+            <a:endParaRPr lang="es-ES_tradnl"/>
+          </a:p>
+        </p:txBody>
+      </p:sp>
+      <p:sp>
+        <p:nvSpPr>
+          <p:cNvPr id="6" name="Footer Placeholder 5"/>
+          <p:cNvSpPr>
+            <a:spLocks noGrp="1"/>
+          </p:cNvSpPr>
+          <p:nvPr>
+            <p:ph type="ftr" sz="quarter" idx="4"/>
+          </p:nvPr>
+        </p:nvSpPr>
+        <p:spPr>
+          <a:xfrm>
+            <a:off x="0" y="8685213"/>
+            <a:ext cx="2971800" cy="458787"/>
+          </a:xfrm>
+          <a:prstGeom prst="rect">
+            <a:avLst/>
+          </a:prstGeom>
+        </p:spPr>
+        <p:txBody>
+          <a:bodyPr vert="horz" lIns="91440" tIns="45720" rIns="91440" bIns="45720" rtlCol="0" anchor="b"/>
+          <a:lstStyle>
+            <a:lvl1pPr algn="l">
+              <a:defRPr sz="1200"/>
+            </a:lvl1pPr>
+          </a:lstStyle>
+          <a:p>
+            <a:endParaRPr lang="es-ES_tradnl"/>
+          </a:p>
+        </p:txBody>
+      </p:sp>
+      <p:sp>
+        <p:nvSpPr>
+          <p:cNvPr id="7" name="Slide Number Placeholder 6"/>
+          <p:cNvSpPr>
+            <a:spLocks noGrp="1"/>
+          </p:cNvSpPr>
+          <p:nvPr>
+            <p:ph type="sldNum" sz="quarter" idx="5"/>
+          </p:nvPr>
+        </p:nvSpPr>
+        <p:spPr>
+          <a:xfrm>
+            <a:off x="3884613" y="8685213"/>
+            <a:ext cx="2971800" cy="458787"/>
+          </a:xfrm>
+          <a:prstGeom prst="rect">
+            <a:avLst/>
+          </a:prstGeom>
+        </p:spPr>
+        <p:txBody>
+          <a:bodyPr vert="horz" lIns="91440" tIns="45720" rIns="91440" bIns="45720" rtlCol="0" anchor="b"/>
+          <a:lstStyle>
+            <a:lvl1pPr algn="r">
+              <a:defRPr sz="1200"/>
+            </a:lvl1pPr>
+          </a:lstStyle>
+          <a:p>
+            <a:fld id="{1ACF597E-3C13-D049-8AFD-B5291D47FBA7}" type="slidenum">
+              <a:rPr lang="es-ES_tradnl" smtClean="0"/>
+              <a:t>‹#›</a:t>
+            </a:fld>
+            <a:endParaRPr lang="es-ES_tradnl"/>
+          </a:p>
+        </p:txBody>
+      </p:sp>
+    </p:spTree>
+    <p:extLst>
+      <p:ext uri="{BB962C8B-B14F-4D97-AF65-F5344CB8AC3E}">
+        <p14:creationId xmlns:p14="http://schemas.microsoft.com/office/powerpoint/2010/main" val="3483745291"/>
+      </p:ext>
+    </p:extLst>
+  </p:cSld>
+  <p:clrMap bg1="lt1" tx1="dk1" bg2="lt2" tx2="dk2" accent1="accent1" accent2="accent2" accent3="accent3" accent4="accent4" accent5="accent5" accent6="accent6" hlink="hlink" folHlink="folHlink"/>
+  <p:notesStyle>
+    <a:lvl1pPr marL="0" algn="l" defTabSz="914400" rtl="0" eaLnBrk="1" latinLnBrk="0" hangingPunct="1">
+      <a:defRPr sz="1200" kern="1200">
+        <a:solidFill>
+          <a:schemeClr val="tx1"/>
+        </a:solidFill>
+        <a:latin typeface="+mn-lt"/>
+        <a:ea typeface="+mn-ea"/>
+        <a:cs typeface="+mn-cs"/>
+      </a:defRPr>
+    </a:lvl1pPr>
+    <a:lvl2pPr marL="457200" algn="l" defTabSz="914400" rtl="0" eaLnBrk="1" latinLnBrk="0" hangingPunct="1">
+      <a:defRPr sz="1200" kern="1200">
+        <a:solidFill>
+          <a:schemeClr val="tx1"/>
+        </a:solidFill>
+        <a:latin typeface="+mn-lt"/>
+        <a:ea typeface="+mn-ea"/>
+        <a:cs typeface="+mn-cs"/>
+      </a:defRPr>
+    </a:lvl2pPr>
+    <a:lvl3pPr marL="914400" algn="l" defTabSz="914400" rtl="0" eaLnBrk="1" latinLnBrk="0" hangingPunct="1">
+      <a:defRPr sz="1200" kern="1200">
+        <a:solidFill>
+          <a:schemeClr val="tx1"/>
+        </a:solidFill>
+        <a:latin typeface="+mn-lt"/>
+        <a:ea typeface="+mn-ea"/>
+        <a:cs typeface="+mn-cs"/>
+      </a:defRPr>
+    </a:lvl3pPr>
+    <a:lvl4pPr marL="1371600" algn="l" defTabSz="914400" rtl="0" eaLnBrk="1" latinLnBrk="0" hangingPunct="1">
+      <a:defRPr sz="1200" kern="1200">
+        <a:solidFill>
+          <a:schemeClr val="tx1"/>
+        </a:solidFill>
+        <a:latin typeface="+mn-lt"/>
+        <a:ea typeface="+mn-ea"/>
+        <a:cs typeface="+mn-cs"/>
+      </a:defRPr>
+    </a:lvl4pPr>
+    <a:lvl5pPr marL="1828800" algn="l" defTabSz="914400" rtl="0" eaLnBrk="1" latinLnBrk="0" hangingPunct="1">
+      <a:defRPr sz="1200" kern="1200">
+        <a:solidFill>
+          <a:schemeClr val="tx1"/>
+        </a:solidFill>
+        <a:latin typeface="+mn-lt"/>
+        <a:ea typeface="+mn-ea"/>
+        <a:cs typeface="+mn-cs"/>
+      </a:defRPr>
+    </a:lvl5pPr>
+    <a:lvl6pPr marL="2286000" algn="l" defTabSz="914400" rtl="0" eaLnBrk="1" latinLnBrk="0" hangingPunct="1">
+      <a:defRPr sz="1200" kern="1200">
+        <a:solidFill>
+          <a:schemeClr val="tx1"/>
+        </a:solidFill>
+        <a:latin typeface="+mn-lt"/>
+        <a:ea typeface="+mn-ea"/>
+        <a:cs typeface="+mn-cs"/>
+      </a:defRPr>
+    </a:lvl6pPr>
+    <a:lvl7pPr marL="2743200" algn="l" defTabSz="914400" rtl="0" eaLnBrk="1" latinLnBrk="0" hangingPunct="1">
+      <a:defRPr sz="1200" kern="1200">
+        <a:solidFill>
+          <a:schemeClr val="tx1"/>
+        </a:solidFill>
+        <a:latin typeface="+mn-lt"/>
+        <a:ea typeface="+mn-ea"/>
+        <a:cs typeface="+mn-cs"/>
+      </a:defRPr>
+    </a:lvl7pPr>
+    <a:lvl8pPr marL="3200400" algn="l" defTabSz="914400" rtl="0" eaLnBrk="1" latinLnBrk="0" hangingPunct="1">
+      <a:defRPr sz="1200" kern="1200">
+        <a:solidFill>
+          <a:schemeClr val="tx1"/>
+        </a:solidFill>
+        <a:latin typeface="+mn-lt"/>
+        <a:ea typeface="+mn-ea"/>
+        <a:cs typeface="+mn-cs"/>
+      </a:defRPr>
+    </a:lvl8pPr>
+    <a:lvl9pPr marL="3657600" algn="l" defTabSz="914400" rtl="0" eaLnBrk="1" latinLnBrk="0" hangingPunct="1">
+      <a:defRPr sz="1200" kern="1200">
+        <a:solidFill>
+          <a:schemeClr val="tx1"/>
+        </a:solidFill>
+        <a:latin typeface="+mn-lt"/>
+        <a:ea typeface="+mn-ea"/>
+        <a:cs typeface="+mn-cs"/>
+      </a:defRPr>
+    </a:lvl9pPr>
+  </p:notesStyle>
+</p:notesMaster>
+</file>
+
+<file path=ppt/notesSlides/notesSlide1.xml><?xml version="1.0" encoding="utf-8"?>
+<p:notes xmlns:a="http://schemas.openxmlformats.org/drawingml/2006/main" xmlns:r="http://schemas.openxmlformats.org/officeDocument/2006/relationships" xmlns:p="http://schemas.openxmlformats.org/presentationml/2006/main">
+  <p:cSld>
+    <p:spTree>
+      <p:nvGrpSpPr>
+        <p:cNvPr id="1" name=""/>
+        <p:cNvGrpSpPr/>
+        <p:nvPr/>
+      </p:nvGrpSpPr>
+      <p:grpSpPr>
+        <a:xfrm>
+          <a:off x="0" y="0"/>
+          <a:ext cx="0" cy="0"/>
+          <a:chOff x="0" y="0"/>
+          <a:chExt cx="0" cy="0"/>
+        </a:xfrm>
+      </p:grpSpPr>
+      <p:sp>
+        <p:nvSpPr>
+          <p:cNvPr id="2" name="Slide Image Placeholder 1"/>
+          <p:cNvSpPr>
+            <a:spLocks noGrp="1" noRot="1" noChangeAspect="1"/>
+          </p:cNvSpPr>
+          <p:nvPr>
+            <p:ph type="sldImg"/>
+          </p:nvPr>
+        </p:nvSpPr>
+        <p:spPr/>
+      </p:sp>
+      <p:sp>
+        <p:nvSpPr>
+          <p:cNvPr id="3" name="Notes Placeholder 2"/>
+          <p:cNvSpPr>
+            <a:spLocks noGrp="1"/>
+          </p:cNvSpPr>
+          <p:nvPr>
+            <p:ph type="body" idx="1"/>
+          </p:nvPr>
+        </p:nvSpPr>
+        <p:spPr/>
+        <p:txBody>
+          <a:bodyPr/>
+          <a:lstStyle/>
+          <a:p>
+            <a:endParaRPr lang="en-US" dirty="0"/>
+          </a:p>
+        </p:txBody>
+      </p:sp>
+      <p:sp>
+        <p:nvSpPr>
+          <p:cNvPr id="4" name="Slide Number Placeholder 3"/>
+          <p:cNvSpPr>
+            <a:spLocks noGrp="1"/>
+          </p:cNvSpPr>
+          <p:nvPr>
+            <p:ph type="sldNum" sz="quarter" idx="5"/>
+          </p:nvPr>
+        </p:nvSpPr>
+        <p:spPr/>
+        <p:txBody>
+          <a:bodyPr/>
+          <a:lstStyle/>
+          <a:p>
+            <a:fld id="{0BC98358-CE35-47A5-8D2E-568CC13395E3}" type="slidenum">
+              <a:rPr lang="en-US" smtClean="0"/>
+              <a:t>1</a:t>
+            </a:fld>
+            <a:endParaRPr lang="en-US"/>
+          </a:p>
+        </p:txBody>
+      </p:sp>
+    </p:spTree>
+    <p:extLst>
+      <p:ext uri="{BB962C8B-B14F-4D97-AF65-F5344CB8AC3E}">
+        <p14:creationId xmlns:p14="http://schemas.microsoft.com/office/powerpoint/2010/main" val="4005685077"/>
+      </p:ext>
+    </p:extLst>
+  </p:cSld>
+  <p:clrMapOvr>
+    <a:masterClrMapping/>
+  </p:clrMapOvr>
+</p:notes>
 </file>
 
 <file path=ppt/slideLayouts/slideLayout1.xml><?xml version="1.0" encoding="utf-8"?>
@@ -265,7 +720,7 @@
           <a:p>
             <a:fld id="{2167A42A-8D4A-48BE-87EF-28C7E229D938}" type="datetimeFigureOut">
               <a:rPr lang="en-US" smtClean="0"/>
-              <a:t>2/27/2020</a:t>
+              <a:t>3/1/20</a:t>
             </a:fld>
             <a:endParaRPr lang="en-US"/>
           </a:p>
@@ -463,7 +918,7 @@
           <a:p>
             <a:fld id="{2167A42A-8D4A-48BE-87EF-28C7E229D938}" type="datetimeFigureOut">
               <a:rPr lang="en-US" smtClean="0"/>
-              <a:t>2/27/2020</a:t>
+              <a:t>3/1/20</a:t>
             </a:fld>
             <a:endParaRPr lang="en-US"/>
           </a:p>
@@ -671,7 +1126,7 @@
           <a:p>
             <a:fld id="{2167A42A-8D4A-48BE-87EF-28C7E229D938}" type="datetimeFigureOut">
               <a:rPr lang="en-US" smtClean="0"/>
-              <a:t>2/27/2020</a:t>
+              <a:t>3/1/20</a:t>
             </a:fld>
             <a:endParaRPr lang="en-US"/>
           </a:p>
@@ -735,6 +1190,170 @@
     <p:extLst>
       <p:ext uri="{BB962C8B-B14F-4D97-AF65-F5344CB8AC3E}">
         <p14:creationId xmlns:p14="http://schemas.microsoft.com/office/powerpoint/2010/main" val="3414157538"/>
+      </p:ext>
+    </p:extLst>
+  </p:cSld>
+  <p:clrMapOvr>
+    <a:masterClrMapping/>
+  </p:clrMapOvr>
+</p:sldLayout>
+</file>
+
+<file path=ppt/slideLayouts/slideLayout12.xml><?xml version="1.0" encoding="utf-8"?>
+<p:sldLayout xmlns:a="http://schemas.openxmlformats.org/drawingml/2006/main" xmlns:r="http://schemas.openxmlformats.org/officeDocument/2006/relationships" xmlns:p="http://schemas.openxmlformats.org/presentationml/2006/main" showMasterSp="0" userDrawn="1">
+  <p:cSld name="1_Title Slide">
+    <p:spTree>
+      <p:nvGrpSpPr>
+        <p:cNvPr id="1" name=""/>
+        <p:cNvGrpSpPr/>
+        <p:nvPr/>
+      </p:nvGrpSpPr>
+      <p:grpSpPr>
+        <a:xfrm>
+          <a:off x="0" y="0"/>
+          <a:ext cx="0" cy="0"/>
+          <a:chOff x="0" y="0"/>
+          <a:chExt cx="0" cy="0"/>
+        </a:xfrm>
+      </p:grpSpPr>
+      <p:sp>
+        <p:nvSpPr>
+          <p:cNvPr id="125954" name="Rectangle 2"/>
+          <p:cNvSpPr>
+            <a:spLocks noGrp="1" noChangeArrowheads="1"/>
+          </p:cNvSpPr>
+          <p:nvPr>
+            <p:ph type="ctrTitle"/>
+          </p:nvPr>
+        </p:nvSpPr>
+        <p:spPr>
+          <a:xfrm>
+            <a:off x="895351" y="2914650"/>
+            <a:ext cx="10363200" cy="1470025"/>
+          </a:xfrm>
+        </p:spPr>
+        <p:txBody>
+          <a:bodyPr/>
+          <a:lstStyle>
+            <a:lvl1pPr>
+              <a:defRPr/>
+            </a:lvl1pPr>
+          </a:lstStyle>
+          <a:p>
+            <a:r>
+              <a:rPr lang="en-US" dirty="0"/>
+              <a:t>Click to edit Master title style</a:t>
+            </a:r>
+          </a:p>
+        </p:txBody>
+      </p:sp>
+      <p:sp>
+        <p:nvSpPr>
+          <p:cNvPr id="125955" name="Rectangle 3"/>
+          <p:cNvSpPr>
+            <a:spLocks noGrp="1" noChangeArrowheads="1"/>
+          </p:cNvSpPr>
+          <p:nvPr>
+            <p:ph type="subTitle" idx="1"/>
+          </p:nvPr>
+        </p:nvSpPr>
+        <p:spPr>
+          <a:xfrm>
+            <a:off x="1773767" y="4603750"/>
+            <a:ext cx="8534400" cy="1752600"/>
+          </a:xfrm>
+        </p:spPr>
+        <p:txBody>
+          <a:bodyPr/>
+          <a:lstStyle>
+            <a:lvl1pPr marL="0" indent="0" algn="ctr">
+              <a:buFontTx/>
+              <a:buNone/>
+              <a:defRPr/>
+            </a:lvl1pPr>
+          </a:lstStyle>
+          <a:p>
+            <a:r>
+              <a:rPr lang="en-US" dirty="0"/>
+              <a:t>Click to edit Master subtitle style</a:t>
+            </a:r>
+          </a:p>
+        </p:txBody>
+      </p:sp>
+      <p:pic>
+        <p:nvPicPr>
+          <p:cNvPr id="7" name="Picture 6">
+            <a:extLst>
+              <a:ext uri="{FF2B5EF4-FFF2-40B4-BE49-F238E27FC236}">
+                <a16:creationId xmlns:a16="http://schemas.microsoft.com/office/drawing/2014/main" id="{08220EE4-B682-49AF-A924-5D66F31A3603}"/>
+              </a:ext>
+            </a:extLst>
+          </p:cNvPr>
+          <p:cNvPicPr>
+            <a:picLocks noChangeAspect="1"/>
+          </p:cNvPicPr>
+          <p:nvPr userDrawn="1"/>
+        </p:nvPicPr>
+        <p:blipFill rotWithShape="1">
+          <a:blip r:embed="rId2"/>
+          <a:srcRect t="5512"/>
+          <a:stretch/>
+        </p:blipFill>
+        <p:spPr>
+          <a:xfrm>
+            <a:off x="0" y="0"/>
+            <a:ext cx="12192000" cy="6858000"/>
+          </a:xfrm>
+          <a:prstGeom prst="rect">
+            <a:avLst/>
+          </a:prstGeom>
+        </p:spPr>
+      </p:pic>
+      <p:sp>
+        <p:nvSpPr>
+          <p:cNvPr id="9" name="Text Placeholder 8">
+            <a:extLst>
+              <a:ext uri="{FF2B5EF4-FFF2-40B4-BE49-F238E27FC236}">
+                <a16:creationId xmlns:a16="http://schemas.microsoft.com/office/drawing/2014/main" id="{4BA03609-F207-430E-BD10-7EDECB42AA3B}"/>
+              </a:ext>
+            </a:extLst>
+          </p:cNvPr>
+          <p:cNvSpPr>
+            <a:spLocks noGrp="1"/>
+          </p:cNvSpPr>
+          <p:nvPr>
+            <p:ph type="body" sz="quarter" idx="10"/>
+          </p:nvPr>
+        </p:nvSpPr>
+        <p:spPr>
+          <a:xfrm>
+            <a:off x="1354138" y="582613"/>
+            <a:ext cx="5296044" cy="1830387"/>
+          </a:xfrm>
+        </p:spPr>
+        <p:txBody>
+          <a:bodyPr/>
+          <a:lstStyle>
+            <a:lvl1pPr>
+              <a:defRPr sz="4800" b="1">
+                <a:latin typeface="PMingLiU" panose="020B0604030504040204" pitchFamily="18" charset="-120"/>
+                <a:ea typeface="PMingLiU" panose="020B0604030504040204" pitchFamily="18" charset="-120"/>
+              </a:defRPr>
+            </a:lvl1pPr>
+          </a:lstStyle>
+          <a:p>
+            <a:pPr lvl="0"/>
+            <a:endParaRPr lang="es-MX" dirty="0">
+              <a:latin typeface="PMingLiU" panose="020B0604030504040204" pitchFamily="18" charset="-120"/>
+              <a:ea typeface="PMingLiU" panose="020B0604030504040204" pitchFamily="18" charset="-120"/>
+            </a:endParaRPr>
+          </a:p>
+        </p:txBody>
+      </p:sp>
+    </p:spTree>
+    <p:extLst>
+      <p:ext uri="{BB962C8B-B14F-4D97-AF65-F5344CB8AC3E}">
+        <p14:creationId xmlns:p14="http://schemas.microsoft.com/office/powerpoint/2010/main" val="3235347544"/>
       </p:ext>
     </p:extLst>
   </p:cSld>
@@ -869,7 +1488,7 @@
           <a:p>
             <a:fld id="{2167A42A-8D4A-48BE-87EF-28C7E229D938}" type="datetimeFigureOut">
               <a:rPr lang="en-US" smtClean="0"/>
-              <a:t>2/27/2020</a:t>
+              <a:t>3/1/20</a:t>
             </a:fld>
             <a:endParaRPr lang="en-US"/>
           </a:p>
@@ -1144,7 +1763,7 @@
           <a:p>
             <a:fld id="{2167A42A-8D4A-48BE-87EF-28C7E229D938}" type="datetimeFigureOut">
               <a:rPr lang="en-US" smtClean="0"/>
-              <a:t>2/27/2020</a:t>
+              <a:t>3/1/20</a:t>
             </a:fld>
             <a:endParaRPr lang="en-US"/>
           </a:p>
@@ -1409,7 +2028,7 @@
           <a:p>
             <a:fld id="{2167A42A-8D4A-48BE-87EF-28C7E229D938}" type="datetimeFigureOut">
               <a:rPr lang="en-US" smtClean="0"/>
-              <a:t>2/27/2020</a:t>
+              <a:t>3/1/20</a:t>
             </a:fld>
             <a:endParaRPr lang="en-US"/>
           </a:p>
@@ -1821,7 +2440,7 @@
           <a:p>
             <a:fld id="{2167A42A-8D4A-48BE-87EF-28C7E229D938}" type="datetimeFigureOut">
               <a:rPr lang="en-US" smtClean="0"/>
-              <a:t>2/27/2020</a:t>
+              <a:t>3/1/20</a:t>
             </a:fld>
             <a:endParaRPr lang="en-US"/>
           </a:p>
@@ -1962,7 +2581,7 @@
           <a:p>
             <a:fld id="{2167A42A-8D4A-48BE-87EF-28C7E229D938}" type="datetimeFigureOut">
               <a:rPr lang="en-US" smtClean="0"/>
-              <a:t>2/27/2020</a:t>
+              <a:t>3/1/20</a:t>
             </a:fld>
             <a:endParaRPr lang="en-US"/>
           </a:p>
@@ -2075,7 +2694,7 @@
           <a:p>
             <a:fld id="{2167A42A-8D4A-48BE-87EF-28C7E229D938}" type="datetimeFigureOut">
               <a:rPr lang="en-US" smtClean="0"/>
-              <a:t>2/27/2020</a:t>
+              <a:t>3/1/20</a:t>
             </a:fld>
             <a:endParaRPr lang="en-US"/>
           </a:p>
@@ -2386,7 +3005,7 @@
           <a:p>
             <a:fld id="{2167A42A-8D4A-48BE-87EF-28C7E229D938}" type="datetimeFigureOut">
               <a:rPr lang="en-US" smtClean="0"/>
-              <a:t>2/27/2020</a:t>
+              <a:t>3/1/20</a:t>
             </a:fld>
             <a:endParaRPr lang="en-US"/>
           </a:p>
@@ -2674,7 +3293,7 @@
           <a:p>
             <a:fld id="{2167A42A-8D4A-48BE-87EF-28C7E229D938}" type="datetimeFigureOut">
               <a:rPr lang="en-US" smtClean="0"/>
-              <a:t>2/27/2020</a:t>
+              <a:t>3/1/20</a:t>
             </a:fld>
             <a:endParaRPr lang="en-US"/>
           </a:p>
@@ -2915,7 +3534,7 @@
           <a:p>
             <a:fld id="{2167A42A-8D4A-48BE-87EF-28C7E229D938}" type="datetimeFigureOut">
               <a:rPr lang="en-US" smtClean="0"/>
-              <a:t>2/27/2020</a:t>
+              <a:t>3/1/20</a:t>
             </a:fld>
             <a:endParaRPr lang="en-US"/>
           </a:p>
@@ -3031,6 +3650,7 @@
     <p:sldLayoutId id="2147483657" r:id="rId9"/>
     <p:sldLayoutId id="2147483658" r:id="rId10"/>
     <p:sldLayoutId id="2147483659" r:id="rId11"/>
+    <p:sldLayoutId id="2147483660" r:id="rId12"/>
   </p:sldLayoutIdLst>
   <p:txStyles>
     <p:titleStyle>
@@ -3334,330 +3954,96 @@
       </p:grpSpPr>
       <p:sp>
         <p:nvSpPr>
-          <p:cNvPr id="31746" name="Title 1">
-            <a:extLst>
-              <a:ext uri="{FF2B5EF4-FFF2-40B4-BE49-F238E27FC236}">
-                <a16:creationId xmlns:a16="http://schemas.microsoft.com/office/drawing/2014/main" id="{996AF7B1-709B-413D-9480-0AF73C84A1CC}"/>
-              </a:ext>
-            </a:extLst>
-          </p:cNvPr>
-          <p:cNvSpPr>
-            <a:spLocks noGrp="1" noChangeArrowheads="1"/>
-          </p:cNvSpPr>
-          <p:nvPr>
-            <p:ph type="title"/>
-          </p:nvPr>
-        </p:nvSpPr>
-        <p:spPr/>
-        <p:txBody>
-          <a:bodyPr/>
-          <a:lstStyle/>
-          <a:p>
-            <a:r>
-              <a:rPr lang="en-US" altLang="en-US"/>
-              <a:t>Búsqueda Binaria</a:t>
-            </a:r>
-          </a:p>
-        </p:txBody>
-      </p:sp>
-      <p:sp>
-        <p:nvSpPr>
-          <p:cNvPr id="3" name="Content Placeholder 2">
-            <a:extLst>
-              <a:ext uri="{FF2B5EF4-FFF2-40B4-BE49-F238E27FC236}">
-                <a16:creationId xmlns:a16="http://schemas.microsoft.com/office/drawing/2014/main" id="{2C71D5C2-0327-49D3-A9A1-59783EEB2222}"/>
-              </a:ext>
-            </a:extLst>
-          </p:cNvPr>
-          <p:cNvSpPr>
-            <a:spLocks noGrp="1"/>
-          </p:cNvSpPr>
-          <p:nvPr>
-            <p:ph idx="1"/>
-          </p:nvPr>
-        </p:nvSpPr>
-        <p:spPr/>
-        <p:txBody>
-          <a:bodyPr/>
-          <a:lstStyle/>
-          <a:p>
-            <a:pPr>
-              <a:defRPr/>
-            </a:pPr>
-            <a:r>
-              <a:rPr lang="en-US" dirty="0"/>
-              <a:t>Draft </a:t>
-            </a:r>
-            <a:r>
-              <a:rPr lang="en-US" dirty="0" err="1"/>
-              <a:t>inicial</a:t>
-            </a:r>
-            <a:r>
-              <a:rPr lang="en-US" dirty="0"/>
-              <a:t> del </a:t>
-            </a:r>
-            <a:r>
-              <a:rPr lang="en-US" dirty="0" err="1"/>
-              <a:t>algoritmo</a:t>
-            </a:r>
-            <a:r>
-              <a:rPr lang="en-US" b="1" dirty="0" err="1">
-                <a:solidFill>
-                  <a:srgbClr val="0070C0"/>
-                </a:solidFill>
-                <a:latin typeface="Courier New" pitchFamily="49" charset="0"/>
-                <a:cs typeface="Courier New" pitchFamily="49" charset="0"/>
-              </a:rPr>
-              <a:t>a</a:t>
-            </a:r>
-            <a:r>
-              <a:rPr lang="en-US" b="1" dirty="0">
-                <a:solidFill>
-                  <a:srgbClr val="0070C0"/>
-                </a:solidFill>
-                <a:latin typeface="Courier New" pitchFamily="49" charset="0"/>
-                <a:cs typeface="Courier New" pitchFamily="49" charset="0"/>
-              </a:rPr>
-              <a:t>[first] </a:t>
-            </a:r>
-            <a:r>
-              <a:rPr lang="en-US" dirty="0"/>
-              <a:t>through </a:t>
-            </a:r>
-            <a:r>
-              <a:rPr lang="en-US" b="1" dirty="0">
-                <a:solidFill>
-                  <a:srgbClr val="0070C0"/>
-                </a:solidFill>
-                <a:latin typeface="Courier New" pitchFamily="49" charset="0"/>
-                <a:cs typeface="Courier New" pitchFamily="49" charset="0"/>
-              </a:rPr>
-              <a:t>a[last]</a:t>
-            </a:r>
-          </a:p>
-          <a:p>
-            <a:pPr>
-              <a:defRPr/>
-            </a:pPr>
-            <a:endParaRPr lang="en-US" b="1" dirty="0">
-              <a:solidFill>
-                <a:srgbClr val="0070C0"/>
-              </a:solidFill>
-              <a:latin typeface="Courier New" pitchFamily="49" charset="0"/>
-              <a:cs typeface="Courier New" pitchFamily="49" charset="0"/>
-            </a:endParaRPr>
-          </a:p>
-          <a:p>
-            <a:pPr>
-              <a:defRPr/>
-            </a:pPr>
-            <a:endParaRPr lang="en-US" b="1" dirty="0">
-              <a:solidFill>
-                <a:srgbClr val="0070C0"/>
-              </a:solidFill>
-              <a:latin typeface="Courier New" pitchFamily="49" charset="0"/>
-              <a:cs typeface="Courier New" pitchFamily="49" charset="0"/>
-            </a:endParaRPr>
-          </a:p>
-          <a:p>
-            <a:pPr>
-              <a:defRPr/>
-            </a:pPr>
-            <a:endParaRPr lang="en-US" b="1" dirty="0">
-              <a:solidFill>
-                <a:srgbClr val="0070C0"/>
-              </a:solidFill>
-              <a:latin typeface="Courier New" pitchFamily="49" charset="0"/>
-              <a:cs typeface="Courier New" pitchFamily="49" charset="0"/>
-            </a:endParaRPr>
-          </a:p>
-          <a:p>
-            <a:pPr>
-              <a:defRPr/>
-            </a:pPr>
-            <a:endParaRPr lang="en-US" b="1" dirty="0">
-              <a:solidFill>
-                <a:srgbClr val="0070C0"/>
-              </a:solidFill>
-              <a:latin typeface="Courier New" pitchFamily="49" charset="0"/>
-              <a:cs typeface="Courier New" pitchFamily="49" charset="0"/>
-            </a:endParaRPr>
-          </a:p>
-          <a:p>
-            <a:pPr marL="457200" lvl="1" indent="0">
-              <a:buNone/>
-              <a:defRPr/>
-            </a:pPr>
-            <a:br>
-              <a:rPr lang="en-US" dirty="0">
-                <a:ea typeface="+mn-ea"/>
-                <a:cs typeface="+mn-cs"/>
-              </a:rPr>
-            </a:br>
-            <a:r>
-              <a:rPr lang="en-US" dirty="0" err="1">
-                <a:ea typeface="+mn-ea"/>
-                <a:cs typeface="+mn-cs"/>
-              </a:rPr>
-              <a:t>Qué</a:t>
-            </a:r>
-            <a:r>
-              <a:rPr lang="en-US" dirty="0">
-                <a:ea typeface="+mn-ea"/>
-                <a:cs typeface="+mn-cs"/>
-              </a:rPr>
-              <a:t> </a:t>
-            </a:r>
-            <a:r>
-              <a:rPr lang="en-US" dirty="0" err="1">
-                <a:ea typeface="+mn-ea"/>
-                <a:cs typeface="+mn-cs"/>
-              </a:rPr>
-              <a:t>pasa</a:t>
-            </a:r>
-            <a:r>
-              <a:rPr lang="en-US" dirty="0">
-                <a:ea typeface="+mn-ea"/>
-                <a:cs typeface="+mn-cs"/>
-              </a:rPr>
-              <a:t> </a:t>
-            </a:r>
-            <a:r>
-              <a:rPr lang="en-US" dirty="0" err="1">
-                <a:ea typeface="+mn-ea"/>
-                <a:cs typeface="+mn-cs"/>
-              </a:rPr>
-              <a:t>si</a:t>
-            </a:r>
-            <a:r>
-              <a:rPr lang="en-US" dirty="0">
-                <a:ea typeface="+mn-ea"/>
-                <a:cs typeface="+mn-cs"/>
-              </a:rPr>
-              <a:t> el </a:t>
-            </a:r>
-            <a:r>
-              <a:rPr lang="en-US" dirty="0" err="1">
-                <a:ea typeface="+mn-ea"/>
-                <a:cs typeface="+mn-cs"/>
-              </a:rPr>
-              <a:t>elemento</a:t>
-            </a:r>
-            <a:r>
-              <a:rPr lang="en-US" dirty="0">
-                <a:ea typeface="+mn-ea"/>
-                <a:cs typeface="+mn-cs"/>
-              </a:rPr>
-              <a:t> no se </a:t>
-            </a:r>
-            <a:r>
-              <a:rPr lang="en-US" dirty="0" err="1">
-                <a:ea typeface="+mn-ea"/>
-                <a:cs typeface="+mn-cs"/>
-              </a:rPr>
-              <a:t>encuentra</a:t>
-            </a:r>
-            <a:r>
-              <a:rPr lang="en-US" dirty="0">
-                <a:ea typeface="+mn-ea"/>
-                <a:cs typeface="+mn-cs"/>
-              </a:rPr>
-              <a:t> </a:t>
-            </a:r>
-            <a:r>
-              <a:rPr lang="en-US" dirty="0" err="1">
-                <a:ea typeface="+mn-ea"/>
-                <a:cs typeface="+mn-cs"/>
-              </a:rPr>
-              <a:t>en</a:t>
-            </a:r>
-            <a:r>
-              <a:rPr lang="en-US" dirty="0">
-                <a:ea typeface="+mn-ea"/>
-                <a:cs typeface="+mn-cs"/>
-              </a:rPr>
-              <a:t> el </a:t>
-            </a:r>
-            <a:r>
-              <a:rPr lang="en-US" dirty="0" err="1">
-                <a:ea typeface="+mn-ea"/>
-                <a:cs typeface="+mn-cs"/>
-              </a:rPr>
-              <a:t>arreglo</a:t>
-            </a:r>
-            <a:r>
-              <a:rPr lang="en-US" dirty="0">
-                <a:ea typeface="+mn-ea"/>
-                <a:cs typeface="+mn-cs"/>
-              </a:rPr>
-              <a:t>?</a:t>
-            </a:r>
-          </a:p>
-        </p:txBody>
-      </p:sp>
-      <p:pic>
-        <p:nvPicPr>
-          <p:cNvPr id="31748" name="Picture 2">
-            <a:extLst>
-              <a:ext uri="{FF2B5EF4-FFF2-40B4-BE49-F238E27FC236}">
-                <a16:creationId xmlns:a16="http://schemas.microsoft.com/office/drawing/2014/main" id="{7BD103EF-6E11-4167-A0AB-328E9D82445F}"/>
-              </a:ext>
-            </a:extLst>
-          </p:cNvPr>
-          <p:cNvPicPr>
-            <a:picLocks noChangeAspect="1" noChangeArrowheads="1"/>
-          </p:cNvPicPr>
+          <p:cNvPr id="4" name="Rectangle 3">
+            <a:extLst>
+              <a:ext uri="{FF2B5EF4-FFF2-40B4-BE49-F238E27FC236}">
+                <a16:creationId xmlns:a16="http://schemas.microsoft.com/office/drawing/2014/main" id="{902F2880-3DF2-4D5C-ACCF-7460B142BDB0}"/>
+              </a:ext>
+            </a:extLst>
+          </p:cNvPr>
+          <p:cNvSpPr/>
           <p:nvPr/>
-        </p:nvPicPr>
-        <p:blipFill>
-          <a:blip r:embed="rId2">
-            <a:extLst>
-              <a:ext uri="{28A0092B-C50C-407E-A947-70E740481C1C}">
-                <a14:useLocalDpi xmlns:a14="http://schemas.microsoft.com/office/drawing/2010/main" val="0"/>
-              </a:ext>
-            </a:extLst>
-          </a:blip>
-          <a:srcRect/>
-          <a:stretch>
-            <a:fillRect/>
-          </a:stretch>
-        </p:blipFill>
-        <p:spPr bwMode="auto">
+        </p:nvSpPr>
+        <p:spPr>
           <a:xfrm>
-            <a:off x="2101850" y="2046490"/>
-            <a:ext cx="7988300" cy="2179637"/>
+            <a:off x="858186" y="457048"/>
+            <a:ext cx="5764720" cy="1754326"/>
           </a:xfrm>
           <a:prstGeom prst="rect">
             <a:avLst/>
           </a:prstGeom>
-          <a:solidFill>
-            <a:schemeClr val="accent1"/>
-          </a:solidFill>
-          <a:ln>
-            <a:noFill/>
-          </a:ln>
-          <a:effectLst>
-            <a:outerShdw dist="107763" dir="2700000" algn="ctr" rotWithShape="0">
-              <a:schemeClr val="bg2">
-                <a:alpha val="50000"/>
-              </a:schemeClr>
-            </a:outerShdw>
-          </a:effectLst>
-          <a:extLst>
-            <a:ext uri="{91240B29-F687-4F45-9708-019B960494DF}">
-              <a14:hiddenLine xmlns:a14="http://schemas.microsoft.com/office/drawing/2010/main" w="12700" algn="ctr">
-                <a:solidFill>
-                  <a:srgbClr val="000000"/>
-                </a:solidFill>
-                <a:miter lim="800000"/>
-                <a:headEnd/>
-                <a:tailEnd/>
-              </a14:hiddenLine>
-            </a:ext>
-          </a:extLst>
         </p:spPr>
-      </p:pic>
+        <p:txBody>
+          <a:bodyPr wrap="none">
+            <a:spAutoFit/>
+          </a:bodyPr>
+          <a:lstStyle/>
+          <a:p>
+            <a:pPr lvl="0" algn="ctr"/>
+            <a:r>
+              <a:rPr lang="es-MX" sz="5400" b="1" dirty="0">
+                <a:latin typeface="PMingLiU" panose="020B0604030504040204" pitchFamily="18" charset="-120"/>
+                <a:ea typeface="PMingLiU" panose="020B0604030504040204" pitchFamily="18" charset="-120"/>
+              </a:rPr>
+              <a:t>Módulo 8: Recursión</a:t>
+            </a:r>
+          </a:p>
+          <a:p>
+            <a:pPr lvl="0" algn="ctr"/>
+            <a:r>
+              <a:rPr lang="es-MX" sz="5400" b="1" dirty="0">
+                <a:latin typeface="PMingLiU" panose="020B0604030504040204" pitchFamily="18" charset="-120"/>
+                <a:ea typeface="PMingLiU" panose="020B0604030504040204" pitchFamily="18" charset="-120"/>
+              </a:rPr>
+              <a:t>Parte 2</a:t>
+            </a:r>
+          </a:p>
+        </p:txBody>
+      </p:sp>
+      <p:sp>
+        <p:nvSpPr>
+          <p:cNvPr id="7" name="Rectangle 6">
+            <a:extLst>
+              <a:ext uri="{FF2B5EF4-FFF2-40B4-BE49-F238E27FC236}">
+                <a16:creationId xmlns:a16="http://schemas.microsoft.com/office/drawing/2014/main" id="{773DD1EF-6957-4BFF-AB84-D554DCB5E405}"/>
+              </a:ext>
+            </a:extLst>
+          </p:cNvPr>
+          <p:cNvSpPr/>
+          <p:nvPr/>
+        </p:nvSpPr>
+        <p:spPr>
+          <a:xfrm>
+            <a:off x="2384245" y="2211374"/>
+            <a:ext cx="2712602" cy="769441"/>
+          </a:xfrm>
+          <a:prstGeom prst="rect">
+            <a:avLst/>
+          </a:prstGeom>
+        </p:spPr>
+        <p:txBody>
+          <a:bodyPr wrap="none">
+            <a:spAutoFit/>
+          </a:bodyPr>
+          <a:lstStyle/>
+          <a:p>
+            <a:pPr lvl="0"/>
+            <a:r>
+              <a:rPr lang="es-MX" sz="4400" b="1" dirty="0">
+                <a:latin typeface="PMingLiU" panose="020B0604030504040204" pitchFamily="18" charset="-120"/>
+                <a:ea typeface="PMingLiU" panose="020B0604030504040204" pitchFamily="18" charset="-120"/>
+              </a:rPr>
+              <a:t>Capítulo 11</a:t>
+            </a:r>
+          </a:p>
+        </p:txBody>
+      </p:sp>
     </p:spTree>
+    <p:extLst>
+      <p:ext uri="{BB962C8B-B14F-4D97-AF65-F5344CB8AC3E}">
+        <p14:creationId xmlns:p14="http://schemas.microsoft.com/office/powerpoint/2010/main" val="74855314"/>
+      </p:ext>
+    </p:extLst>
   </p:cSld>
   <p:clrMapOvr>
     <a:masterClrMapping/>
@@ -3666,1054 +4052,6 @@
 </file>
 
 <file path=ppt/slides/slide10.xml><?xml version="1.0" encoding="utf-8"?>
-<p:sld xmlns:a="http://schemas.openxmlformats.org/drawingml/2006/main" xmlns:r="http://schemas.openxmlformats.org/officeDocument/2006/relationships" xmlns:p="http://schemas.openxmlformats.org/presentationml/2006/main">
-  <p:cSld>
-    <p:spTree>
-      <p:nvGrpSpPr>
-        <p:cNvPr id="1" name=""/>
-        <p:cNvGrpSpPr/>
-        <p:nvPr/>
-      </p:nvGrpSpPr>
-      <p:grpSpPr>
-        <a:xfrm>
-          <a:off x="0" y="0"/>
-          <a:ext cx="0" cy="0"/>
-          <a:chOff x="0" y="0"/>
-          <a:chExt cx="0" cy="0"/>
-        </a:xfrm>
-      </p:grpSpPr>
-      <p:pic>
-        <p:nvPicPr>
-          <p:cNvPr id="40962" name="Picture 2" descr="Image result for merge sort explained">
-            <a:extLst>
-              <a:ext uri="{FF2B5EF4-FFF2-40B4-BE49-F238E27FC236}">
-                <a16:creationId xmlns:a16="http://schemas.microsoft.com/office/drawing/2014/main" id="{0CD6FBB8-D296-4728-83B3-6F02BBD8E58A}"/>
-              </a:ext>
-            </a:extLst>
-          </p:cNvPr>
-          <p:cNvPicPr>
-            <a:picLocks noChangeAspect="1" noChangeArrowheads="1"/>
-          </p:cNvPicPr>
-          <p:nvPr/>
-        </p:nvPicPr>
-        <p:blipFill>
-          <a:blip r:embed="rId2">
-            <a:extLst>
-              <a:ext uri="{28A0092B-C50C-407E-A947-70E740481C1C}">
-                <a14:useLocalDpi xmlns:a14="http://schemas.microsoft.com/office/drawing/2010/main" val="0"/>
-              </a:ext>
-            </a:extLst>
-          </a:blip>
-          <a:srcRect/>
-          <a:stretch>
-            <a:fillRect/>
-          </a:stretch>
-        </p:blipFill>
-        <p:spPr bwMode="auto">
-          <a:xfrm>
-            <a:off x="2882901" y="381001"/>
-            <a:ext cx="6030913" cy="5921375"/>
-          </a:xfrm>
-          <a:prstGeom prst="rect">
-            <a:avLst/>
-          </a:prstGeom>
-          <a:noFill/>
-          <a:ln>
-            <a:noFill/>
-          </a:ln>
-          <a:extLst>
-            <a:ext uri="{909E8E84-426E-40DD-AFC4-6F175D3DCCD1}">
-              <a14:hiddenFill xmlns:a14="http://schemas.microsoft.com/office/drawing/2010/main">
-                <a:solidFill>
-                  <a:srgbClr val="FFFFFF"/>
-                </a:solidFill>
-              </a14:hiddenFill>
-            </a:ext>
-            <a:ext uri="{91240B29-F687-4F45-9708-019B960494DF}">
-              <a14:hiddenLine xmlns:a14="http://schemas.microsoft.com/office/drawing/2010/main" w="9525">
-                <a:solidFill>
-                  <a:srgbClr val="000000"/>
-                </a:solidFill>
-                <a:miter lim="800000"/>
-                <a:headEnd/>
-                <a:tailEnd/>
-              </a14:hiddenLine>
-            </a:ext>
-          </a:extLst>
-        </p:spPr>
-      </p:pic>
-    </p:spTree>
-  </p:cSld>
-  <p:clrMapOvr>
-    <a:masterClrMapping/>
-  </p:clrMapOvr>
-</p:sld>
-</file>
-
-<file path=ppt/slides/slide11.xml><?xml version="1.0" encoding="utf-8"?>
-<p:sld xmlns:a="http://schemas.openxmlformats.org/drawingml/2006/main" xmlns:r="http://schemas.openxmlformats.org/officeDocument/2006/relationships" xmlns:p="http://schemas.openxmlformats.org/presentationml/2006/main">
-  <p:cSld>
-    <p:spTree>
-      <p:nvGrpSpPr>
-        <p:cNvPr id="1" name=""/>
-        <p:cNvGrpSpPr/>
-        <p:nvPr/>
-      </p:nvGrpSpPr>
-      <p:grpSpPr>
-        <a:xfrm>
-          <a:off x="0" y="0"/>
-          <a:ext cx="0" cy="0"/>
-          <a:chOff x="0" y="0"/>
-          <a:chExt cx="0" cy="0"/>
-        </a:xfrm>
-      </p:grpSpPr>
-      <p:sp>
-        <p:nvSpPr>
-          <p:cNvPr id="41986" name="Title 1">
-            <a:extLst>
-              <a:ext uri="{FF2B5EF4-FFF2-40B4-BE49-F238E27FC236}">
-                <a16:creationId xmlns:a16="http://schemas.microsoft.com/office/drawing/2014/main" id="{3088A3BF-5A97-49F9-AB1C-06E216EE03AF}"/>
-              </a:ext>
-            </a:extLst>
-          </p:cNvPr>
-          <p:cNvSpPr>
-            <a:spLocks noGrp="1" noChangeArrowheads="1"/>
-          </p:cNvSpPr>
-          <p:nvPr>
-            <p:ph type="title"/>
-          </p:nvPr>
-        </p:nvSpPr>
-        <p:spPr/>
-        <p:txBody>
-          <a:bodyPr/>
-          <a:lstStyle/>
-          <a:p>
-            <a:r>
-              <a:rPr lang="en-US" altLang="en-US"/>
-              <a:t>Merge Sort</a:t>
-            </a:r>
-          </a:p>
-        </p:txBody>
-      </p:sp>
-      <p:pic>
-        <p:nvPicPr>
-          <p:cNvPr id="41987" name="Picture 3">
-            <a:extLst>
-              <a:ext uri="{FF2B5EF4-FFF2-40B4-BE49-F238E27FC236}">
-                <a16:creationId xmlns:a16="http://schemas.microsoft.com/office/drawing/2014/main" id="{FB081BB6-2F8A-491C-941E-B13C455B46EE}"/>
-              </a:ext>
-            </a:extLst>
-          </p:cNvPr>
-          <p:cNvPicPr>
-            <a:picLocks noChangeAspect="1" noChangeArrowheads="1"/>
-          </p:cNvPicPr>
-          <p:nvPr/>
-        </p:nvPicPr>
-        <p:blipFill>
-          <a:blip r:embed="rId2">
-            <a:extLst>
-              <a:ext uri="{28A0092B-C50C-407E-A947-70E740481C1C}">
-                <a14:useLocalDpi xmlns:a14="http://schemas.microsoft.com/office/drawing/2010/main" val="0"/>
-              </a:ext>
-            </a:extLst>
-          </a:blip>
-          <a:srcRect/>
-          <a:stretch>
-            <a:fillRect/>
-          </a:stretch>
-        </p:blipFill>
-        <p:spPr bwMode="auto">
-          <a:xfrm>
-            <a:off x="2214563" y="1371600"/>
-            <a:ext cx="7605712" cy="4768850"/>
-          </a:xfrm>
-          <a:prstGeom prst="rect">
-            <a:avLst/>
-          </a:prstGeom>
-          <a:noFill/>
-          <a:ln>
-            <a:noFill/>
-          </a:ln>
-          <a:extLst>
-            <a:ext uri="{909E8E84-426E-40DD-AFC4-6F175D3DCCD1}">
-              <a14:hiddenFill xmlns:a14="http://schemas.microsoft.com/office/drawing/2010/main">
-                <a:solidFill>
-                  <a:srgbClr val="FFFFFF"/>
-                </a:solidFill>
-              </a14:hiddenFill>
-            </a:ext>
-            <a:ext uri="{91240B29-F687-4F45-9708-019B960494DF}">
-              <a14:hiddenLine xmlns:a14="http://schemas.microsoft.com/office/drawing/2010/main" w="9525">
-                <a:solidFill>
-                  <a:srgbClr val="000000"/>
-                </a:solidFill>
-                <a:miter lim="800000"/>
-                <a:headEnd/>
-                <a:tailEnd/>
-              </a14:hiddenLine>
-            </a:ext>
-          </a:extLst>
-        </p:spPr>
-      </p:pic>
-    </p:spTree>
-  </p:cSld>
-  <p:clrMapOvr>
-    <a:masterClrMapping/>
-  </p:clrMapOvr>
-</p:sld>
-</file>
-
-<file path=ppt/slides/slide12.xml><?xml version="1.0" encoding="utf-8"?>
-<p:sld xmlns:a="http://schemas.openxmlformats.org/drawingml/2006/main" xmlns:r="http://schemas.openxmlformats.org/officeDocument/2006/relationships" xmlns:p="http://schemas.openxmlformats.org/presentationml/2006/main">
-  <p:cSld>
-    <p:spTree>
-      <p:nvGrpSpPr>
-        <p:cNvPr id="1" name=""/>
-        <p:cNvGrpSpPr/>
-        <p:nvPr/>
-      </p:nvGrpSpPr>
-      <p:grpSpPr>
-        <a:xfrm>
-          <a:off x="0" y="0"/>
-          <a:ext cx="0" cy="0"/>
-          <a:chOff x="0" y="0"/>
-          <a:chExt cx="0" cy="0"/>
-        </a:xfrm>
-      </p:grpSpPr>
-      <p:sp>
-        <p:nvSpPr>
-          <p:cNvPr id="43010" name="Title 1">
-            <a:extLst>
-              <a:ext uri="{FF2B5EF4-FFF2-40B4-BE49-F238E27FC236}">
-                <a16:creationId xmlns:a16="http://schemas.microsoft.com/office/drawing/2014/main" id="{D91F4838-FE84-4F26-9AD6-A7200402C3C8}"/>
-              </a:ext>
-            </a:extLst>
-          </p:cNvPr>
-          <p:cNvSpPr>
-            <a:spLocks noGrp="1" noChangeArrowheads="1"/>
-          </p:cNvSpPr>
-          <p:nvPr>
-            <p:ph type="title"/>
-          </p:nvPr>
-        </p:nvSpPr>
-        <p:spPr>
-          <a:xfrm>
-            <a:off x="1981200" y="0"/>
-            <a:ext cx="8229600" cy="877888"/>
-          </a:xfrm>
-        </p:spPr>
-        <p:txBody>
-          <a:bodyPr/>
-          <a:lstStyle/>
-          <a:p>
-            <a:r>
-              <a:rPr lang="en-US" altLang="en-US"/>
-              <a:t>Resumen</a:t>
-            </a:r>
-          </a:p>
-        </p:txBody>
-      </p:sp>
-      <p:sp>
-        <p:nvSpPr>
-          <p:cNvPr id="43011" name="Content Placeholder 2">
-            <a:extLst>
-              <a:ext uri="{FF2B5EF4-FFF2-40B4-BE49-F238E27FC236}">
-                <a16:creationId xmlns:a16="http://schemas.microsoft.com/office/drawing/2014/main" id="{883EB8F3-798C-4F6D-B475-372CB9F49638}"/>
-              </a:ext>
-            </a:extLst>
-          </p:cNvPr>
-          <p:cNvSpPr>
-            <a:spLocks noGrp="1" noChangeArrowheads="1"/>
-          </p:cNvSpPr>
-          <p:nvPr>
-            <p:ph idx="1"/>
-          </p:nvPr>
-        </p:nvSpPr>
-        <p:spPr>
-          <a:xfrm>
-            <a:off x="1981200" y="877888"/>
-            <a:ext cx="8229600" cy="4525962"/>
-          </a:xfrm>
-        </p:spPr>
-        <p:txBody>
-          <a:bodyPr/>
-          <a:lstStyle/>
-          <a:p>
-            <a:r>
-              <a:rPr lang="en-US" altLang="en-US"/>
-              <a:t>Para evitar recursion infinita, todos nuestros algoritmos recursivos deben tener:</a:t>
-            </a:r>
-          </a:p>
-          <a:p>
-            <a:pPr lvl="1"/>
-            <a:r>
-              <a:rPr lang="en-US" altLang="en-US"/>
-              <a:t>Una llamada recursiva</a:t>
-            </a:r>
-          </a:p>
-          <a:p>
-            <a:pPr lvl="1"/>
-            <a:r>
-              <a:rPr lang="en-US" altLang="en-US"/>
-              <a:t>Un caso base sin llamada recursiva.</a:t>
-            </a:r>
-          </a:p>
-          <a:p>
-            <a:r>
-              <a:rPr lang="en-US" altLang="en-US"/>
-              <a:t>Ejemplos de algoritmos recursivos que son más eficientes que contrapartes iterativas:</a:t>
-            </a:r>
-          </a:p>
-          <a:p>
-            <a:pPr lvl="1"/>
-            <a:r>
-              <a:rPr lang="en-US" altLang="en-US"/>
-              <a:t>Binary search algorithm</a:t>
-            </a:r>
-          </a:p>
-          <a:p>
-            <a:pPr lvl="1"/>
-            <a:r>
-              <a:rPr lang="en-US" altLang="en-US"/>
-              <a:t>Merge sort algorithm</a:t>
-            </a:r>
-          </a:p>
-        </p:txBody>
-      </p:sp>
-    </p:spTree>
-  </p:cSld>
-  <p:clrMapOvr>
-    <a:masterClrMapping/>
-  </p:clrMapOvr>
-</p:sld>
-</file>
-
-<file path=ppt/slides/slide2.xml><?xml version="1.0" encoding="utf-8"?>
-<p:sld xmlns:a="http://schemas.openxmlformats.org/drawingml/2006/main" xmlns:r="http://schemas.openxmlformats.org/officeDocument/2006/relationships" xmlns:p="http://schemas.openxmlformats.org/presentationml/2006/main">
-  <p:cSld>
-    <p:spTree>
-      <p:nvGrpSpPr>
-        <p:cNvPr id="1" name=""/>
-        <p:cNvGrpSpPr/>
-        <p:nvPr/>
-      </p:nvGrpSpPr>
-      <p:grpSpPr>
-        <a:xfrm>
-          <a:off x="0" y="0"/>
-          <a:ext cx="0" cy="0"/>
-          <a:chOff x="0" y="0"/>
-          <a:chExt cx="0" cy="0"/>
-        </a:xfrm>
-      </p:grpSpPr>
-      <p:sp>
-        <p:nvSpPr>
-          <p:cNvPr id="32770" name="Title 1">
-            <a:extLst>
-              <a:ext uri="{FF2B5EF4-FFF2-40B4-BE49-F238E27FC236}">
-                <a16:creationId xmlns:a16="http://schemas.microsoft.com/office/drawing/2014/main" id="{CA6E6C7F-3572-46AB-9D93-DBC4125AB255}"/>
-              </a:ext>
-            </a:extLst>
-          </p:cNvPr>
-          <p:cNvSpPr>
-            <a:spLocks noGrp="1" noChangeArrowheads="1"/>
-          </p:cNvSpPr>
-          <p:nvPr>
-            <p:ph type="title"/>
-          </p:nvPr>
-        </p:nvSpPr>
-        <p:spPr/>
-        <p:txBody>
-          <a:bodyPr/>
-          <a:lstStyle/>
-          <a:p>
-            <a:r>
-              <a:rPr lang="en-US" altLang="en-US"/>
-              <a:t>Búsqueda Binaria</a:t>
-            </a:r>
-          </a:p>
-        </p:txBody>
-      </p:sp>
-      <p:sp>
-        <p:nvSpPr>
-          <p:cNvPr id="32771" name="Content Placeholder 2">
-            <a:extLst>
-              <a:ext uri="{FF2B5EF4-FFF2-40B4-BE49-F238E27FC236}">
-                <a16:creationId xmlns:a16="http://schemas.microsoft.com/office/drawing/2014/main" id="{B043A9F8-FEF4-467A-AF2A-FABD6E3A7F5D}"/>
-              </a:ext>
-            </a:extLst>
-          </p:cNvPr>
-          <p:cNvSpPr>
-            <a:spLocks noGrp="1" noChangeArrowheads="1"/>
-          </p:cNvSpPr>
-          <p:nvPr>
-            <p:ph idx="1"/>
-          </p:nvPr>
-        </p:nvSpPr>
-        <p:spPr/>
-        <p:txBody>
-          <a:bodyPr/>
-          <a:lstStyle/>
-          <a:p>
-            <a:r>
-              <a:rPr lang="en-US" altLang="en-US"/>
-              <a:t>Draft final del algoritmo que busca un elemento </a:t>
-            </a:r>
-            <a:r>
-              <a:rPr lang="en-US" altLang="en-US" b="1">
-                <a:solidFill>
-                  <a:srgbClr val="0070C0"/>
-                </a:solidFill>
-                <a:latin typeface="Courier New" panose="02070309020205020404" pitchFamily="49" charset="0"/>
-                <a:cs typeface="Courier New" panose="02070309020205020404" pitchFamily="49" charset="0"/>
-              </a:rPr>
-              <a:t>target </a:t>
-            </a:r>
-            <a:r>
-              <a:rPr lang="en-US" altLang="en-US"/>
-              <a:t>entre </a:t>
-            </a:r>
-            <a:r>
-              <a:rPr lang="en-US" altLang="en-US" b="1">
-                <a:solidFill>
-                  <a:srgbClr val="0070C0"/>
-                </a:solidFill>
-                <a:latin typeface="Courier New" panose="02070309020205020404" pitchFamily="49" charset="0"/>
-                <a:cs typeface="Courier New" panose="02070309020205020404" pitchFamily="49" charset="0"/>
-              </a:rPr>
-              <a:t>a[first] </a:t>
-            </a:r>
-            <a:r>
-              <a:rPr lang="en-US" altLang="en-US"/>
-              <a:t>y </a:t>
-            </a:r>
-            <a:r>
-              <a:rPr lang="en-US" altLang="en-US" b="1">
-                <a:solidFill>
-                  <a:srgbClr val="0070C0"/>
-                </a:solidFill>
-                <a:latin typeface="Courier New" panose="02070309020205020404" pitchFamily="49" charset="0"/>
-                <a:cs typeface="Courier New" panose="02070309020205020404" pitchFamily="49" charset="0"/>
-              </a:rPr>
-              <a:t>a[last]</a:t>
-            </a:r>
-          </a:p>
-          <a:p>
-            <a:endParaRPr lang="en-US" altLang="en-US"/>
-          </a:p>
-        </p:txBody>
-      </p:sp>
-      <p:pic>
-        <p:nvPicPr>
-          <p:cNvPr id="32772" name="Picture 2">
-            <a:extLst>
-              <a:ext uri="{FF2B5EF4-FFF2-40B4-BE49-F238E27FC236}">
-                <a16:creationId xmlns:a16="http://schemas.microsoft.com/office/drawing/2014/main" id="{254CDB50-CFD2-4040-80DE-81031A430DD9}"/>
-              </a:ext>
-            </a:extLst>
-          </p:cNvPr>
-          <p:cNvPicPr>
-            <a:picLocks noChangeAspect="1" noChangeArrowheads="1"/>
-          </p:cNvPicPr>
-          <p:nvPr/>
-        </p:nvPicPr>
-        <p:blipFill>
-          <a:blip r:embed="rId2">
-            <a:extLst>
-              <a:ext uri="{28A0092B-C50C-407E-A947-70E740481C1C}">
-                <a14:useLocalDpi xmlns:a14="http://schemas.microsoft.com/office/drawing/2010/main" val="0"/>
-              </a:ext>
-            </a:extLst>
-          </a:blip>
-          <a:srcRect/>
-          <a:stretch>
-            <a:fillRect/>
-          </a:stretch>
-        </p:blipFill>
-        <p:spPr bwMode="auto">
-          <a:xfrm>
-            <a:off x="2603501" y="3209925"/>
-            <a:ext cx="7629525" cy="2535238"/>
-          </a:xfrm>
-          <a:prstGeom prst="rect">
-            <a:avLst/>
-          </a:prstGeom>
-          <a:solidFill>
-            <a:schemeClr val="accent1"/>
-          </a:solidFill>
-          <a:ln>
-            <a:noFill/>
-          </a:ln>
-          <a:effectLst>
-            <a:outerShdw dist="107763" dir="2700000" algn="ctr" rotWithShape="0">
-              <a:schemeClr val="bg2">
-                <a:alpha val="50000"/>
-              </a:schemeClr>
-            </a:outerShdw>
-          </a:effectLst>
-          <a:extLst>
-            <a:ext uri="{91240B29-F687-4F45-9708-019B960494DF}">
-              <a14:hiddenLine xmlns:a14="http://schemas.microsoft.com/office/drawing/2010/main" w="12700" algn="ctr">
-                <a:solidFill>
-                  <a:srgbClr val="000000"/>
-                </a:solidFill>
-                <a:miter lim="800000"/>
-                <a:headEnd/>
-                <a:tailEnd/>
-              </a14:hiddenLine>
-            </a:ext>
-          </a:extLst>
-        </p:spPr>
-      </p:pic>
-    </p:spTree>
-  </p:cSld>
-  <p:clrMapOvr>
-    <a:masterClrMapping/>
-  </p:clrMapOvr>
-</p:sld>
-</file>
-
-<file path=ppt/slides/slide3.xml><?xml version="1.0" encoding="utf-8"?>
-<p:sld xmlns:a="http://schemas.openxmlformats.org/drawingml/2006/main" xmlns:r="http://schemas.openxmlformats.org/officeDocument/2006/relationships" xmlns:p="http://schemas.openxmlformats.org/presentationml/2006/main">
-  <p:cSld>
-    <p:spTree>
-      <p:nvGrpSpPr>
-        <p:cNvPr id="1" name=""/>
-        <p:cNvGrpSpPr/>
-        <p:nvPr/>
-      </p:nvGrpSpPr>
-      <p:grpSpPr>
-        <a:xfrm>
-          <a:off x="0" y="0"/>
-          <a:ext cx="0" cy="0"/>
-          <a:chOff x="0" y="0"/>
-          <a:chExt cx="0" cy="0"/>
-        </a:xfrm>
-      </p:grpSpPr>
-      <p:sp>
-        <p:nvSpPr>
-          <p:cNvPr id="33794" name="Title 1">
-            <a:extLst>
-              <a:ext uri="{FF2B5EF4-FFF2-40B4-BE49-F238E27FC236}">
-                <a16:creationId xmlns:a16="http://schemas.microsoft.com/office/drawing/2014/main" id="{58A8A0B9-0625-42D3-8D9B-4488D06B6DD0}"/>
-              </a:ext>
-            </a:extLst>
-          </p:cNvPr>
-          <p:cNvSpPr>
-            <a:spLocks noGrp="1" noChangeArrowheads="1"/>
-          </p:cNvSpPr>
-          <p:nvPr>
-            <p:ph type="title"/>
-          </p:nvPr>
-        </p:nvSpPr>
-        <p:spPr/>
-        <p:txBody>
-          <a:bodyPr/>
-          <a:lstStyle/>
-          <a:p>
-            <a:r>
-              <a:rPr lang="en-US" altLang="en-US"/>
-              <a:t>Búsqueda Binaria</a:t>
-            </a:r>
-          </a:p>
-        </p:txBody>
-      </p:sp>
-      <p:pic>
-        <p:nvPicPr>
-          <p:cNvPr id="33795" name="Picture 6">
-            <a:extLst>
-              <a:ext uri="{FF2B5EF4-FFF2-40B4-BE49-F238E27FC236}">
-                <a16:creationId xmlns:a16="http://schemas.microsoft.com/office/drawing/2014/main" id="{745E42ED-A071-43EC-8455-D76969973018}"/>
-              </a:ext>
-            </a:extLst>
-          </p:cNvPr>
-          <p:cNvPicPr>
-            <a:picLocks noChangeAspect="1" noChangeArrowheads="1"/>
-          </p:cNvPicPr>
-          <p:nvPr/>
-        </p:nvPicPr>
-        <p:blipFill>
-          <a:blip r:embed="rId2">
-            <a:extLst>
-              <a:ext uri="{28A0092B-C50C-407E-A947-70E740481C1C}">
-                <a14:useLocalDpi xmlns:a14="http://schemas.microsoft.com/office/drawing/2010/main" val="0"/>
-              </a:ext>
-            </a:extLst>
-          </a:blip>
-          <a:srcRect/>
-          <a:stretch>
-            <a:fillRect/>
-          </a:stretch>
-        </p:blipFill>
-        <p:spPr bwMode="auto">
-          <a:xfrm>
-            <a:off x="1981200" y="1616076"/>
-            <a:ext cx="8415338" cy="4041775"/>
-          </a:xfrm>
-          <a:prstGeom prst="rect">
-            <a:avLst/>
-          </a:prstGeom>
-          <a:solidFill>
-            <a:schemeClr val="accent1"/>
-          </a:solidFill>
-          <a:ln>
-            <a:noFill/>
-          </a:ln>
-          <a:effectLst>
-            <a:outerShdw dist="107763" dir="2700000" algn="ctr" rotWithShape="0">
-              <a:schemeClr val="bg2">
-                <a:alpha val="50000"/>
-              </a:schemeClr>
-            </a:outerShdw>
-          </a:effectLst>
-          <a:extLst>
-            <a:ext uri="{91240B29-F687-4F45-9708-019B960494DF}">
-              <a14:hiddenLine xmlns:a14="http://schemas.microsoft.com/office/drawing/2010/main" w="12700" algn="ctr">
-                <a:solidFill>
-                  <a:srgbClr val="000000"/>
-                </a:solidFill>
-                <a:miter lim="800000"/>
-                <a:headEnd/>
-                <a:tailEnd/>
-              </a14:hiddenLine>
-            </a:ext>
-          </a:extLst>
-        </p:spPr>
-      </p:pic>
-    </p:spTree>
-  </p:cSld>
-  <p:clrMapOvr>
-    <a:masterClrMapping/>
-  </p:clrMapOvr>
-</p:sld>
-</file>
-
-<file path=ppt/slides/slide4.xml><?xml version="1.0" encoding="utf-8"?>
-<p:sld xmlns:a="http://schemas.openxmlformats.org/drawingml/2006/main" xmlns:r="http://schemas.openxmlformats.org/officeDocument/2006/relationships" xmlns:p="http://schemas.openxmlformats.org/presentationml/2006/main">
-  <p:cSld>
-    <p:spTree>
-      <p:nvGrpSpPr>
-        <p:cNvPr id="1" name=""/>
-        <p:cNvGrpSpPr/>
-        <p:nvPr/>
-      </p:nvGrpSpPr>
-      <p:grpSpPr>
-        <a:xfrm>
-          <a:off x="0" y="0"/>
-          <a:ext cx="0" cy="0"/>
-          <a:chOff x="0" y="0"/>
-          <a:chExt cx="0" cy="0"/>
-        </a:xfrm>
-      </p:grpSpPr>
-      <p:sp>
-        <p:nvSpPr>
-          <p:cNvPr id="34818" name="Title 1">
-            <a:extLst>
-              <a:ext uri="{FF2B5EF4-FFF2-40B4-BE49-F238E27FC236}">
-                <a16:creationId xmlns:a16="http://schemas.microsoft.com/office/drawing/2014/main" id="{22C6ED5B-DDA6-4E4A-BCE3-27530239AD10}"/>
-              </a:ext>
-            </a:extLst>
-          </p:cNvPr>
-          <p:cNvSpPr>
-            <a:spLocks noGrp="1" noChangeArrowheads="1"/>
-          </p:cNvSpPr>
-          <p:nvPr>
-            <p:ph type="title"/>
-          </p:nvPr>
-        </p:nvSpPr>
-        <p:spPr/>
-        <p:txBody>
-          <a:bodyPr/>
-          <a:lstStyle/>
-          <a:p>
-            <a:r>
-              <a:rPr lang="en-US" altLang="en-US"/>
-              <a:t>Búsqueda Binaria</a:t>
-            </a:r>
-          </a:p>
-        </p:txBody>
-      </p:sp>
-      <p:pic>
-        <p:nvPicPr>
-          <p:cNvPr id="34819" name="Picture 5">
-            <a:extLst>
-              <a:ext uri="{FF2B5EF4-FFF2-40B4-BE49-F238E27FC236}">
-                <a16:creationId xmlns:a16="http://schemas.microsoft.com/office/drawing/2014/main" id="{9081F008-1AFF-4064-88D8-9C13AED8F929}"/>
-              </a:ext>
-            </a:extLst>
-          </p:cNvPr>
-          <p:cNvPicPr>
-            <a:picLocks noChangeAspect="1" noChangeArrowheads="1"/>
-          </p:cNvPicPr>
-          <p:nvPr/>
-        </p:nvPicPr>
-        <p:blipFill>
-          <a:blip r:embed="rId2">
-            <a:extLst>
-              <a:ext uri="{28A0092B-C50C-407E-A947-70E740481C1C}">
-                <a14:useLocalDpi xmlns:a14="http://schemas.microsoft.com/office/drawing/2010/main" val="0"/>
-              </a:ext>
-            </a:extLst>
-          </a:blip>
-          <a:srcRect/>
-          <a:stretch>
-            <a:fillRect/>
-          </a:stretch>
-        </p:blipFill>
-        <p:spPr bwMode="auto">
-          <a:xfrm>
-            <a:off x="1981201" y="1487488"/>
-            <a:ext cx="8488363" cy="4456112"/>
-          </a:xfrm>
-          <a:prstGeom prst="rect">
-            <a:avLst/>
-          </a:prstGeom>
-          <a:solidFill>
-            <a:schemeClr val="accent1"/>
-          </a:solidFill>
-          <a:ln>
-            <a:noFill/>
-          </a:ln>
-          <a:effectLst>
-            <a:outerShdw dist="107763" dir="2700000" algn="ctr" rotWithShape="0">
-              <a:schemeClr val="bg2">
-                <a:alpha val="50000"/>
-              </a:schemeClr>
-            </a:outerShdw>
-          </a:effectLst>
-          <a:extLst>
-            <a:ext uri="{91240B29-F687-4F45-9708-019B960494DF}">
-              <a14:hiddenLine xmlns:a14="http://schemas.microsoft.com/office/drawing/2010/main" w="12700" algn="ctr">
-                <a:solidFill>
-                  <a:srgbClr val="000000"/>
-                </a:solidFill>
-                <a:miter lim="800000"/>
-                <a:headEnd/>
-                <a:tailEnd/>
-              </a14:hiddenLine>
-            </a:ext>
-          </a:extLst>
-        </p:spPr>
-      </p:pic>
-    </p:spTree>
-  </p:cSld>
-  <p:clrMapOvr>
-    <a:masterClrMapping/>
-  </p:clrMapOvr>
-</p:sld>
-</file>
-
-<file path=ppt/slides/slide5.xml><?xml version="1.0" encoding="utf-8"?>
-<p:sld xmlns:a="http://schemas.openxmlformats.org/drawingml/2006/main" xmlns:r="http://schemas.openxmlformats.org/officeDocument/2006/relationships" xmlns:p="http://schemas.openxmlformats.org/presentationml/2006/main">
-  <p:cSld>
-    <p:spTree>
-      <p:nvGrpSpPr>
-        <p:cNvPr id="1" name=""/>
-        <p:cNvGrpSpPr/>
-        <p:nvPr/>
-      </p:nvGrpSpPr>
-      <p:grpSpPr>
-        <a:xfrm>
-          <a:off x="0" y="0"/>
-          <a:ext cx="0" cy="0"/>
-          <a:chOff x="0" y="0"/>
-          <a:chExt cx="0" cy="0"/>
-        </a:xfrm>
-      </p:grpSpPr>
-      <p:sp>
-        <p:nvSpPr>
-          <p:cNvPr id="35842" name="Title 1">
-            <a:extLst>
-              <a:ext uri="{FF2B5EF4-FFF2-40B4-BE49-F238E27FC236}">
-                <a16:creationId xmlns:a16="http://schemas.microsoft.com/office/drawing/2014/main" id="{1AB2B984-D04B-4D4C-9623-E3FCFEA30AFA}"/>
-              </a:ext>
-            </a:extLst>
-          </p:cNvPr>
-          <p:cNvSpPr>
-            <a:spLocks noGrp="1" noChangeArrowheads="1"/>
-          </p:cNvSpPr>
-          <p:nvPr>
-            <p:ph type="title"/>
-          </p:nvPr>
-        </p:nvSpPr>
-        <p:spPr/>
-        <p:txBody>
-          <a:bodyPr/>
-          <a:lstStyle/>
-          <a:p>
-            <a:r>
-              <a:rPr lang="en-US" altLang="en-US"/>
-              <a:t>Binary Search</a:t>
-            </a:r>
-          </a:p>
-        </p:txBody>
-      </p:sp>
-      <p:pic>
-        <p:nvPicPr>
-          <p:cNvPr id="35843" name="Picture 5">
-            <a:extLst>
-              <a:ext uri="{FF2B5EF4-FFF2-40B4-BE49-F238E27FC236}">
-                <a16:creationId xmlns:a16="http://schemas.microsoft.com/office/drawing/2014/main" id="{1AFBBCB1-E606-4478-9ACD-CE87E12D6749}"/>
-              </a:ext>
-            </a:extLst>
-          </p:cNvPr>
-          <p:cNvPicPr>
-            <a:picLocks noChangeAspect="1" noChangeArrowheads="1"/>
-          </p:cNvPicPr>
-          <p:nvPr/>
-        </p:nvPicPr>
-        <p:blipFill>
-          <a:blip r:embed="rId2">
-            <a:extLst>
-              <a:ext uri="{28A0092B-C50C-407E-A947-70E740481C1C}">
-                <a14:useLocalDpi xmlns:a14="http://schemas.microsoft.com/office/drawing/2010/main" val="0"/>
-              </a:ext>
-            </a:extLst>
-          </a:blip>
-          <a:srcRect/>
-          <a:stretch>
-            <a:fillRect/>
-          </a:stretch>
-        </p:blipFill>
-        <p:spPr bwMode="auto">
-          <a:xfrm>
-            <a:off x="1730375" y="1824038"/>
-            <a:ext cx="8731250" cy="3414712"/>
-          </a:xfrm>
-          <a:prstGeom prst="rect">
-            <a:avLst/>
-          </a:prstGeom>
-          <a:solidFill>
-            <a:schemeClr val="accent1"/>
-          </a:solidFill>
-          <a:ln>
-            <a:noFill/>
-          </a:ln>
-          <a:effectLst>
-            <a:outerShdw dist="107763" dir="2700000" algn="ctr" rotWithShape="0">
-              <a:schemeClr val="bg2">
-                <a:alpha val="50000"/>
-              </a:schemeClr>
-            </a:outerShdw>
-          </a:effectLst>
-          <a:extLst>
-            <a:ext uri="{91240B29-F687-4F45-9708-019B960494DF}">
-              <a14:hiddenLine xmlns:a14="http://schemas.microsoft.com/office/drawing/2010/main" w="12700" algn="ctr">
-                <a:solidFill>
-                  <a:srgbClr val="000000"/>
-                </a:solidFill>
-                <a:miter lim="800000"/>
-                <a:headEnd/>
-                <a:tailEnd/>
-              </a14:hiddenLine>
-            </a:ext>
-          </a:extLst>
-        </p:spPr>
-      </p:pic>
-    </p:spTree>
-  </p:cSld>
-  <p:clrMapOvr>
-    <a:masterClrMapping/>
-  </p:clrMapOvr>
-</p:sld>
-</file>
-
-<file path=ppt/slides/slide6.xml><?xml version="1.0" encoding="utf-8"?>
-<p:sld xmlns:a="http://schemas.openxmlformats.org/drawingml/2006/main" xmlns:r="http://schemas.openxmlformats.org/officeDocument/2006/relationships" xmlns:p="http://schemas.openxmlformats.org/presentationml/2006/main">
-  <p:cSld>
-    <p:spTree>
-      <p:nvGrpSpPr>
-        <p:cNvPr id="1" name=""/>
-        <p:cNvGrpSpPr/>
-        <p:nvPr/>
-      </p:nvGrpSpPr>
-      <p:grpSpPr>
-        <a:xfrm>
-          <a:off x="0" y="0"/>
-          <a:ext cx="0" cy="0"/>
-          <a:chOff x="0" y="0"/>
-          <a:chExt cx="0" cy="0"/>
-        </a:xfrm>
-      </p:grpSpPr>
-      <p:pic>
-        <p:nvPicPr>
-          <p:cNvPr id="36866" name="Picture 6">
-            <a:extLst>
-              <a:ext uri="{FF2B5EF4-FFF2-40B4-BE49-F238E27FC236}">
-                <a16:creationId xmlns:a16="http://schemas.microsoft.com/office/drawing/2014/main" id="{904AFF8E-9BC4-427A-8ADA-AC969F3FF4C0}"/>
-              </a:ext>
-            </a:extLst>
-          </p:cNvPr>
-          <p:cNvPicPr>
-            <a:picLocks noChangeAspect="1" noChangeArrowheads="1"/>
-          </p:cNvPicPr>
-          <p:nvPr/>
-        </p:nvPicPr>
-        <p:blipFill>
-          <a:blip r:embed="rId2">
-            <a:extLst>
-              <a:ext uri="{28A0092B-C50C-407E-A947-70E740481C1C}">
-                <a14:useLocalDpi xmlns:a14="http://schemas.microsoft.com/office/drawing/2010/main" val="0"/>
-              </a:ext>
-            </a:extLst>
-          </a:blip>
-          <a:srcRect/>
-          <a:stretch>
-            <a:fillRect/>
-          </a:stretch>
-        </p:blipFill>
-        <p:spPr bwMode="auto">
-          <a:xfrm>
-            <a:off x="1747839" y="623889"/>
-            <a:ext cx="8696325" cy="5610225"/>
-          </a:xfrm>
-          <a:prstGeom prst="rect">
-            <a:avLst/>
-          </a:prstGeom>
-          <a:noFill/>
-          <a:ln>
-            <a:noFill/>
-          </a:ln>
-          <a:extLst>
-            <a:ext uri="{909E8E84-426E-40DD-AFC4-6F175D3DCCD1}">
-              <a14:hiddenFill xmlns:a14="http://schemas.microsoft.com/office/drawing/2010/main">
-                <a:solidFill>
-                  <a:srgbClr val="FFFFFF"/>
-                </a:solidFill>
-              </a14:hiddenFill>
-            </a:ext>
-            <a:ext uri="{91240B29-F687-4F45-9708-019B960494DF}">
-              <a14:hiddenLine xmlns:a14="http://schemas.microsoft.com/office/drawing/2010/main" w="9525">
-                <a:solidFill>
-                  <a:srgbClr val="000000"/>
-                </a:solidFill>
-                <a:miter lim="800000"/>
-                <a:headEnd/>
-                <a:tailEnd/>
-              </a14:hiddenLine>
-            </a:ext>
-          </a:extLst>
-        </p:spPr>
-      </p:pic>
-    </p:spTree>
-  </p:cSld>
-  <p:clrMapOvr>
-    <a:masterClrMapping/>
-  </p:clrMapOvr>
-</p:sld>
-</file>
-
-<file path=ppt/slides/slide7.xml><?xml version="1.0" encoding="utf-8"?>
-<p:sld xmlns:a="http://schemas.openxmlformats.org/drawingml/2006/main" xmlns:r="http://schemas.openxmlformats.org/officeDocument/2006/relationships" xmlns:p="http://schemas.openxmlformats.org/presentationml/2006/main">
-  <p:cSld>
-    <p:spTree>
-      <p:nvGrpSpPr>
-        <p:cNvPr id="1" name=""/>
-        <p:cNvGrpSpPr/>
-        <p:nvPr/>
-      </p:nvGrpSpPr>
-      <p:grpSpPr>
-        <a:xfrm>
-          <a:off x="0" y="0"/>
-          <a:ext cx="0" cy="0"/>
-          <a:chOff x="0" y="0"/>
-          <a:chExt cx="0" cy="0"/>
-        </a:xfrm>
-      </p:grpSpPr>
-      <p:sp>
-        <p:nvSpPr>
-          <p:cNvPr id="37890" name="Title 1">
-            <a:extLst>
-              <a:ext uri="{FF2B5EF4-FFF2-40B4-BE49-F238E27FC236}">
-                <a16:creationId xmlns:a16="http://schemas.microsoft.com/office/drawing/2014/main" id="{BD2C7765-C87E-4CAA-B6F2-F91A70399B35}"/>
-              </a:ext>
-            </a:extLst>
-          </p:cNvPr>
-          <p:cNvSpPr>
-            <a:spLocks noGrp="1" noChangeArrowheads="1"/>
-          </p:cNvSpPr>
-          <p:nvPr>
-            <p:ph type="title"/>
-          </p:nvPr>
-        </p:nvSpPr>
-        <p:spPr/>
-        <p:txBody>
-          <a:bodyPr/>
-          <a:lstStyle/>
-          <a:p>
-            <a:pPr eaLnBrk="1" hangingPunct="1"/>
-            <a:r>
-              <a:rPr lang="en-US" altLang="en-US"/>
-              <a:t>Programming Example</a:t>
-            </a:r>
-          </a:p>
-        </p:txBody>
-      </p:sp>
-      <p:sp>
-        <p:nvSpPr>
-          <p:cNvPr id="37891" name="Content Placeholder 2">
-            <a:extLst>
-              <a:ext uri="{FF2B5EF4-FFF2-40B4-BE49-F238E27FC236}">
-                <a16:creationId xmlns:a16="http://schemas.microsoft.com/office/drawing/2014/main" id="{68DA76F3-B541-4D67-B9E8-8DD292F12EEE}"/>
-              </a:ext>
-            </a:extLst>
-          </p:cNvPr>
-          <p:cNvSpPr>
-            <a:spLocks noGrp="1" noChangeArrowheads="1"/>
-          </p:cNvSpPr>
-          <p:nvPr>
-            <p:ph idx="1"/>
-          </p:nvPr>
-        </p:nvSpPr>
-        <p:spPr/>
-        <p:txBody>
-          <a:bodyPr/>
-          <a:lstStyle/>
-          <a:p>
-            <a:pPr eaLnBrk="1" hangingPunct="1"/>
-            <a:r>
-              <a:rPr lang="en-US" altLang="en-US"/>
-              <a:t>Merge sort – A recursive sorting method</a:t>
-            </a:r>
-          </a:p>
-          <a:p>
-            <a:pPr eaLnBrk="1" hangingPunct="1"/>
-            <a:r>
-              <a:rPr lang="en-US" altLang="en-US"/>
-              <a:t>A divide-and-conquer algorithm</a:t>
-            </a:r>
-          </a:p>
-          <a:p>
-            <a:pPr lvl="1" eaLnBrk="1" hangingPunct="1"/>
-            <a:r>
-              <a:rPr lang="en-US" altLang="en-US"/>
-              <a:t>Array to be sorted is divided in half</a:t>
-            </a:r>
-          </a:p>
-          <a:p>
-            <a:pPr lvl="1" eaLnBrk="1" hangingPunct="1"/>
-            <a:r>
-              <a:rPr lang="en-US" altLang="en-US"/>
-              <a:t>The two halves are sorted by recursive calls</a:t>
-            </a:r>
-          </a:p>
-          <a:p>
-            <a:pPr lvl="1" eaLnBrk="1" hangingPunct="1"/>
-            <a:r>
-              <a:rPr lang="en-US" altLang="en-US"/>
-              <a:t>This produces two smaller, sorted arrays which are merged to a single sorted array</a:t>
-            </a:r>
-          </a:p>
-        </p:txBody>
-      </p:sp>
-    </p:spTree>
-  </p:cSld>
-  <p:clrMapOvr>
-    <a:masterClrMapping/>
-  </p:clrMapOvr>
-</p:sld>
-</file>
-
-<file path=ppt/slides/slide8.xml><?xml version="1.0" encoding="utf-8"?>
 <p:sld xmlns:a="http://schemas.openxmlformats.org/drawingml/2006/main" xmlns:r="http://schemas.openxmlformats.org/officeDocument/2006/relationships" xmlns:p="http://schemas.openxmlformats.org/presentationml/2006/main">
   <p:cSld>
     <p:spTree>
@@ -4913,6 +4251,2602 @@
 </p:sld>
 </file>
 
+<file path=ppt/slides/slide11.xml><?xml version="1.0" encoding="utf-8"?>
+<p:sld xmlns:a="http://schemas.openxmlformats.org/drawingml/2006/main" xmlns:r="http://schemas.openxmlformats.org/officeDocument/2006/relationships" xmlns:p="http://schemas.openxmlformats.org/presentationml/2006/main">
+  <p:cSld>
+    <p:spTree>
+      <p:nvGrpSpPr>
+        <p:cNvPr id="1" name=""/>
+        <p:cNvGrpSpPr/>
+        <p:nvPr/>
+      </p:nvGrpSpPr>
+      <p:grpSpPr>
+        <a:xfrm>
+          <a:off x="0" y="0"/>
+          <a:ext cx="0" cy="0"/>
+          <a:chOff x="0" y="0"/>
+          <a:chExt cx="0" cy="0"/>
+        </a:xfrm>
+      </p:grpSpPr>
+      <p:sp>
+        <p:nvSpPr>
+          <p:cNvPr id="39938" name="Title 1">
+            <a:extLst>
+              <a:ext uri="{FF2B5EF4-FFF2-40B4-BE49-F238E27FC236}">
+                <a16:creationId xmlns:a16="http://schemas.microsoft.com/office/drawing/2014/main" id="{424E6F72-7D63-4029-8F32-CDC96EBEDC1C}"/>
+              </a:ext>
+            </a:extLst>
+          </p:cNvPr>
+          <p:cNvSpPr>
+            <a:spLocks noGrp="1" noChangeArrowheads="1"/>
+          </p:cNvSpPr>
+          <p:nvPr>
+            <p:ph type="title"/>
+          </p:nvPr>
+        </p:nvSpPr>
+        <p:spPr/>
+        <p:txBody>
+          <a:bodyPr/>
+          <a:lstStyle/>
+          <a:p>
+            <a:r>
+              <a:rPr lang="es-MX" altLang="en-US"/>
+              <a:t>Merge Sort</a:t>
+            </a:r>
+            <a:endParaRPr lang="en-US" altLang="en-US"/>
+          </a:p>
+        </p:txBody>
+      </p:sp>
+      <p:sp>
+        <p:nvSpPr>
+          <p:cNvPr id="39939" name="Content Placeholder 2">
+            <a:extLst>
+              <a:ext uri="{FF2B5EF4-FFF2-40B4-BE49-F238E27FC236}">
+                <a16:creationId xmlns:a16="http://schemas.microsoft.com/office/drawing/2014/main" id="{C63C59AA-468E-4D2F-A428-D1147596C8E6}"/>
+              </a:ext>
+            </a:extLst>
+          </p:cNvPr>
+          <p:cNvSpPr>
+            <a:spLocks noGrp="1" noChangeArrowheads="1"/>
+          </p:cNvSpPr>
+          <p:nvPr>
+            <p:ph idx="1"/>
+          </p:nvPr>
+        </p:nvSpPr>
+        <p:spPr/>
+        <p:txBody>
+          <a:bodyPr/>
+          <a:lstStyle/>
+          <a:p>
+            <a:r>
+              <a:rPr lang="es-MX" altLang="en-US"/>
+              <a:t>El merge sort está compuesto por dos partes:</a:t>
+            </a:r>
+          </a:p>
+          <a:p>
+            <a:pPr>
+              <a:buFontTx/>
+              <a:buAutoNum type="arabicPeriod"/>
+            </a:pPr>
+            <a:r>
+              <a:rPr lang="es-MX" altLang="en-US"/>
+              <a:t>Divisón del problema en problemas más pequeños</a:t>
+            </a:r>
+          </a:p>
+          <a:p>
+            <a:pPr>
+              <a:buFontTx/>
+              <a:buAutoNum type="arabicPeriod"/>
+            </a:pPr>
+            <a:r>
+              <a:rPr lang="es-MX" altLang="en-US"/>
+              <a:t>Unión de las soluciones para encontrar la solución final.</a:t>
+            </a:r>
+            <a:endParaRPr lang="en-US" altLang="en-US"/>
+          </a:p>
+        </p:txBody>
+      </p:sp>
+    </p:spTree>
+  </p:cSld>
+  <p:clrMapOvr>
+    <a:masterClrMapping/>
+  </p:clrMapOvr>
+</p:sld>
+</file>
+
+<file path=ppt/slides/slide12.xml><?xml version="1.0" encoding="utf-8"?>
+<p:sld xmlns:a="http://schemas.openxmlformats.org/drawingml/2006/main" xmlns:r="http://schemas.openxmlformats.org/officeDocument/2006/relationships" xmlns:p="http://schemas.openxmlformats.org/presentationml/2006/main">
+  <p:cSld>
+    <p:spTree>
+      <p:nvGrpSpPr>
+        <p:cNvPr id="1" name=""/>
+        <p:cNvGrpSpPr/>
+        <p:nvPr/>
+      </p:nvGrpSpPr>
+      <p:grpSpPr>
+        <a:xfrm>
+          <a:off x="0" y="0"/>
+          <a:ext cx="0" cy="0"/>
+          <a:chOff x="0" y="0"/>
+          <a:chExt cx="0" cy="0"/>
+        </a:xfrm>
+      </p:grpSpPr>
+      <p:pic>
+        <p:nvPicPr>
+          <p:cNvPr id="40962" name="Picture 2" descr="Image result for merge sort explained">
+            <a:extLst>
+              <a:ext uri="{FF2B5EF4-FFF2-40B4-BE49-F238E27FC236}">
+                <a16:creationId xmlns:a16="http://schemas.microsoft.com/office/drawing/2014/main" id="{0CD6FBB8-D296-4728-83B3-6F02BBD8E58A}"/>
+              </a:ext>
+            </a:extLst>
+          </p:cNvPr>
+          <p:cNvPicPr>
+            <a:picLocks noChangeAspect="1" noChangeArrowheads="1"/>
+          </p:cNvPicPr>
+          <p:nvPr/>
+        </p:nvPicPr>
+        <p:blipFill>
+          <a:blip r:embed="rId2">
+            <a:extLst>
+              <a:ext uri="{28A0092B-C50C-407E-A947-70E740481C1C}">
+                <a14:useLocalDpi xmlns:a14="http://schemas.microsoft.com/office/drawing/2010/main" val="0"/>
+              </a:ext>
+            </a:extLst>
+          </a:blip>
+          <a:srcRect/>
+          <a:stretch>
+            <a:fillRect/>
+          </a:stretch>
+        </p:blipFill>
+        <p:spPr bwMode="auto">
+          <a:xfrm>
+            <a:off x="2882901" y="381001"/>
+            <a:ext cx="6030913" cy="5921375"/>
+          </a:xfrm>
+          <a:prstGeom prst="rect">
+            <a:avLst/>
+          </a:prstGeom>
+          <a:noFill/>
+          <a:ln>
+            <a:noFill/>
+          </a:ln>
+          <a:extLst>
+            <a:ext uri="{909E8E84-426E-40DD-AFC4-6F175D3DCCD1}">
+              <a14:hiddenFill xmlns:a14="http://schemas.microsoft.com/office/drawing/2010/main">
+                <a:solidFill>
+                  <a:srgbClr val="FFFFFF"/>
+                </a:solidFill>
+              </a14:hiddenFill>
+            </a:ext>
+            <a:ext uri="{91240B29-F687-4F45-9708-019B960494DF}">
+              <a14:hiddenLine xmlns:a14="http://schemas.microsoft.com/office/drawing/2010/main" w="9525">
+                <a:solidFill>
+                  <a:srgbClr val="000000"/>
+                </a:solidFill>
+                <a:miter lim="800000"/>
+                <a:headEnd/>
+                <a:tailEnd/>
+              </a14:hiddenLine>
+            </a:ext>
+          </a:extLst>
+        </p:spPr>
+      </p:pic>
+    </p:spTree>
+  </p:cSld>
+  <p:clrMapOvr>
+    <a:masterClrMapping/>
+  </p:clrMapOvr>
+</p:sld>
+</file>
+
+<file path=ppt/slides/slide13.xml><?xml version="1.0" encoding="utf-8"?>
+<p:sld xmlns:a="http://schemas.openxmlformats.org/drawingml/2006/main" xmlns:r="http://schemas.openxmlformats.org/officeDocument/2006/relationships" xmlns:p="http://schemas.openxmlformats.org/presentationml/2006/main">
+  <p:cSld>
+    <p:spTree>
+      <p:nvGrpSpPr>
+        <p:cNvPr id="1" name=""/>
+        <p:cNvGrpSpPr/>
+        <p:nvPr/>
+      </p:nvGrpSpPr>
+      <p:grpSpPr>
+        <a:xfrm>
+          <a:off x="0" y="0"/>
+          <a:ext cx="0" cy="0"/>
+          <a:chOff x="0" y="0"/>
+          <a:chExt cx="0" cy="0"/>
+        </a:xfrm>
+      </p:grpSpPr>
+      <p:sp>
+        <p:nvSpPr>
+          <p:cNvPr id="41986" name="Title 1">
+            <a:extLst>
+              <a:ext uri="{FF2B5EF4-FFF2-40B4-BE49-F238E27FC236}">
+                <a16:creationId xmlns:a16="http://schemas.microsoft.com/office/drawing/2014/main" id="{3088A3BF-5A97-49F9-AB1C-06E216EE03AF}"/>
+              </a:ext>
+            </a:extLst>
+          </p:cNvPr>
+          <p:cNvSpPr>
+            <a:spLocks noGrp="1" noChangeArrowheads="1"/>
+          </p:cNvSpPr>
+          <p:nvPr>
+            <p:ph type="title"/>
+          </p:nvPr>
+        </p:nvSpPr>
+        <p:spPr/>
+        <p:txBody>
+          <a:bodyPr/>
+          <a:lstStyle/>
+          <a:p>
+            <a:r>
+              <a:rPr lang="en-US" altLang="en-US"/>
+              <a:t>Merge Sort</a:t>
+            </a:r>
+          </a:p>
+        </p:txBody>
+      </p:sp>
+      <p:pic>
+        <p:nvPicPr>
+          <p:cNvPr id="41987" name="Picture 3">
+            <a:extLst>
+              <a:ext uri="{FF2B5EF4-FFF2-40B4-BE49-F238E27FC236}">
+                <a16:creationId xmlns:a16="http://schemas.microsoft.com/office/drawing/2014/main" id="{FB081BB6-2F8A-491C-941E-B13C455B46EE}"/>
+              </a:ext>
+            </a:extLst>
+          </p:cNvPr>
+          <p:cNvPicPr>
+            <a:picLocks noChangeAspect="1" noChangeArrowheads="1"/>
+          </p:cNvPicPr>
+          <p:nvPr/>
+        </p:nvPicPr>
+        <p:blipFill>
+          <a:blip r:embed="rId2">
+            <a:extLst>
+              <a:ext uri="{28A0092B-C50C-407E-A947-70E740481C1C}">
+                <a14:useLocalDpi xmlns:a14="http://schemas.microsoft.com/office/drawing/2010/main" val="0"/>
+              </a:ext>
+            </a:extLst>
+          </a:blip>
+          <a:srcRect/>
+          <a:stretch>
+            <a:fillRect/>
+          </a:stretch>
+        </p:blipFill>
+        <p:spPr bwMode="auto">
+          <a:xfrm>
+            <a:off x="2214563" y="1371600"/>
+            <a:ext cx="7605712" cy="4768850"/>
+          </a:xfrm>
+          <a:prstGeom prst="rect">
+            <a:avLst/>
+          </a:prstGeom>
+          <a:noFill/>
+          <a:ln>
+            <a:noFill/>
+          </a:ln>
+          <a:extLst>
+            <a:ext uri="{909E8E84-426E-40DD-AFC4-6F175D3DCCD1}">
+              <a14:hiddenFill xmlns:a14="http://schemas.microsoft.com/office/drawing/2010/main">
+                <a:solidFill>
+                  <a:srgbClr val="FFFFFF"/>
+                </a:solidFill>
+              </a14:hiddenFill>
+            </a:ext>
+            <a:ext uri="{91240B29-F687-4F45-9708-019B960494DF}">
+              <a14:hiddenLine xmlns:a14="http://schemas.microsoft.com/office/drawing/2010/main" w="9525">
+                <a:solidFill>
+                  <a:srgbClr val="000000"/>
+                </a:solidFill>
+                <a:miter lim="800000"/>
+                <a:headEnd/>
+                <a:tailEnd/>
+              </a14:hiddenLine>
+            </a:ext>
+          </a:extLst>
+        </p:spPr>
+      </p:pic>
+    </p:spTree>
+  </p:cSld>
+  <p:clrMapOvr>
+    <a:masterClrMapping/>
+  </p:clrMapOvr>
+</p:sld>
+</file>
+
+<file path=ppt/slides/slide14.xml><?xml version="1.0" encoding="utf-8"?>
+<p:sld xmlns:a="http://schemas.openxmlformats.org/drawingml/2006/main" xmlns:r="http://schemas.openxmlformats.org/officeDocument/2006/relationships" xmlns:p="http://schemas.openxmlformats.org/presentationml/2006/main">
+  <p:cSld>
+    <p:spTree>
+      <p:nvGrpSpPr>
+        <p:cNvPr id="1" name=""/>
+        <p:cNvGrpSpPr/>
+        <p:nvPr/>
+      </p:nvGrpSpPr>
+      <p:grpSpPr>
+        <a:xfrm>
+          <a:off x="0" y="0"/>
+          <a:ext cx="0" cy="0"/>
+          <a:chOff x="0" y="0"/>
+          <a:chExt cx="0" cy="0"/>
+        </a:xfrm>
+      </p:grpSpPr>
+      <p:sp>
+        <p:nvSpPr>
+          <p:cNvPr id="43010" name="Title 1">
+            <a:extLst>
+              <a:ext uri="{FF2B5EF4-FFF2-40B4-BE49-F238E27FC236}">
+                <a16:creationId xmlns:a16="http://schemas.microsoft.com/office/drawing/2014/main" id="{D91F4838-FE84-4F26-9AD6-A7200402C3C8}"/>
+              </a:ext>
+            </a:extLst>
+          </p:cNvPr>
+          <p:cNvSpPr>
+            <a:spLocks noGrp="1" noChangeArrowheads="1"/>
+          </p:cNvSpPr>
+          <p:nvPr>
+            <p:ph type="title"/>
+          </p:nvPr>
+        </p:nvSpPr>
+        <p:spPr>
+          <a:xfrm>
+            <a:off x="1981200" y="0"/>
+            <a:ext cx="8229600" cy="877888"/>
+          </a:xfrm>
+        </p:spPr>
+        <p:txBody>
+          <a:bodyPr/>
+          <a:lstStyle/>
+          <a:p>
+            <a:r>
+              <a:rPr lang="en-US" altLang="en-US"/>
+              <a:t>Resumen</a:t>
+            </a:r>
+          </a:p>
+        </p:txBody>
+      </p:sp>
+      <p:sp>
+        <p:nvSpPr>
+          <p:cNvPr id="43011" name="Content Placeholder 2">
+            <a:extLst>
+              <a:ext uri="{FF2B5EF4-FFF2-40B4-BE49-F238E27FC236}">
+                <a16:creationId xmlns:a16="http://schemas.microsoft.com/office/drawing/2014/main" id="{883EB8F3-798C-4F6D-B475-372CB9F49638}"/>
+              </a:ext>
+            </a:extLst>
+          </p:cNvPr>
+          <p:cNvSpPr>
+            <a:spLocks noGrp="1" noChangeArrowheads="1"/>
+          </p:cNvSpPr>
+          <p:nvPr>
+            <p:ph idx="1"/>
+          </p:nvPr>
+        </p:nvSpPr>
+        <p:spPr>
+          <a:xfrm>
+            <a:off x="1981200" y="877888"/>
+            <a:ext cx="8229600" cy="4525962"/>
+          </a:xfrm>
+        </p:spPr>
+        <p:txBody>
+          <a:bodyPr/>
+          <a:lstStyle/>
+          <a:p>
+            <a:r>
+              <a:rPr lang="en-US" altLang="en-US"/>
+              <a:t>Para evitar recursion infinita, todos nuestros algoritmos recursivos deben tener:</a:t>
+            </a:r>
+          </a:p>
+          <a:p>
+            <a:pPr lvl="1"/>
+            <a:r>
+              <a:rPr lang="en-US" altLang="en-US"/>
+              <a:t>Una llamada recursiva</a:t>
+            </a:r>
+          </a:p>
+          <a:p>
+            <a:pPr lvl="1"/>
+            <a:r>
+              <a:rPr lang="en-US" altLang="en-US"/>
+              <a:t>Un caso base sin llamada recursiva.</a:t>
+            </a:r>
+          </a:p>
+          <a:p>
+            <a:r>
+              <a:rPr lang="en-US" altLang="en-US"/>
+              <a:t>Ejemplos de algoritmos recursivos que son más eficientes que contrapartes iterativas:</a:t>
+            </a:r>
+          </a:p>
+          <a:p>
+            <a:pPr lvl="1"/>
+            <a:r>
+              <a:rPr lang="en-US" altLang="en-US"/>
+              <a:t>Binary search algorithm</a:t>
+            </a:r>
+          </a:p>
+          <a:p>
+            <a:pPr lvl="1"/>
+            <a:r>
+              <a:rPr lang="en-US" altLang="en-US"/>
+              <a:t>Merge sort algorithm</a:t>
+            </a:r>
+          </a:p>
+        </p:txBody>
+      </p:sp>
+    </p:spTree>
+  </p:cSld>
+  <p:clrMapOvr>
+    <a:masterClrMapping/>
+  </p:clrMapOvr>
+</p:sld>
+</file>
+
+<file path=ppt/slides/slide2.xml><?xml version="1.0" encoding="utf-8"?>
+<p:sld xmlns:a="http://schemas.openxmlformats.org/drawingml/2006/main" xmlns:r="http://schemas.openxmlformats.org/officeDocument/2006/relationships" xmlns:p="http://schemas.openxmlformats.org/presentationml/2006/main">
+  <p:cSld>
+    <p:spTree>
+      <p:nvGrpSpPr>
+        <p:cNvPr id="1" name=""/>
+        <p:cNvGrpSpPr/>
+        <p:nvPr/>
+      </p:nvGrpSpPr>
+      <p:grpSpPr>
+        <a:xfrm>
+          <a:off x="0" y="0"/>
+          <a:ext cx="0" cy="0"/>
+          <a:chOff x="0" y="0"/>
+          <a:chExt cx="0" cy="0"/>
+        </a:xfrm>
+      </p:grpSpPr>
+      <p:sp>
+        <p:nvSpPr>
+          <p:cNvPr id="31746" name="Title 1">
+            <a:extLst>
+              <a:ext uri="{FF2B5EF4-FFF2-40B4-BE49-F238E27FC236}">
+                <a16:creationId xmlns:a16="http://schemas.microsoft.com/office/drawing/2014/main" id="{996AF7B1-709B-413D-9480-0AF73C84A1CC}"/>
+              </a:ext>
+            </a:extLst>
+          </p:cNvPr>
+          <p:cNvSpPr>
+            <a:spLocks noGrp="1" noChangeArrowheads="1"/>
+          </p:cNvSpPr>
+          <p:nvPr>
+            <p:ph type="title"/>
+          </p:nvPr>
+        </p:nvSpPr>
+        <p:spPr>
+          <a:xfrm>
+            <a:off x="393700" y="365125"/>
+            <a:ext cx="10960100" cy="815975"/>
+          </a:xfrm>
+        </p:spPr>
+        <p:txBody>
+          <a:bodyPr/>
+          <a:lstStyle/>
+          <a:p>
+            <a:r>
+              <a:rPr lang="en-US" altLang="en-US" b="1" dirty="0" err="1">
+                <a:solidFill>
+                  <a:schemeClr val="accent1"/>
+                </a:solidFill>
+                <a:latin typeface="Roboto" panose="02000000000000000000" pitchFamily="2" charset="0"/>
+                <a:ea typeface="Roboto" panose="02000000000000000000" pitchFamily="2" charset="0"/>
+              </a:rPr>
+              <a:t>Búsqueda</a:t>
+            </a:r>
+            <a:r>
+              <a:rPr lang="en-US" altLang="en-US" b="1" dirty="0">
+                <a:solidFill>
+                  <a:schemeClr val="accent1"/>
+                </a:solidFill>
+                <a:latin typeface="Roboto" panose="02000000000000000000" pitchFamily="2" charset="0"/>
+                <a:ea typeface="Roboto" panose="02000000000000000000" pitchFamily="2" charset="0"/>
+              </a:rPr>
+              <a:t> </a:t>
+            </a:r>
+            <a:r>
+              <a:rPr lang="en-US" altLang="en-US" b="1" dirty="0" err="1">
+                <a:solidFill>
+                  <a:schemeClr val="accent1"/>
+                </a:solidFill>
+                <a:latin typeface="Roboto" panose="02000000000000000000" pitchFamily="2" charset="0"/>
+                <a:ea typeface="Roboto" panose="02000000000000000000" pitchFamily="2" charset="0"/>
+              </a:rPr>
+              <a:t>Binaria</a:t>
+            </a:r>
+            <a:endParaRPr lang="en-US" altLang="en-US" b="1" dirty="0">
+              <a:solidFill>
+                <a:schemeClr val="accent1"/>
+              </a:solidFill>
+              <a:latin typeface="Roboto" panose="02000000000000000000" pitchFamily="2" charset="0"/>
+              <a:ea typeface="Roboto" panose="02000000000000000000" pitchFamily="2" charset="0"/>
+            </a:endParaRPr>
+          </a:p>
+        </p:txBody>
+      </p:sp>
+      <p:pic>
+        <p:nvPicPr>
+          <p:cNvPr id="31748" name="Picture 2">
+            <a:extLst>
+              <a:ext uri="{FF2B5EF4-FFF2-40B4-BE49-F238E27FC236}">
+                <a16:creationId xmlns:a16="http://schemas.microsoft.com/office/drawing/2014/main" id="{7BD103EF-6E11-4167-A0AB-328E9D82445F}"/>
+              </a:ext>
+            </a:extLst>
+          </p:cNvPr>
+          <p:cNvPicPr>
+            <a:picLocks noChangeAspect="1" noChangeArrowheads="1"/>
+          </p:cNvPicPr>
+          <p:nvPr/>
+        </p:nvPicPr>
+        <p:blipFill>
+          <a:blip r:embed="rId2">
+            <a:extLst>
+              <a:ext uri="{28A0092B-C50C-407E-A947-70E740481C1C}">
+                <a14:useLocalDpi xmlns:a14="http://schemas.microsoft.com/office/drawing/2010/main" val="0"/>
+              </a:ext>
+            </a:extLst>
+          </a:blip>
+          <a:srcRect/>
+          <a:stretch>
+            <a:fillRect/>
+          </a:stretch>
+        </p:blipFill>
+        <p:spPr bwMode="auto">
+          <a:xfrm>
+            <a:off x="676776" y="1950345"/>
+            <a:ext cx="10838447" cy="2957310"/>
+          </a:xfrm>
+          <a:prstGeom prst="rect">
+            <a:avLst/>
+          </a:prstGeom>
+          <a:solidFill>
+            <a:schemeClr val="accent1"/>
+          </a:solidFill>
+          <a:ln>
+            <a:noFill/>
+          </a:ln>
+          <a:effectLst>
+            <a:outerShdw dist="107763" dir="2700000" algn="ctr" rotWithShape="0">
+              <a:schemeClr val="bg2">
+                <a:alpha val="50000"/>
+              </a:schemeClr>
+            </a:outerShdw>
+          </a:effectLst>
+          <a:extLst>
+            <a:ext uri="{91240B29-F687-4F45-9708-019B960494DF}">
+              <a14:hiddenLine xmlns:a14="http://schemas.microsoft.com/office/drawing/2010/main" w="12700" algn="ctr">
+                <a:solidFill>
+                  <a:srgbClr val="000000"/>
+                </a:solidFill>
+                <a:miter lim="800000"/>
+                <a:headEnd/>
+                <a:tailEnd/>
+              </a14:hiddenLine>
+            </a:ext>
+          </a:extLst>
+        </p:spPr>
+      </p:pic>
+    </p:spTree>
+  </p:cSld>
+  <p:clrMapOvr>
+    <a:masterClrMapping/>
+  </p:clrMapOvr>
+</p:sld>
+</file>
+
+<file path=ppt/slides/slide3.xml><?xml version="1.0" encoding="utf-8"?>
+<p:sld xmlns:a="http://schemas.openxmlformats.org/drawingml/2006/main" xmlns:r="http://schemas.openxmlformats.org/officeDocument/2006/relationships" xmlns:p="http://schemas.openxmlformats.org/presentationml/2006/main">
+  <p:cSld>
+    <p:spTree>
+      <p:nvGrpSpPr>
+        <p:cNvPr id="1" name=""/>
+        <p:cNvGrpSpPr/>
+        <p:nvPr/>
+      </p:nvGrpSpPr>
+      <p:grpSpPr>
+        <a:xfrm>
+          <a:off x="0" y="0"/>
+          <a:ext cx="0" cy="0"/>
+          <a:chOff x="0" y="0"/>
+          <a:chExt cx="0" cy="0"/>
+        </a:xfrm>
+      </p:grpSpPr>
+      <p:sp>
+        <p:nvSpPr>
+          <p:cNvPr id="32770" name="Title 1">
+            <a:extLst>
+              <a:ext uri="{FF2B5EF4-FFF2-40B4-BE49-F238E27FC236}">
+                <a16:creationId xmlns:a16="http://schemas.microsoft.com/office/drawing/2014/main" id="{CA6E6C7F-3572-46AB-9D93-DBC4125AB255}"/>
+              </a:ext>
+            </a:extLst>
+          </p:cNvPr>
+          <p:cNvSpPr>
+            <a:spLocks noGrp="1" noChangeArrowheads="1"/>
+          </p:cNvSpPr>
+          <p:nvPr>
+            <p:ph type="title"/>
+          </p:nvPr>
+        </p:nvSpPr>
+        <p:spPr/>
+        <p:txBody>
+          <a:bodyPr/>
+          <a:lstStyle/>
+          <a:p>
+            <a:r>
+              <a:rPr lang="en-US" altLang="en-US"/>
+              <a:t>Búsqueda Binaria</a:t>
+            </a:r>
+          </a:p>
+        </p:txBody>
+      </p:sp>
+      <p:sp>
+        <p:nvSpPr>
+          <p:cNvPr id="32771" name="Content Placeholder 2">
+            <a:extLst>
+              <a:ext uri="{FF2B5EF4-FFF2-40B4-BE49-F238E27FC236}">
+                <a16:creationId xmlns:a16="http://schemas.microsoft.com/office/drawing/2014/main" id="{B043A9F8-FEF4-467A-AF2A-FABD6E3A7F5D}"/>
+              </a:ext>
+            </a:extLst>
+          </p:cNvPr>
+          <p:cNvSpPr>
+            <a:spLocks noGrp="1" noChangeArrowheads="1"/>
+          </p:cNvSpPr>
+          <p:nvPr>
+            <p:ph idx="1"/>
+          </p:nvPr>
+        </p:nvSpPr>
+        <p:spPr/>
+        <p:txBody>
+          <a:bodyPr/>
+          <a:lstStyle/>
+          <a:p>
+            <a:r>
+              <a:rPr lang="en-US" altLang="en-US"/>
+              <a:t>Draft final del algoritmo que busca un elemento </a:t>
+            </a:r>
+            <a:r>
+              <a:rPr lang="en-US" altLang="en-US" b="1">
+                <a:solidFill>
+                  <a:srgbClr val="0070C0"/>
+                </a:solidFill>
+                <a:latin typeface="Courier New" panose="02070309020205020404" pitchFamily="49" charset="0"/>
+                <a:cs typeface="Courier New" panose="02070309020205020404" pitchFamily="49" charset="0"/>
+              </a:rPr>
+              <a:t>target </a:t>
+            </a:r>
+            <a:r>
+              <a:rPr lang="en-US" altLang="en-US"/>
+              <a:t>entre </a:t>
+            </a:r>
+            <a:r>
+              <a:rPr lang="en-US" altLang="en-US" b="1">
+                <a:solidFill>
+                  <a:srgbClr val="0070C0"/>
+                </a:solidFill>
+                <a:latin typeface="Courier New" panose="02070309020205020404" pitchFamily="49" charset="0"/>
+                <a:cs typeface="Courier New" panose="02070309020205020404" pitchFamily="49" charset="0"/>
+              </a:rPr>
+              <a:t>a[first] </a:t>
+            </a:r>
+            <a:r>
+              <a:rPr lang="en-US" altLang="en-US"/>
+              <a:t>y </a:t>
+            </a:r>
+            <a:r>
+              <a:rPr lang="en-US" altLang="en-US" b="1">
+                <a:solidFill>
+                  <a:srgbClr val="0070C0"/>
+                </a:solidFill>
+                <a:latin typeface="Courier New" panose="02070309020205020404" pitchFamily="49" charset="0"/>
+                <a:cs typeface="Courier New" panose="02070309020205020404" pitchFamily="49" charset="0"/>
+              </a:rPr>
+              <a:t>a[last]</a:t>
+            </a:r>
+          </a:p>
+          <a:p>
+            <a:endParaRPr lang="en-US" altLang="en-US"/>
+          </a:p>
+        </p:txBody>
+      </p:sp>
+      <p:pic>
+        <p:nvPicPr>
+          <p:cNvPr id="32772" name="Picture 2">
+            <a:extLst>
+              <a:ext uri="{FF2B5EF4-FFF2-40B4-BE49-F238E27FC236}">
+                <a16:creationId xmlns:a16="http://schemas.microsoft.com/office/drawing/2014/main" id="{254CDB50-CFD2-4040-80DE-81031A430DD9}"/>
+              </a:ext>
+            </a:extLst>
+          </p:cNvPr>
+          <p:cNvPicPr>
+            <a:picLocks noChangeAspect="1" noChangeArrowheads="1"/>
+          </p:cNvPicPr>
+          <p:nvPr/>
+        </p:nvPicPr>
+        <p:blipFill>
+          <a:blip r:embed="rId2">
+            <a:extLst>
+              <a:ext uri="{28A0092B-C50C-407E-A947-70E740481C1C}">
+                <a14:useLocalDpi xmlns:a14="http://schemas.microsoft.com/office/drawing/2010/main" val="0"/>
+              </a:ext>
+            </a:extLst>
+          </a:blip>
+          <a:srcRect/>
+          <a:stretch>
+            <a:fillRect/>
+          </a:stretch>
+        </p:blipFill>
+        <p:spPr bwMode="auto">
+          <a:xfrm>
+            <a:off x="2603501" y="3209925"/>
+            <a:ext cx="7629525" cy="2535238"/>
+          </a:xfrm>
+          <a:prstGeom prst="rect">
+            <a:avLst/>
+          </a:prstGeom>
+          <a:solidFill>
+            <a:schemeClr val="accent1"/>
+          </a:solidFill>
+          <a:ln>
+            <a:noFill/>
+          </a:ln>
+          <a:effectLst>
+            <a:outerShdw dist="107763" dir="2700000" algn="ctr" rotWithShape="0">
+              <a:schemeClr val="bg2">
+                <a:alpha val="50000"/>
+              </a:schemeClr>
+            </a:outerShdw>
+          </a:effectLst>
+          <a:extLst>
+            <a:ext uri="{91240B29-F687-4F45-9708-019B960494DF}">
+              <a14:hiddenLine xmlns:a14="http://schemas.microsoft.com/office/drawing/2010/main" w="12700" algn="ctr">
+                <a:solidFill>
+                  <a:srgbClr val="000000"/>
+                </a:solidFill>
+                <a:miter lim="800000"/>
+                <a:headEnd/>
+                <a:tailEnd/>
+              </a14:hiddenLine>
+            </a:ext>
+          </a:extLst>
+        </p:spPr>
+      </p:pic>
+    </p:spTree>
+  </p:cSld>
+  <p:clrMapOvr>
+    <a:masterClrMapping/>
+  </p:clrMapOvr>
+</p:sld>
+</file>
+
+<file path=ppt/slides/slide4.xml><?xml version="1.0" encoding="utf-8"?>
+<p:sld xmlns:a="http://schemas.openxmlformats.org/drawingml/2006/main" xmlns:r="http://schemas.openxmlformats.org/officeDocument/2006/relationships" xmlns:p="http://schemas.openxmlformats.org/presentationml/2006/main">
+  <p:cSld>
+    <p:spTree>
+      <p:nvGrpSpPr>
+        <p:cNvPr id="1" name=""/>
+        <p:cNvGrpSpPr/>
+        <p:nvPr/>
+      </p:nvGrpSpPr>
+      <p:grpSpPr>
+        <a:xfrm>
+          <a:off x="0" y="0"/>
+          <a:ext cx="0" cy="0"/>
+          <a:chOff x="0" y="0"/>
+          <a:chExt cx="0" cy="0"/>
+        </a:xfrm>
+      </p:grpSpPr>
+      <p:sp>
+        <p:nvSpPr>
+          <p:cNvPr id="33794" name="Title 1">
+            <a:extLst>
+              <a:ext uri="{FF2B5EF4-FFF2-40B4-BE49-F238E27FC236}">
+                <a16:creationId xmlns:a16="http://schemas.microsoft.com/office/drawing/2014/main" id="{58A8A0B9-0625-42D3-8D9B-4488D06B6DD0}"/>
+              </a:ext>
+            </a:extLst>
+          </p:cNvPr>
+          <p:cNvSpPr>
+            <a:spLocks noGrp="1" noChangeArrowheads="1"/>
+          </p:cNvSpPr>
+          <p:nvPr>
+            <p:ph type="title"/>
+          </p:nvPr>
+        </p:nvSpPr>
+        <p:spPr/>
+        <p:txBody>
+          <a:bodyPr/>
+          <a:lstStyle/>
+          <a:p>
+            <a:r>
+              <a:rPr lang="en-US" altLang="en-US"/>
+              <a:t>Búsqueda Binaria</a:t>
+            </a:r>
+          </a:p>
+        </p:txBody>
+      </p:sp>
+      <p:pic>
+        <p:nvPicPr>
+          <p:cNvPr id="33795" name="Picture 6">
+            <a:extLst>
+              <a:ext uri="{FF2B5EF4-FFF2-40B4-BE49-F238E27FC236}">
+                <a16:creationId xmlns:a16="http://schemas.microsoft.com/office/drawing/2014/main" id="{745E42ED-A071-43EC-8455-D76969973018}"/>
+              </a:ext>
+            </a:extLst>
+          </p:cNvPr>
+          <p:cNvPicPr>
+            <a:picLocks noChangeAspect="1" noChangeArrowheads="1"/>
+          </p:cNvPicPr>
+          <p:nvPr/>
+        </p:nvPicPr>
+        <p:blipFill>
+          <a:blip r:embed="rId2">
+            <a:extLst>
+              <a:ext uri="{28A0092B-C50C-407E-A947-70E740481C1C}">
+                <a14:useLocalDpi xmlns:a14="http://schemas.microsoft.com/office/drawing/2010/main" val="0"/>
+              </a:ext>
+            </a:extLst>
+          </a:blip>
+          <a:srcRect/>
+          <a:stretch>
+            <a:fillRect/>
+          </a:stretch>
+        </p:blipFill>
+        <p:spPr bwMode="auto">
+          <a:xfrm>
+            <a:off x="1888331" y="1690688"/>
+            <a:ext cx="8415338" cy="4041775"/>
+          </a:xfrm>
+          <a:prstGeom prst="rect">
+            <a:avLst/>
+          </a:prstGeom>
+          <a:solidFill>
+            <a:schemeClr val="accent1"/>
+          </a:solidFill>
+          <a:ln>
+            <a:noFill/>
+          </a:ln>
+          <a:effectLst>
+            <a:outerShdw dist="107763" dir="2700000" algn="ctr" rotWithShape="0">
+              <a:schemeClr val="bg2">
+                <a:alpha val="50000"/>
+              </a:schemeClr>
+            </a:outerShdw>
+          </a:effectLst>
+          <a:extLst>
+            <a:ext uri="{91240B29-F687-4F45-9708-019B960494DF}">
+              <a14:hiddenLine xmlns:a14="http://schemas.microsoft.com/office/drawing/2010/main" w="12700" algn="ctr">
+                <a:solidFill>
+                  <a:srgbClr val="000000"/>
+                </a:solidFill>
+                <a:miter lim="800000"/>
+                <a:headEnd/>
+                <a:tailEnd/>
+              </a14:hiddenLine>
+            </a:ext>
+          </a:extLst>
+        </p:spPr>
+      </p:pic>
+    </p:spTree>
+  </p:cSld>
+  <p:clrMapOvr>
+    <a:masterClrMapping/>
+  </p:clrMapOvr>
+</p:sld>
+</file>
+
+<file path=ppt/slides/slide5.xml><?xml version="1.0" encoding="utf-8"?>
+<p:sld xmlns:a="http://schemas.openxmlformats.org/drawingml/2006/main" xmlns:r="http://schemas.openxmlformats.org/officeDocument/2006/relationships" xmlns:p="http://schemas.openxmlformats.org/presentationml/2006/main">
+  <p:cSld>
+    <p:spTree>
+      <p:nvGrpSpPr>
+        <p:cNvPr id="1" name=""/>
+        <p:cNvGrpSpPr/>
+        <p:nvPr/>
+      </p:nvGrpSpPr>
+      <p:grpSpPr>
+        <a:xfrm>
+          <a:off x="0" y="0"/>
+          <a:ext cx="0" cy="0"/>
+          <a:chOff x="0" y="0"/>
+          <a:chExt cx="0" cy="0"/>
+        </a:xfrm>
+      </p:grpSpPr>
+      <p:sp>
+        <p:nvSpPr>
+          <p:cNvPr id="34818" name="Title 1">
+            <a:extLst>
+              <a:ext uri="{FF2B5EF4-FFF2-40B4-BE49-F238E27FC236}">
+                <a16:creationId xmlns:a16="http://schemas.microsoft.com/office/drawing/2014/main" id="{22C6ED5B-DDA6-4E4A-BCE3-27530239AD10}"/>
+              </a:ext>
+            </a:extLst>
+          </p:cNvPr>
+          <p:cNvSpPr>
+            <a:spLocks noGrp="1" noChangeArrowheads="1"/>
+          </p:cNvSpPr>
+          <p:nvPr>
+            <p:ph type="title"/>
+          </p:nvPr>
+        </p:nvSpPr>
+        <p:spPr/>
+        <p:txBody>
+          <a:bodyPr/>
+          <a:lstStyle/>
+          <a:p>
+            <a:r>
+              <a:rPr lang="en-US" altLang="en-US"/>
+              <a:t>Búsqueda Binaria</a:t>
+            </a:r>
+          </a:p>
+        </p:txBody>
+      </p:sp>
+      <p:pic>
+        <p:nvPicPr>
+          <p:cNvPr id="34819" name="Picture 5">
+            <a:extLst>
+              <a:ext uri="{FF2B5EF4-FFF2-40B4-BE49-F238E27FC236}">
+                <a16:creationId xmlns:a16="http://schemas.microsoft.com/office/drawing/2014/main" id="{9081F008-1AFF-4064-88D8-9C13AED8F929}"/>
+              </a:ext>
+            </a:extLst>
+          </p:cNvPr>
+          <p:cNvPicPr>
+            <a:picLocks noChangeAspect="1" noChangeArrowheads="1"/>
+          </p:cNvPicPr>
+          <p:nvPr/>
+        </p:nvPicPr>
+        <p:blipFill>
+          <a:blip r:embed="rId2">
+            <a:extLst>
+              <a:ext uri="{28A0092B-C50C-407E-A947-70E740481C1C}">
+                <a14:useLocalDpi xmlns:a14="http://schemas.microsoft.com/office/drawing/2010/main" val="0"/>
+              </a:ext>
+            </a:extLst>
+          </a:blip>
+          <a:srcRect/>
+          <a:stretch>
+            <a:fillRect/>
+          </a:stretch>
+        </p:blipFill>
+        <p:spPr bwMode="auto">
+          <a:xfrm>
+            <a:off x="1981201" y="1487488"/>
+            <a:ext cx="8488363" cy="4456112"/>
+          </a:xfrm>
+          <a:prstGeom prst="rect">
+            <a:avLst/>
+          </a:prstGeom>
+          <a:solidFill>
+            <a:schemeClr val="accent1"/>
+          </a:solidFill>
+          <a:ln>
+            <a:noFill/>
+          </a:ln>
+          <a:effectLst>
+            <a:outerShdw dist="107763" dir="2700000" algn="ctr" rotWithShape="0">
+              <a:schemeClr val="bg2">
+                <a:alpha val="50000"/>
+              </a:schemeClr>
+            </a:outerShdw>
+          </a:effectLst>
+          <a:extLst>
+            <a:ext uri="{91240B29-F687-4F45-9708-019B960494DF}">
+              <a14:hiddenLine xmlns:a14="http://schemas.microsoft.com/office/drawing/2010/main" w="12700" algn="ctr">
+                <a:solidFill>
+                  <a:srgbClr val="000000"/>
+                </a:solidFill>
+                <a:miter lim="800000"/>
+                <a:headEnd/>
+                <a:tailEnd/>
+              </a14:hiddenLine>
+            </a:ext>
+          </a:extLst>
+        </p:spPr>
+      </p:pic>
+    </p:spTree>
+  </p:cSld>
+  <p:clrMapOvr>
+    <a:masterClrMapping/>
+  </p:clrMapOvr>
+</p:sld>
+</file>
+
+<file path=ppt/slides/slide6.xml><?xml version="1.0" encoding="utf-8"?>
+<p:sld xmlns:a="http://schemas.openxmlformats.org/drawingml/2006/main" xmlns:r="http://schemas.openxmlformats.org/officeDocument/2006/relationships" xmlns:p="http://schemas.openxmlformats.org/presentationml/2006/main">
+  <p:cSld>
+    <p:spTree>
+      <p:nvGrpSpPr>
+        <p:cNvPr id="1" name=""/>
+        <p:cNvGrpSpPr/>
+        <p:nvPr/>
+      </p:nvGrpSpPr>
+      <p:grpSpPr>
+        <a:xfrm>
+          <a:off x="0" y="0"/>
+          <a:ext cx="0" cy="0"/>
+          <a:chOff x="0" y="0"/>
+          <a:chExt cx="0" cy="0"/>
+        </a:xfrm>
+      </p:grpSpPr>
+      <p:sp>
+        <p:nvSpPr>
+          <p:cNvPr id="35842" name="Title 1">
+            <a:extLst>
+              <a:ext uri="{FF2B5EF4-FFF2-40B4-BE49-F238E27FC236}">
+                <a16:creationId xmlns:a16="http://schemas.microsoft.com/office/drawing/2014/main" id="{1AB2B984-D04B-4D4C-9623-E3FCFEA30AFA}"/>
+              </a:ext>
+            </a:extLst>
+          </p:cNvPr>
+          <p:cNvSpPr>
+            <a:spLocks noGrp="1" noChangeArrowheads="1"/>
+          </p:cNvSpPr>
+          <p:nvPr>
+            <p:ph type="title"/>
+          </p:nvPr>
+        </p:nvSpPr>
+        <p:spPr/>
+        <p:txBody>
+          <a:bodyPr/>
+          <a:lstStyle/>
+          <a:p>
+            <a:r>
+              <a:rPr lang="en-US" altLang="en-US"/>
+              <a:t>Binary Search</a:t>
+            </a:r>
+          </a:p>
+        </p:txBody>
+      </p:sp>
+      <p:pic>
+        <p:nvPicPr>
+          <p:cNvPr id="35843" name="Picture 5">
+            <a:extLst>
+              <a:ext uri="{FF2B5EF4-FFF2-40B4-BE49-F238E27FC236}">
+                <a16:creationId xmlns:a16="http://schemas.microsoft.com/office/drawing/2014/main" id="{1AFBBCB1-E606-4478-9ACD-CE87E12D6749}"/>
+              </a:ext>
+            </a:extLst>
+          </p:cNvPr>
+          <p:cNvPicPr>
+            <a:picLocks noChangeAspect="1" noChangeArrowheads="1"/>
+          </p:cNvPicPr>
+          <p:nvPr/>
+        </p:nvPicPr>
+        <p:blipFill>
+          <a:blip r:embed="rId2">
+            <a:extLst>
+              <a:ext uri="{28A0092B-C50C-407E-A947-70E740481C1C}">
+                <a14:useLocalDpi xmlns:a14="http://schemas.microsoft.com/office/drawing/2010/main" val="0"/>
+              </a:ext>
+            </a:extLst>
+          </a:blip>
+          <a:srcRect/>
+          <a:stretch>
+            <a:fillRect/>
+          </a:stretch>
+        </p:blipFill>
+        <p:spPr bwMode="auto">
+          <a:xfrm>
+            <a:off x="1730375" y="1824038"/>
+            <a:ext cx="8731250" cy="3414712"/>
+          </a:xfrm>
+          <a:prstGeom prst="rect">
+            <a:avLst/>
+          </a:prstGeom>
+          <a:solidFill>
+            <a:schemeClr val="accent1"/>
+          </a:solidFill>
+          <a:ln>
+            <a:noFill/>
+          </a:ln>
+          <a:effectLst>
+            <a:outerShdw dist="107763" dir="2700000" algn="ctr" rotWithShape="0">
+              <a:schemeClr val="bg2">
+                <a:alpha val="50000"/>
+              </a:schemeClr>
+            </a:outerShdw>
+          </a:effectLst>
+          <a:extLst>
+            <a:ext uri="{91240B29-F687-4F45-9708-019B960494DF}">
+              <a14:hiddenLine xmlns:a14="http://schemas.microsoft.com/office/drawing/2010/main" w="12700" algn="ctr">
+                <a:solidFill>
+                  <a:srgbClr val="000000"/>
+                </a:solidFill>
+                <a:miter lim="800000"/>
+                <a:headEnd/>
+                <a:tailEnd/>
+              </a14:hiddenLine>
+            </a:ext>
+          </a:extLst>
+        </p:spPr>
+      </p:pic>
+    </p:spTree>
+  </p:cSld>
+  <p:clrMapOvr>
+    <a:masterClrMapping/>
+  </p:clrMapOvr>
+</p:sld>
+</file>
+
+<file path=ppt/slides/slide7.xml><?xml version="1.0" encoding="utf-8"?>
+<p:sld xmlns:a="http://schemas.openxmlformats.org/drawingml/2006/main" xmlns:r="http://schemas.openxmlformats.org/officeDocument/2006/relationships" xmlns:p="http://schemas.openxmlformats.org/presentationml/2006/main">
+  <p:cSld>
+    <p:spTree>
+      <p:nvGrpSpPr>
+        <p:cNvPr id="1" name=""/>
+        <p:cNvGrpSpPr/>
+        <p:nvPr/>
+      </p:nvGrpSpPr>
+      <p:grpSpPr>
+        <a:xfrm>
+          <a:off x="0" y="0"/>
+          <a:ext cx="0" cy="0"/>
+          <a:chOff x="0" y="0"/>
+          <a:chExt cx="0" cy="0"/>
+        </a:xfrm>
+      </p:grpSpPr>
+      <p:sp>
+        <p:nvSpPr>
+          <p:cNvPr id="3" name="Rectangle 2">
+            <a:extLst>
+              <a:ext uri="{FF2B5EF4-FFF2-40B4-BE49-F238E27FC236}">
+                <a16:creationId xmlns:a16="http://schemas.microsoft.com/office/drawing/2014/main" id="{4D3C8DF0-33D5-F947-BD55-B35BEC9AF35A}"/>
+              </a:ext>
+            </a:extLst>
+          </p:cNvPr>
+          <p:cNvSpPr/>
+          <p:nvPr/>
+        </p:nvSpPr>
+        <p:spPr>
+          <a:xfrm>
+            <a:off x="184150" y="1228397"/>
+            <a:ext cx="11823700" cy="4401205"/>
+          </a:xfrm>
+          <a:prstGeom prst="rect">
+            <a:avLst/>
+          </a:prstGeom>
+        </p:spPr>
+        <p:txBody>
+          <a:bodyPr wrap="square">
+            <a:spAutoFit/>
+          </a:bodyPr>
+          <a:lstStyle/>
+          <a:p>
+            <a:r>
+              <a:rPr lang="es-ES_tradnl" sz="2000" dirty="0" err="1">
+                <a:solidFill>
+                  <a:srgbClr val="7F0055"/>
+                </a:solidFill>
+                <a:latin typeface="Cascadia Code" panose="020B0609020000020004" pitchFamily="49" charset="77"/>
+              </a:rPr>
+              <a:t>public</a:t>
+            </a:r>
+            <a:r>
+              <a:rPr lang="es-ES_tradnl" sz="2000" dirty="0">
+                <a:solidFill>
+                  <a:srgbClr val="000000"/>
+                </a:solidFill>
+                <a:latin typeface="Cascadia Code" panose="020B0609020000020004" pitchFamily="49" charset="77"/>
+              </a:rPr>
+              <a:t> </a:t>
+            </a:r>
+            <a:r>
+              <a:rPr lang="es-ES_tradnl" sz="2000" dirty="0" err="1">
+                <a:solidFill>
+                  <a:srgbClr val="7F0055"/>
+                </a:solidFill>
+                <a:latin typeface="Cascadia Code" panose="020B0609020000020004" pitchFamily="49" charset="77"/>
+              </a:rPr>
+              <a:t>static</a:t>
+            </a:r>
+            <a:r>
+              <a:rPr lang="es-ES_tradnl" sz="2000" dirty="0">
+                <a:solidFill>
+                  <a:srgbClr val="000000"/>
+                </a:solidFill>
+                <a:latin typeface="Cascadia Code" panose="020B0609020000020004" pitchFamily="49" charset="77"/>
+              </a:rPr>
+              <a:t> </a:t>
+            </a:r>
+            <a:r>
+              <a:rPr lang="es-ES_tradnl" sz="2000" dirty="0" err="1">
+                <a:solidFill>
+                  <a:srgbClr val="7F0055"/>
+                </a:solidFill>
+                <a:latin typeface="Cascadia Code" panose="020B0609020000020004" pitchFamily="49" charset="77"/>
+              </a:rPr>
+              <a:t>int</a:t>
+            </a:r>
+            <a:r>
+              <a:rPr lang="es-ES_tradnl" sz="2000" dirty="0">
+                <a:solidFill>
+                  <a:srgbClr val="000000"/>
+                </a:solidFill>
+                <a:latin typeface="Cascadia Code" panose="020B0609020000020004" pitchFamily="49" charset="77"/>
+              </a:rPr>
+              <a:t> </a:t>
+            </a:r>
+            <a:r>
+              <a:rPr lang="es-ES_tradnl" sz="2000" dirty="0" err="1">
+                <a:solidFill>
+                  <a:srgbClr val="000000"/>
+                </a:solidFill>
+                <a:latin typeface="Cascadia Code" panose="020B0609020000020004" pitchFamily="49" charset="77"/>
+              </a:rPr>
+              <a:t>binarySearch</a:t>
+            </a:r>
+            <a:r>
+              <a:rPr lang="es-ES_tradnl" sz="2000" dirty="0">
+                <a:solidFill>
+                  <a:srgbClr val="000000"/>
+                </a:solidFill>
+                <a:latin typeface="Cascadia Code" panose="020B0609020000020004" pitchFamily="49" charset="77"/>
+              </a:rPr>
+              <a:t>(</a:t>
+            </a:r>
+            <a:r>
+              <a:rPr lang="es-ES_tradnl" sz="2000" dirty="0" err="1">
+                <a:solidFill>
+                  <a:srgbClr val="7F0055"/>
+                </a:solidFill>
+                <a:latin typeface="Cascadia Code" panose="020B0609020000020004" pitchFamily="49" charset="77"/>
+              </a:rPr>
+              <a:t>int</a:t>
+            </a:r>
+            <a:r>
+              <a:rPr lang="es-ES_tradnl" sz="2000" dirty="0">
+                <a:solidFill>
+                  <a:srgbClr val="000000"/>
+                </a:solidFill>
+                <a:latin typeface="Cascadia Code" panose="020B0609020000020004" pitchFamily="49" charset="77"/>
+              </a:rPr>
+              <a:t>[] </a:t>
+            </a:r>
+            <a:r>
+              <a:rPr lang="es-ES_tradnl" sz="2000" dirty="0" err="1">
+                <a:solidFill>
+                  <a:srgbClr val="6A3E3E"/>
+                </a:solidFill>
+                <a:latin typeface="Cascadia Code" panose="020B0609020000020004" pitchFamily="49" charset="77"/>
+              </a:rPr>
+              <a:t>array</a:t>
+            </a:r>
+            <a:r>
+              <a:rPr lang="es-ES_tradnl" sz="2000" dirty="0">
+                <a:solidFill>
+                  <a:srgbClr val="000000"/>
+                </a:solidFill>
+                <a:latin typeface="Cascadia Code" panose="020B0609020000020004" pitchFamily="49" charset="77"/>
+              </a:rPr>
+              <a:t>, </a:t>
+            </a:r>
+            <a:r>
+              <a:rPr lang="es-ES_tradnl" sz="2000" dirty="0" err="1">
+                <a:solidFill>
+                  <a:srgbClr val="7F0055"/>
+                </a:solidFill>
+                <a:latin typeface="Cascadia Code" panose="020B0609020000020004" pitchFamily="49" charset="77"/>
+              </a:rPr>
+              <a:t>int</a:t>
+            </a:r>
+            <a:r>
+              <a:rPr lang="es-ES_tradnl" sz="2000" dirty="0">
+                <a:solidFill>
+                  <a:srgbClr val="000000"/>
+                </a:solidFill>
+                <a:latin typeface="Cascadia Code" panose="020B0609020000020004" pitchFamily="49" charset="77"/>
+              </a:rPr>
+              <a:t> </a:t>
+            </a:r>
+            <a:r>
+              <a:rPr lang="es-ES_tradnl" sz="2000" dirty="0">
+                <a:solidFill>
+                  <a:srgbClr val="6A3E3E"/>
+                </a:solidFill>
+                <a:latin typeface="Cascadia Code" panose="020B0609020000020004" pitchFamily="49" charset="77"/>
+              </a:rPr>
+              <a:t>target</a:t>
+            </a:r>
+            <a:r>
+              <a:rPr lang="es-ES_tradnl" sz="2000" dirty="0">
+                <a:solidFill>
+                  <a:srgbClr val="000000"/>
+                </a:solidFill>
+                <a:latin typeface="Cascadia Code" panose="020B0609020000020004" pitchFamily="49" charset="77"/>
+              </a:rPr>
+              <a:t>, </a:t>
+            </a:r>
+            <a:r>
+              <a:rPr lang="es-ES_tradnl" sz="2000" dirty="0" err="1">
+                <a:solidFill>
+                  <a:srgbClr val="7F0055"/>
+                </a:solidFill>
+                <a:latin typeface="Cascadia Code" panose="020B0609020000020004" pitchFamily="49" charset="77"/>
+              </a:rPr>
+              <a:t>int</a:t>
+            </a:r>
+            <a:r>
+              <a:rPr lang="es-ES_tradnl" sz="2000" dirty="0">
+                <a:solidFill>
+                  <a:srgbClr val="000000"/>
+                </a:solidFill>
+                <a:latin typeface="Cascadia Code" panose="020B0609020000020004" pitchFamily="49" charset="77"/>
+              </a:rPr>
+              <a:t> </a:t>
+            </a:r>
+            <a:r>
+              <a:rPr lang="es-ES_tradnl" sz="2000" dirty="0" err="1">
+                <a:solidFill>
+                  <a:srgbClr val="6A3E3E"/>
+                </a:solidFill>
+                <a:latin typeface="Cascadia Code" panose="020B0609020000020004" pitchFamily="49" charset="77"/>
+              </a:rPr>
+              <a:t>begin</a:t>
+            </a:r>
+            <a:r>
+              <a:rPr lang="es-ES_tradnl" sz="2000" dirty="0">
+                <a:solidFill>
+                  <a:srgbClr val="000000"/>
+                </a:solidFill>
+                <a:latin typeface="Cascadia Code" panose="020B0609020000020004" pitchFamily="49" charset="77"/>
+              </a:rPr>
+              <a:t>, </a:t>
+            </a:r>
+            <a:r>
+              <a:rPr lang="es-ES_tradnl" sz="2000" dirty="0" err="1">
+                <a:solidFill>
+                  <a:srgbClr val="7F0055"/>
+                </a:solidFill>
+                <a:latin typeface="Cascadia Code" panose="020B0609020000020004" pitchFamily="49" charset="77"/>
+              </a:rPr>
+              <a:t>int</a:t>
+            </a:r>
+            <a:r>
+              <a:rPr lang="es-ES_tradnl" sz="2000" dirty="0">
+                <a:solidFill>
+                  <a:srgbClr val="000000"/>
+                </a:solidFill>
+                <a:latin typeface="Cascadia Code" panose="020B0609020000020004" pitchFamily="49" charset="77"/>
+              </a:rPr>
+              <a:t> </a:t>
+            </a:r>
+            <a:r>
+              <a:rPr lang="es-ES_tradnl" sz="2000" dirty="0" err="1">
+                <a:solidFill>
+                  <a:srgbClr val="6A3E3E"/>
+                </a:solidFill>
+                <a:latin typeface="Cascadia Code" panose="020B0609020000020004" pitchFamily="49" charset="77"/>
+              </a:rPr>
+              <a:t>end</a:t>
+            </a:r>
+            <a:r>
+              <a:rPr lang="es-ES_tradnl" sz="2000" dirty="0">
+                <a:solidFill>
+                  <a:srgbClr val="000000"/>
+                </a:solidFill>
+                <a:latin typeface="Cascadia Code" panose="020B0609020000020004" pitchFamily="49" charset="77"/>
+              </a:rPr>
+              <a:t>) {</a:t>
+            </a:r>
+          </a:p>
+          <a:p>
+            <a:r>
+              <a:rPr lang="es-ES_tradnl" sz="2000" dirty="0">
+                <a:solidFill>
+                  <a:srgbClr val="7F0055"/>
+                </a:solidFill>
+                <a:latin typeface="Cascadia Code" panose="020B0609020000020004" pitchFamily="49" charset="77"/>
+              </a:rPr>
+              <a:t>  </a:t>
+            </a:r>
+            <a:r>
+              <a:rPr lang="es-ES_tradnl" sz="2000" dirty="0" err="1">
+                <a:solidFill>
+                  <a:srgbClr val="7F0055"/>
+                </a:solidFill>
+                <a:latin typeface="Cascadia Code" panose="020B0609020000020004" pitchFamily="49" charset="77"/>
+              </a:rPr>
+              <a:t>int</a:t>
+            </a:r>
+            <a:r>
+              <a:rPr lang="es-ES_tradnl" sz="2000" dirty="0">
+                <a:solidFill>
+                  <a:srgbClr val="000000"/>
+                </a:solidFill>
+                <a:latin typeface="Cascadia Code" panose="020B0609020000020004" pitchFamily="49" charset="77"/>
+              </a:rPr>
+              <a:t> </a:t>
+            </a:r>
+            <a:r>
+              <a:rPr lang="es-ES_tradnl" sz="2000" dirty="0" err="1">
+                <a:solidFill>
+                  <a:srgbClr val="6A3E3E"/>
+                </a:solidFill>
+                <a:latin typeface="Cascadia Code" panose="020B0609020000020004" pitchFamily="49" charset="77"/>
+              </a:rPr>
+              <a:t>mid</a:t>
+            </a:r>
+            <a:r>
+              <a:rPr lang="es-ES_tradnl" sz="2000" dirty="0">
+                <a:solidFill>
+                  <a:srgbClr val="000000"/>
+                </a:solidFill>
+                <a:latin typeface="Cascadia Code" panose="020B0609020000020004" pitchFamily="49" charset="77"/>
+              </a:rPr>
+              <a:t> = (</a:t>
+            </a:r>
+            <a:r>
+              <a:rPr lang="es-ES_tradnl" sz="2000" dirty="0" err="1">
+                <a:solidFill>
+                  <a:srgbClr val="6A3E3E"/>
+                </a:solidFill>
+                <a:latin typeface="Cascadia Code" panose="020B0609020000020004" pitchFamily="49" charset="77"/>
+              </a:rPr>
+              <a:t>begin</a:t>
+            </a:r>
+            <a:r>
+              <a:rPr lang="es-ES_tradnl" sz="2000" dirty="0">
+                <a:solidFill>
+                  <a:srgbClr val="000000"/>
+                </a:solidFill>
+                <a:latin typeface="Cascadia Code" panose="020B0609020000020004" pitchFamily="49" charset="77"/>
+              </a:rPr>
+              <a:t> + </a:t>
+            </a:r>
+            <a:r>
+              <a:rPr lang="es-ES_tradnl" sz="2000" dirty="0" err="1">
+                <a:solidFill>
+                  <a:srgbClr val="6A3E3E"/>
+                </a:solidFill>
+                <a:latin typeface="Cascadia Code" panose="020B0609020000020004" pitchFamily="49" charset="77"/>
+              </a:rPr>
+              <a:t>end</a:t>
+            </a:r>
+            <a:r>
+              <a:rPr lang="es-ES_tradnl" sz="2000" dirty="0">
+                <a:solidFill>
+                  <a:srgbClr val="000000"/>
+                </a:solidFill>
+                <a:latin typeface="Cascadia Code" panose="020B0609020000020004" pitchFamily="49" charset="77"/>
+              </a:rPr>
+              <a:t>) / 2;</a:t>
+            </a:r>
+          </a:p>
+          <a:p>
+            <a:endParaRPr lang="es-ES_tradnl" sz="2000" dirty="0">
+              <a:latin typeface="Cascadia Code" panose="020B0609020000020004" pitchFamily="49" charset="77"/>
+            </a:endParaRPr>
+          </a:p>
+          <a:p>
+            <a:r>
+              <a:rPr lang="es-ES_tradnl" sz="2000" dirty="0">
+                <a:solidFill>
+                  <a:srgbClr val="7F0055"/>
+                </a:solidFill>
+                <a:latin typeface="Cascadia Code" panose="020B0609020000020004" pitchFamily="49" charset="77"/>
+              </a:rPr>
+              <a:t>  </a:t>
+            </a:r>
+            <a:r>
+              <a:rPr lang="es-ES_tradnl" sz="2000" dirty="0" err="1">
+                <a:solidFill>
+                  <a:srgbClr val="7F0055"/>
+                </a:solidFill>
+                <a:latin typeface="Cascadia Code" panose="020B0609020000020004" pitchFamily="49" charset="77"/>
+              </a:rPr>
+              <a:t>if</a:t>
+            </a:r>
+            <a:r>
+              <a:rPr lang="es-ES_tradnl" sz="2000" dirty="0">
+                <a:solidFill>
+                  <a:srgbClr val="000000"/>
+                </a:solidFill>
+                <a:latin typeface="Cascadia Code" panose="020B0609020000020004" pitchFamily="49" charset="77"/>
+              </a:rPr>
+              <a:t> (</a:t>
+            </a:r>
+            <a:r>
+              <a:rPr lang="es-ES_tradnl" sz="2000" dirty="0" err="1">
+                <a:solidFill>
+                  <a:srgbClr val="6A3E3E"/>
+                </a:solidFill>
+                <a:latin typeface="Cascadia Code" panose="020B0609020000020004" pitchFamily="49" charset="77"/>
+              </a:rPr>
+              <a:t>begin</a:t>
+            </a:r>
+            <a:r>
+              <a:rPr lang="es-ES_tradnl" sz="2000" dirty="0">
+                <a:solidFill>
+                  <a:srgbClr val="000000"/>
+                </a:solidFill>
+                <a:latin typeface="Cascadia Code" panose="020B0609020000020004" pitchFamily="49" charset="77"/>
+              </a:rPr>
+              <a:t> &gt; </a:t>
+            </a:r>
+            <a:r>
+              <a:rPr lang="es-ES_tradnl" sz="2000" dirty="0" err="1">
+                <a:solidFill>
+                  <a:srgbClr val="6A3E3E"/>
+                </a:solidFill>
+                <a:latin typeface="Cascadia Code" panose="020B0609020000020004" pitchFamily="49" charset="77"/>
+              </a:rPr>
+              <a:t>end</a:t>
+            </a:r>
+            <a:r>
+              <a:rPr lang="es-ES_tradnl" sz="2000" dirty="0">
+                <a:solidFill>
+                  <a:srgbClr val="000000"/>
+                </a:solidFill>
+                <a:latin typeface="Cascadia Code" panose="020B0609020000020004" pitchFamily="49" charset="77"/>
+              </a:rPr>
+              <a:t>)</a:t>
+            </a:r>
+          </a:p>
+          <a:p>
+            <a:r>
+              <a:rPr lang="es-ES_tradnl" sz="2000" dirty="0">
+                <a:solidFill>
+                  <a:srgbClr val="7F0055"/>
+                </a:solidFill>
+                <a:latin typeface="Cascadia Code" panose="020B0609020000020004" pitchFamily="49" charset="77"/>
+              </a:rPr>
+              <a:t>    </a:t>
+            </a:r>
+            <a:r>
+              <a:rPr lang="es-ES_tradnl" sz="2000" dirty="0" err="1">
+                <a:solidFill>
+                  <a:srgbClr val="7F0055"/>
+                </a:solidFill>
+                <a:latin typeface="Cascadia Code" panose="020B0609020000020004" pitchFamily="49" charset="77"/>
+              </a:rPr>
+              <a:t>return</a:t>
+            </a:r>
+            <a:r>
+              <a:rPr lang="es-ES_tradnl" sz="2000" dirty="0">
+                <a:solidFill>
+                  <a:srgbClr val="000000"/>
+                </a:solidFill>
+                <a:latin typeface="Cascadia Code" panose="020B0609020000020004" pitchFamily="49" charset="77"/>
+              </a:rPr>
+              <a:t> -1;</a:t>
+            </a:r>
+          </a:p>
+          <a:p>
+            <a:r>
+              <a:rPr lang="es-ES_tradnl" sz="2000" dirty="0">
+                <a:solidFill>
+                  <a:srgbClr val="7F0055"/>
+                </a:solidFill>
+                <a:latin typeface="Cascadia Code" panose="020B0609020000020004" pitchFamily="49" charset="77"/>
+              </a:rPr>
+              <a:t>  </a:t>
+            </a:r>
+            <a:r>
+              <a:rPr lang="es-ES_tradnl" sz="2000" dirty="0" err="1">
+                <a:solidFill>
+                  <a:srgbClr val="7F0055"/>
+                </a:solidFill>
+                <a:latin typeface="Cascadia Code" panose="020B0609020000020004" pitchFamily="49" charset="77"/>
+              </a:rPr>
+              <a:t>if</a:t>
+            </a:r>
+            <a:r>
+              <a:rPr lang="es-ES_tradnl" sz="2000" dirty="0">
+                <a:solidFill>
+                  <a:srgbClr val="000000"/>
+                </a:solidFill>
+                <a:latin typeface="Cascadia Code" panose="020B0609020000020004" pitchFamily="49" charset="77"/>
+              </a:rPr>
+              <a:t> (</a:t>
+            </a:r>
+            <a:r>
+              <a:rPr lang="es-ES_tradnl" sz="2000" dirty="0" err="1">
+                <a:solidFill>
+                  <a:srgbClr val="6A3E3E"/>
+                </a:solidFill>
+                <a:latin typeface="Cascadia Code" panose="020B0609020000020004" pitchFamily="49" charset="77"/>
+              </a:rPr>
+              <a:t>array</a:t>
+            </a:r>
+            <a:r>
+              <a:rPr lang="es-ES_tradnl" sz="2000" dirty="0">
+                <a:solidFill>
+                  <a:srgbClr val="000000"/>
+                </a:solidFill>
+                <a:latin typeface="Cascadia Code" panose="020B0609020000020004" pitchFamily="49" charset="77"/>
+              </a:rPr>
+              <a:t>[</a:t>
+            </a:r>
+            <a:r>
+              <a:rPr lang="es-ES_tradnl" sz="2000" dirty="0" err="1">
+                <a:solidFill>
+                  <a:srgbClr val="6A3E3E"/>
+                </a:solidFill>
+                <a:latin typeface="Cascadia Code" panose="020B0609020000020004" pitchFamily="49" charset="77"/>
+              </a:rPr>
+              <a:t>mid</a:t>
+            </a:r>
+            <a:r>
+              <a:rPr lang="es-ES_tradnl" sz="2000" dirty="0">
+                <a:solidFill>
+                  <a:srgbClr val="000000"/>
+                </a:solidFill>
+                <a:latin typeface="Cascadia Code" panose="020B0609020000020004" pitchFamily="49" charset="77"/>
+              </a:rPr>
+              <a:t>] == </a:t>
+            </a:r>
+            <a:r>
+              <a:rPr lang="es-ES_tradnl" sz="2000" dirty="0">
+                <a:solidFill>
+                  <a:srgbClr val="6A3E3E"/>
+                </a:solidFill>
+                <a:latin typeface="Cascadia Code" panose="020B0609020000020004" pitchFamily="49" charset="77"/>
+              </a:rPr>
+              <a:t>target</a:t>
+            </a:r>
+            <a:r>
+              <a:rPr lang="es-ES_tradnl" sz="2000" dirty="0">
+                <a:solidFill>
+                  <a:srgbClr val="000000"/>
+                </a:solidFill>
+                <a:latin typeface="Cascadia Code" panose="020B0609020000020004" pitchFamily="49" charset="77"/>
+              </a:rPr>
+              <a:t>) </a:t>
+            </a:r>
+          </a:p>
+          <a:p>
+            <a:r>
+              <a:rPr lang="es-ES_tradnl" sz="2000" dirty="0">
+                <a:solidFill>
+                  <a:srgbClr val="7F0055"/>
+                </a:solidFill>
+                <a:latin typeface="Cascadia Code" panose="020B0609020000020004" pitchFamily="49" charset="77"/>
+              </a:rPr>
+              <a:t>    </a:t>
+            </a:r>
+            <a:r>
+              <a:rPr lang="es-ES_tradnl" sz="2000" dirty="0" err="1">
+                <a:solidFill>
+                  <a:srgbClr val="7F0055"/>
+                </a:solidFill>
+                <a:latin typeface="Cascadia Code" panose="020B0609020000020004" pitchFamily="49" charset="77"/>
+              </a:rPr>
+              <a:t>return</a:t>
+            </a:r>
+            <a:r>
+              <a:rPr lang="es-ES_tradnl" sz="2000" dirty="0">
+                <a:solidFill>
+                  <a:srgbClr val="000000"/>
+                </a:solidFill>
+                <a:latin typeface="Cascadia Code" panose="020B0609020000020004" pitchFamily="49" charset="77"/>
+              </a:rPr>
+              <a:t> </a:t>
+            </a:r>
+            <a:r>
+              <a:rPr lang="es-ES_tradnl" sz="2000" dirty="0" err="1">
+                <a:solidFill>
+                  <a:srgbClr val="6A3E3E"/>
+                </a:solidFill>
+                <a:latin typeface="Cascadia Code" panose="020B0609020000020004" pitchFamily="49" charset="77"/>
+              </a:rPr>
+              <a:t>mid</a:t>
+            </a:r>
+            <a:r>
+              <a:rPr lang="es-ES_tradnl" sz="2000" dirty="0">
+                <a:solidFill>
+                  <a:srgbClr val="000000"/>
+                </a:solidFill>
+                <a:latin typeface="Cascadia Code" panose="020B0609020000020004" pitchFamily="49" charset="77"/>
+              </a:rPr>
+              <a:t>;</a:t>
+            </a:r>
+          </a:p>
+          <a:p>
+            <a:endParaRPr lang="es-ES_tradnl" sz="2000" dirty="0">
+              <a:latin typeface="Cascadia Code" panose="020B0609020000020004" pitchFamily="49" charset="77"/>
+            </a:endParaRPr>
+          </a:p>
+          <a:p>
+            <a:r>
+              <a:rPr lang="es-ES_tradnl" sz="2000" dirty="0">
+                <a:solidFill>
+                  <a:srgbClr val="7F0055"/>
+                </a:solidFill>
+                <a:latin typeface="Cascadia Code" panose="020B0609020000020004" pitchFamily="49" charset="77"/>
+              </a:rPr>
+              <a:t>  </a:t>
+            </a:r>
+            <a:r>
+              <a:rPr lang="es-ES_tradnl" sz="2000" dirty="0" err="1">
+                <a:solidFill>
+                  <a:srgbClr val="7F0055"/>
+                </a:solidFill>
+                <a:latin typeface="Cascadia Code" panose="020B0609020000020004" pitchFamily="49" charset="77"/>
+              </a:rPr>
+              <a:t>if</a:t>
+            </a:r>
+            <a:r>
+              <a:rPr lang="es-ES_tradnl" sz="2000" dirty="0">
+                <a:solidFill>
+                  <a:srgbClr val="000000"/>
+                </a:solidFill>
+                <a:latin typeface="Cascadia Code" panose="020B0609020000020004" pitchFamily="49" charset="77"/>
+              </a:rPr>
+              <a:t> (</a:t>
+            </a:r>
+            <a:r>
+              <a:rPr lang="es-ES_tradnl" sz="2000" dirty="0" err="1">
+                <a:solidFill>
+                  <a:srgbClr val="6A3E3E"/>
+                </a:solidFill>
+                <a:latin typeface="Cascadia Code" panose="020B0609020000020004" pitchFamily="49" charset="77"/>
+              </a:rPr>
+              <a:t>array</a:t>
+            </a:r>
+            <a:r>
+              <a:rPr lang="es-ES_tradnl" sz="2000" dirty="0">
+                <a:solidFill>
+                  <a:srgbClr val="000000"/>
+                </a:solidFill>
+                <a:latin typeface="Cascadia Code" panose="020B0609020000020004" pitchFamily="49" charset="77"/>
+              </a:rPr>
+              <a:t>[</a:t>
+            </a:r>
+            <a:r>
+              <a:rPr lang="es-ES_tradnl" sz="2000" dirty="0" err="1">
+                <a:solidFill>
+                  <a:srgbClr val="6A3E3E"/>
+                </a:solidFill>
+                <a:latin typeface="Cascadia Code" panose="020B0609020000020004" pitchFamily="49" charset="77"/>
+              </a:rPr>
+              <a:t>mid</a:t>
+            </a:r>
+            <a:r>
+              <a:rPr lang="es-ES_tradnl" sz="2000" dirty="0">
+                <a:solidFill>
+                  <a:srgbClr val="000000"/>
+                </a:solidFill>
+                <a:latin typeface="Cascadia Code" panose="020B0609020000020004" pitchFamily="49" charset="77"/>
+              </a:rPr>
+              <a:t>] &gt; </a:t>
+            </a:r>
+            <a:r>
+              <a:rPr lang="es-ES_tradnl" sz="2000" dirty="0">
+                <a:solidFill>
+                  <a:srgbClr val="6A3E3E"/>
+                </a:solidFill>
+                <a:latin typeface="Cascadia Code" panose="020B0609020000020004" pitchFamily="49" charset="77"/>
+              </a:rPr>
+              <a:t>target</a:t>
+            </a:r>
+            <a:r>
+              <a:rPr lang="es-ES_tradnl" sz="2000" dirty="0">
+                <a:solidFill>
+                  <a:srgbClr val="000000"/>
+                </a:solidFill>
+                <a:latin typeface="Cascadia Code" panose="020B0609020000020004" pitchFamily="49" charset="77"/>
+              </a:rPr>
+              <a:t>) {</a:t>
+            </a:r>
+          </a:p>
+          <a:p>
+            <a:r>
+              <a:rPr lang="es-ES_tradnl" sz="2000" dirty="0">
+                <a:solidFill>
+                  <a:srgbClr val="7F0055"/>
+                </a:solidFill>
+                <a:latin typeface="Cascadia Code" panose="020B0609020000020004" pitchFamily="49" charset="77"/>
+              </a:rPr>
+              <a:t>    </a:t>
+            </a:r>
+            <a:r>
+              <a:rPr lang="es-ES_tradnl" sz="2000" dirty="0" err="1">
+                <a:solidFill>
+                  <a:srgbClr val="7F0055"/>
+                </a:solidFill>
+                <a:latin typeface="Cascadia Code" panose="020B0609020000020004" pitchFamily="49" charset="77"/>
+              </a:rPr>
+              <a:t>return</a:t>
+            </a:r>
+            <a:r>
+              <a:rPr lang="es-ES_tradnl" sz="2000" dirty="0">
+                <a:solidFill>
+                  <a:srgbClr val="000000"/>
+                </a:solidFill>
+                <a:latin typeface="Cascadia Code" panose="020B0609020000020004" pitchFamily="49" charset="77"/>
+              </a:rPr>
+              <a:t> </a:t>
+            </a:r>
+            <a:r>
+              <a:rPr lang="es-ES_tradnl" sz="2000" dirty="0" err="1">
+                <a:solidFill>
+                  <a:srgbClr val="000000"/>
+                </a:solidFill>
+                <a:latin typeface="Cascadia Code" panose="020B0609020000020004" pitchFamily="49" charset="77"/>
+              </a:rPr>
+              <a:t>binarySearch</a:t>
+            </a:r>
+            <a:r>
+              <a:rPr lang="es-ES_tradnl" sz="2000" dirty="0">
+                <a:solidFill>
+                  <a:srgbClr val="000000"/>
+                </a:solidFill>
+                <a:latin typeface="Cascadia Code" panose="020B0609020000020004" pitchFamily="49" charset="77"/>
+              </a:rPr>
+              <a:t>(</a:t>
+            </a:r>
+            <a:r>
+              <a:rPr lang="es-ES_tradnl" sz="2000" dirty="0" err="1">
+                <a:solidFill>
+                  <a:srgbClr val="6A3E3E"/>
+                </a:solidFill>
+                <a:latin typeface="Cascadia Code" panose="020B0609020000020004" pitchFamily="49" charset="77"/>
+              </a:rPr>
+              <a:t>array</a:t>
+            </a:r>
+            <a:r>
+              <a:rPr lang="es-ES_tradnl" sz="2000" dirty="0">
+                <a:solidFill>
+                  <a:srgbClr val="000000"/>
+                </a:solidFill>
+                <a:latin typeface="Cascadia Code" panose="020B0609020000020004" pitchFamily="49" charset="77"/>
+              </a:rPr>
+              <a:t>, </a:t>
+            </a:r>
+            <a:r>
+              <a:rPr lang="es-ES_tradnl" sz="2000" dirty="0">
+                <a:solidFill>
+                  <a:srgbClr val="6A3E3E"/>
+                </a:solidFill>
+                <a:latin typeface="Cascadia Code" panose="020B0609020000020004" pitchFamily="49" charset="77"/>
+              </a:rPr>
+              <a:t>target</a:t>
+            </a:r>
+            <a:r>
+              <a:rPr lang="es-ES_tradnl" sz="2000" dirty="0">
+                <a:solidFill>
+                  <a:srgbClr val="000000"/>
+                </a:solidFill>
+                <a:latin typeface="Cascadia Code" panose="020B0609020000020004" pitchFamily="49" charset="77"/>
+              </a:rPr>
+              <a:t>, </a:t>
+            </a:r>
+            <a:r>
+              <a:rPr lang="es-ES_tradnl" sz="2000" dirty="0" err="1">
+                <a:solidFill>
+                  <a:srgbClr val="6A3E3E"/>
+                </a:solidFill>
+                <a:latin typeface="Cascadia Code" panose="020B0609020000020004" pitchFamily="49" charset="77"/>
+              </a:rPr>
+              <a:t>begin</a:t>
+            </a:r>
+            <a:r>
+              <a:rPr lang="es-ES_tradnl" sz="2000" dirty="0">
+                <a:solidFill>
+                  <a:srgbClr val="000000"/>
+                </a:solidFill>
+                <a:latin typeface="Cascadia Code" panose="020B0609020000020004" pitchFamily="49" charset="77"/>
+              </a:rPr>
+              <a:t>, </a:t>
+            </a:r>
+            <a:r>
+              <a:rPr lang="es-ES_tradnl" sz="2000" dirty="0">
+                <a:solidFill>
+                  <a:srgbClr val="6A3E3E"/>
+                </a:solidFill>
+                <a:latin typeface="Cascadia Code" panose="020B0609020000020004" pitchFamily="49" charset="77"/>
+              </a:rPr>
+              <a:t>mid</a:t>
+            </a:r>
+            <a:r>
+              <a:rPr lang="es-ES_tradnl" sz="2000" dirty="0">
+                <a:solidFill>
+                  <a:srgbClr val="000000"/>
+                </a:solidFill>
+                <a:latin typeface="Cascadia Code" panose="020B0609020000020004" pitchFamily="49" charset="77"/>
+              </a:rPr>
+              <a:t>-1);</a:t>
+            </a:r>
+          </a:p>
+          <a:p>
+            <a:r>
+              <a:rPr lang="es-ES_tradnl" sz="2000" dirty="0">
+                <a:solidFill>
+                  <a:srgbClr val="000000"/>
+                </a:solidFill>
+                <a:latin typeface="Cascadia Code" panose="020B0609020000020004" pitchFamily="49" charset="77"/>
+              </a:rPr>
+              <a:t>  } </a:t>
+            </a:r>
+            <a:r>
+              <a:rPr lang="es-ES_tradnl" sz="2000" dirty="0" err="1">
+                <a:solidFill>
+                  <a:srgbClr val="7F0055"/>
+                </a:solidFill>
+                <a:latin typeface="Cascadia Code" panose="020B0609020000020004" pitchFamily="49" charset="77"/>
+              </a:rPr>
+              <a:t>else</a:t>
+            </a:r>
+            <a:r>
+              <a:rPr lang="es-ES_tradnl" sz="2000" dirty="0">
+                <a:solidFill>
+                  <a:srgbClr val="000000"/>
+                </a:solidFill>
+                <a:latin typeface="Cascadia Code" panose="020B0609020000020004" pitchFamily="49" charset="77"/>
+              </a:rPr>
+              <a:t> {</a:t>
+            </a:r>
+          </a:p>
+          <a:p>
+            <a:r>
+              <a:rPr lang="es-ES_tradnl" sz="2000" dirty="0">
+                <a:solidFill>
+                  <a:srgbClr val="7F0055"/>
+                </a:solidFill>
+                <a:latin typeface="Cascadia Code" panose="020B0609020000020004" pitchFamily="49" charset="77"/>
+              </a:rPr>
+              <a:t>    </a:t>
+            </a:r>
+            <a:r>
+              <a:rPr lang="es-ES_tradnl" sz="2000" dirty="0" err="1">
+                <a:solidFill>
+                  <a:srgbClr val="7F0055"/>
+                </a:solidFill>
+                <a:latin typeface="Cascadia Code" panose="020B0609020000020004" pitchFamily="49" charset="77"/>
+              </a:rPr>
+              <a:t>return</a:t>
+            </a:r>
+            <a:r>
+              <a:rPr lang="es-ES_tradnl" sz="2000" dirty="0">
+                <a:solidFill>
+                  <a:srgbClr val="000000"/>
+                </a:solidFill>
+                <a:latin typeface="Cascadia Code" panose="020B0609020000020004" pitchFamily="49" charset="77"/>
+              </a:rPr>
+              <a:t> </a:t>
+            </a:r>
+            <a:r>
+              <a:rPr lang="es-ES_tradnl" sz="2000" dirty="0" err="1">
+                <a:solidFill>
+                  <a:srgbClr val="000000"/>
+                </a:solidFill>
+                <a:latin typeface="Cascadia Code" panose="020B0609020000020004" pitchFamily="49" charset="77"/>
+              </a:rPr>
+              <a:t>binarySearch</a:t>
+            </a:r>
+            <a:r>
+              <a:rPr lang="es-ES_tradnl" sz="2000" dirty="0">
+                <a:solidFill>
+                  <a:srgbClr val="000000"/>
+                </a:solidFill>
+                <a:latin typeface="Cascadia Code" panose="020B0609020000020004" pitchFamily="49" charset="77"/>
+              </a:rPr>
+              <a:t>(</a:t>
+            </a:r>
+            <a:r>
+              <a:rPr lang="es-ES_tradnl" sz="2000" dirty="0" err="1">
+                <a:solidFill>
+                  <a:srgbClr val="6A3E3E"/>
+                </a:solidFill>
+                <a:latin typeface="Cascadia Code" panose="020B0609020000020004" pitchFamily="49" charset="77"/>
+              </a:rPr>
+              <a:t>array</a:t>
+            </a:r>
+            <a:r>
+              <a:rPr lang="es-ES_tradnl" sz="2000" dirty="0">
+                <a:solidFill>
+                  <a:srgbClr val="000000"/>
+                </a:solidFill>
+                <a:latin typeface="Cascadia Code" panose="020B0609020000020004" pitchFamily="49" charset="77"/>
+              </a:rPr>
+              <a:t>, </a:t>
+            </a:r>
+            <a:r>
+              <a:rPr lang="es-ES_tradnl" sz="2000" dirty="0">
+                <a:solidFill>
+                  <a:srgbClr val="6A3E3E"/>
+                </a:solidFill>
+                <a:latin typeface="Cascadia Code" panose="020B0609020000020004" pitchFamily="49" charset="77"/>
+              </a:rPr>
+              <a:t>target</a:t>
+            </a:r>
+            <a:r>
+              <a:rPr lang="es-ES_tradnl" sz="2000" dirty="0">
+                <a:solidFill>
+                  <a:srgbClr val="000000"/>
+                </a:solidFill>
+                <a:latin typeface="Cascadia Code" panose="020B0609020000020004" pitchFamily="49" charset="77"/>
+              </a:rPr>
+              <a:t>, </a:t>
+            </a:r>
+            <a:r>
+              <a:rPr lang="es-ES_tradnl" sz="2000" dirty="0">
+                <a:solidFill>
+                  <a:srgbClr val="6A3E3E"/>
+                </a:solidFill>
+                <a:latin typeface="Cascadia Code" panose="020B0609020000020004" pitchFamily="49" charset="77"/>
+              </a:rPr>
+              <a:t>mid</a:t>
+            </a:r>
+            <a:r>
+              <a:rPr lang="es-ES_tradnl" sz="2000" dirty="0">
+                <a:solidFill>
+                  <a:srgbClr val="000000"/>
+                </a:solidFill>
+                <a:latin typeface="Cascadia Code" panose="020B0609020000020004" pitchFamily="49" charset="77"/>
+              </a:rPr>
+              <a:t>+1, </a:t>
+            </a:r>
+            <a:r>
+              <a:rPr lang="es-ES_tradnl" sz="2000" dirty="0" err="1">
+                <a:solidFill>
+                  <a:srgbClr val="6A3E3E"/>
+                </a:solidFill>
+                <a:latin typeface="Cascadia Code" panose="020B0609020000020004" pitchFamily="49" charset="77"/>
+              </a:rPr>
+              <a:t>end</a:t>
+            </a:r>
+            <a:r>
+              <a:rPr lang="es-ES_tradnl" sz="2000" dirty="0">
+                <a:solidFill>
+                  <a:srgbClr val="000000"/>
+                </a:solidFill>
+                <a:latin typeface="Cascadia Code" panose="020B0609020000020004" pitchFamily="49" charset="77"/>
+              </a:rPr>
+              <a:t>);</a:t>
+            </a:r>
+          </a:p>
+          <a:p>
+            <a:r>
+              <a:rPr lang="es-ES_tradnl" sz="2000" dirty="0">
+                <a:solidFill>
+                  <a:srgbClr val="000000"/>
+                </a:solidFill>
+                <a:latin typeface="Cascadia Code" panose="020B0609020000020004" pitchFamily="49" charset="77"/>
+              </a:rPr>
+              <a:t>  }</a:t>
+            </a:r>
+          </a:p>
+          <a:p>
+            <a:r>
+              <a:rPr lang="es-ES_tradnl" sz="2000" dirty="0">
+                <a:solidFill>
+                  <a:srgbClr val="000000"/>
+                </a:solidFill>
+                <a:latin typeface="Cascadia Code" panose="020B0609020000020004" pitchFamily="49" charset="77"/>
+              </a:rPr>
+              <a:t>}</a:t>
+            </a:r>
+            <a:endParaRPr lang="es-ES_tradnl" sz="2000" dirty="0">
+              <a:latin typeface="Cascadia Code" panose="020B0609020000020004" pitchFamily="49" charset="77"/>
+            </a:endParaRPr>
+          </a:p>
+        </p:txBody>
+      </p:sp>
+      <p:sp>
+        <p:nvSpPr>
+          <p:cNvPr id="4" name="TextBox 3">
+            <a:extLst>
+              <a:ext uri="{FF2B5EF4-FFF2-40B4-BE49-F238E27FC236}">
+                <a16:creationId xmlns:a16="http://schemas.microsoft.com/office/drawing/2014/main" id="{B8A646DE-2BBF-3747-A901-8977F52B69A1}"/>
+              </a:ext>
+            </a:extLst>
+          </p:cNvPr>
+          <p:cNvSpPr txBox="1"/>
+          <p:nvPr/>
+        </p:nvSpPr>
+        <p:spPr>
+          <a:xfrm>
+            <a:off x="184150" y="165100"/>
+            <a:ext cx="5816600" cy="923330"/>
+          </a:xfrm>
+          <a:prstGeom prst="rect">
+            <a:avLst/>
+          </a:prstGeom>
+          <a:noFill/>
+        </p:spPr>
+        <p:txBody>
+          <a:bodyPr wrap="square" rtlCol="0">
+            <a:spAutoFit/>
+          </a:bodyPr>
+          <a:lstStyle/>
+          <a:p>
+            <a:r>
+              <a:rPr lang="es-ES_tradnl" sz="5400" dirty="0" err="1">
+                <a:solidFill>
+                  <a:schemeClr val="accent1"/>
+                </a:solidFill>
+                <a:latin typeface="Roboto" panose="02000000000000000000" pitchFamily="2" charset="0"/>
+                <a:ea typeface="Roboto" panose="02000000000000000000" pitchFamily="2" charset="0"/>
+              </a:rPr>
+              <a:t>Binary</a:t>
+            </a:r>
+            <a:r>
+              <a:rPr lang="es-ES_tradnl" sz="5400" dirty="0">
+                <a:solidFill>
+                  <a:schemeClr val="accent1"/>
+                </a:solidFill>
+                <a:latin typeface="Roboto" panose="02000000000000000000" pitchFamily="2" charset="0"/>
+                <a:ea typeface="Roboto" panose="02000000000000000000" pitchFamily="2" charset="0"/>
+              </a:rPr>
+              <a:t> </a:t>
+            </a:r>
+            <a:r>
+              <a:rPr lang="es-ES_tradnl" sz="5400" dirty="0" err="1">
+                <a:solidFill>
+                  <a:schemeClr val="accent1"/>
+                </a:solidFill>
+                <a:latin typeface="Roboto" panose="02000000000000000000" pitchFamily="2" charset="0"/>
+                <a:ea typeface="Roboto" panose="02000000000000000000" pitchFamily="2" charset="0"/>
+              </a:rPr>
+              <a:t>Search</a:t>
+            </a:r>
+            <a:endParaRPr lang="es-ES_tradnl" sz="5400" dirty="0">
+              <a:solidFill>
+                <a:schemeClr val="accent1"/>
+              </a:solidFill>
+              <a:latin typeface="Roboto" panose="02000000000000000000" pitchFamily="2" charset="0"/>
+              <a:ea typeface="Roboto" panose="02000000000000000000" pitchFamily="2" charset="0"/>
+            </a:endParaRPr>
+          </a:p>
+        </p:txBody>
+      </p:sp>
+    </p:spTree>
+  </p:cSld>
+  <p:clrMapOvr>
+    <a:masterClrMapping/>
+  </p:clrMapOvr>
+</p:sld>
+</file>
+
+<file path=ppt/slides/slide8.xml><?xml version="1.0" encoding="utf-8"?>
+<p:sld xmlns:a="http://schemas.openxmlformats.org/drawingml/2006/main" xmlns:r="http://schemas.openxmlformats.org/officeDocument/2006/relationships" xmlns:p="http://schemas.openxmlformats.org/presentationml/2006/main">
+  <p:cSld>
+    <p:spTree>
+      <p:nvGrpSpPr>
+        <p:cNvPr id="1" name=""/>
+        <p:cNvGrpSpPr/>
+        <p:nvPr/>
+      </p:nvGrpSpPr>
+      <p:grpSpPr>
+        <a:xfrm>
+          <a:off x="0" y="0"/>
+          <a:ext cx="0" cy="0"/>
+          <a:chOff x="0" y="0"/>
+          <a:chExt cx="0" cy="0"/>
+        </a:xfrm>
+      </p:grpSpPr>
+      <p:sp>
+        <p:nvSpPr>
+          <p:cNvPr id="4" name="TextBox 3">
+            <a:extLst>
+              <a:ext uri="{FF2B5EF4-FFF2-40B4-BE49-F238E27FC236}">
+                <a16:creationId xmlns:a16="http://schemas.microsoft.com/office/drawing/2014/main" id="{B8A646DE-2BBF-3747-A901-8977F52B69A1}"/>
+              </a:ext>
+            </a:extLst>
+          </p:cNvPr>
+          <p:cNvSpPr txBox="1"/>
+          <p:nvPr/>
+        </p:nvSpPr>
+        <p:spPr>
+          <a:xfrm>
+            <a:off x="279400" y="163721"/>
+            <a:ext cx="5816600" cy="923330"/>
+          </a:xfrm>
+          <a:prstGeom prst="rect">
+            <a:avLst/>
+          </a:prstGeom>
+          <a:noFill/>
+        </p:spPr>
+        <p:txBody>
+          <a:bodyPr wrap="square" rtlCol="0">
+            <a:spAutoFit/>
+          </a:bodyPr>
+          <a:lstStyle/>
+          <a:p>
+            <a:r>
+              <a:rPr lang="es-ES_tradnl" sz="5400" dirty="0" err="1">
+                <a:solidFill>
+                  <a:schemeClr val="accent1"/>
+                </a:solidFill>
+                <a:latin typeface="Roboto" panose="02000000000000000000" pitchFamily="2" charset="0"/>
+                <a:ea typeface="Roboto" panose="02000000000000000000" pitchFamily="2" charset="0"/>
+              </a:rPr>
+              <a:t>Binary</a:t>
+            </a:r>
+            <a:r>
+              <a:rPr lang="es-ES_tradnl" sz="5400" dirty="0">
+                <a:solidFill>
+                  <a:schemeClr val="accent1"/>
+                </a:solidFill>
+                <a:latin typeface="Roboto" panose="02000000000000000000" pitchFamily="2" charset="0"/>
+                <a:ea typeface="Roboto" panose="02000000000000000000" pitchFamily="2" charset="0"/>
+              </a:rPr>
+              <a:t> </a:t>
+            </a:r>
+            <a:r>
+              <a:rPr lang="es-ES_tradnl" sz="5400" dirty="0" err="1">
+                <a:solidFill>
+                  <a:schemeClr val="accent1"/>
+                </a:solidFill>
+                <a:latin typeface="Roboto" panose="02000000000000000000" pitchFamily="2" charset="0"/>
+                <a:ea typeface="Roboto" panose="02000000000000000000" pitchFamily="2" charset="0"/>
+              </a:rPr>
+              <a:t>Search</a:t>
+            </a:r>
+            <a:endParaRPr lang="es-ES_tradnl" sz="5400" dirty="0">
+              <a:solidFill>
+                <a:schemeClr val="accent1"/>
+              </a:solidFill>
+              <a:latin typeface="Roboto" panose="02000000000000000000" pitchFamily="2" charset="0"/>
+              <a:ea typeface="Roboto" panose="02000000000000000000" pitchFamily="2" charset="0"/>
+            </a:endParaRPr>
+          </a:p>
+        </p:txBody>
+      </p:sp>
+      <p:sp>
+        <p:nvSpPr>
+          <p:cNvPr id="2" name="Rectangle 1">
+            <a:extLst>
+              <a:ext uri="{FF2B5EF4-FFF2-40B4-BE49-F238E27FC236}">
+                <a16:creationId xmlns:a16="http://schemas.microsoft.com/office/drawing/2014/main" id="{348FFF04-C0F9-394D-B0BC-DE4048637842}"/>
+              </a:ext>
+            </a:extLst>
+          </p:cNvPr>
+          <p:cNvSpPr/>
+          <p:nvPr/>
+        </p:nvSpPr>
+        <p:spPr>
+          <a:xfrm>
+            <a:off x="279400" y="1262440"/>
+            <a:ext cx="11277600" cy="1015663"/>
+          </a:xfrm>
+          <a:prstGeom prst="rect">
+            <a:avLst/>
+          </a:prstGeom>
+        </p:spPr>
+        <p:txBody>
+          <a:bodyPr wrap="square">
+            <a:spAutoFit/>
+          </a:bodyPr>
+          <a:lstStyle/>
+          <a:p>
+            <a:r>
+              <a:rPr lang="es-ES_tradnl" sz="2000" dirty="0" err="1">
+                <a:solidFill>
+                  <a:srgbClr val="7F0055"/>
+                </a:solidFill>
+                <a:latin typeface="Cascadia Code" panose="020B0609020000020004" pitchFamily="49" charset="77"/>
+              </a:rPr>
+              <a:t>public</a:t>
+            </a:r>
+            <a:r>
+              <a:rPr lang="es-ES_tradnl" sz="2000" dirty="0">
+                <a:solidFill>
+                  <a:srgbClr val="000000"/>
+                </a:solidFill>
+                <a:latin typeface="Cascadia Code" panose="020B0609020000020004" pitchFamily="49" charset="77"/>
+              </a:rPr>
+              <a:t> </a:t>
+            </a:r>
+            <a:r>
+              <a:rPr lang="es-ES_tradnl" sz="2000" dirty="0" err="1">
+                <a:solidFill>
+                  <a:srgbClr val="7F0055"/>
+                </a:solidFill>
+                <a:latin typeface="Cascadia Code" panose="020B0609020000020004" pitchFamily="49" charset="77"/>
+              </a:rPr>
+              <a:t>static</a:t>
+            </a:r>
+            <a:r>
+              <a:rPr lang="es-ES_tradnl" sz="2000" dirty="0">
+                <a:solidFill>
+                  <a:srgbClr val="000000"/>
+                </a:solidFill>
+                <a:latin typeface="Cascadia Code" panose="020B0609020000020004" pitchFamily="49" charset="77"/>
+              </a:rPr>
+              <a:t> </a:t>
+            </a:r>
+            <a:r>
+              <a:rPr lang="es-ES_tradnl" sz="2000" dirty="0" err="1">
+                <a:solidFill>
+                  <a:srgbClr val="7F0055"/>
+                </a:solidFill>
+                <a:latin typeface="Cascadia Code" panose="020B0609020000020004" pitchFamily="49" charset="77"/>
+              </a:rPr>
+              <a:t>int</a:t>
+            </a:r>
+            <a:r>
+              <a:rPr lang="es-ES_tradnl" sz="2000" dirty="0">
+                <a:solidFill>
+                  <a:srgbClr val="000000"/>
+                </a:solidFill>
+                <a:latin typeface="Cascadia Code" panose="020B0609020000020004" pitchFamily="49" charset="77"/>
+              </a:rPr>
+              <a:t> </a:t>
+            </a:r>
+            <a:r>
+              <a:rPr lang="es-ES_tradnl" sz="2000" dirty="0" err="1">
+                <a:solidFill>
+                  <a:srgbClr val="000000"/>
+                </a:solidFill>
+                <a:latin typeface="Cascadia Code" panose="020B0609020000020004" pitchFamily="49" charset="77"/>
+              </a:rPr>
+              <a:t>binarySearch</a:t>
+            </a:r>
+            <a:r>
+              <a:rPr lang="es-ES_tradnl" sz="2000" dirty="0">
+                <a:solidFill>
+                  <a:srgbClr val="000000"/>
+                </a:solidFill>
+                <a:latin typeface="Cascadia Code" panose="020B0609020000020004" pitchFamily="49" charset="77"/>
+              </a:rPr>
+              <a:t>(</a:t>
+            </a:r>
+            <a:r>
+              <a:rPr lang="es-ES_tradnl" sz="2000" dirty="0" err="1">
+                <a:solidFill>
+                  <a:srgbClr val="7F0055"/>
+                </a:solidFill>
+                <a:latin typeface="Cascadia Code" panose="020B0609020000020004" pitchFamily="49" charset="77"/>
+              </a:rPr>
+              <a:t>int</a:t>
+            </a:r>
+            <a:r>
+              <a:rPr lang="es-ES_tradnl" sz="2000" dirty="0">
+                <a:solidFill>
+                  <a:srgbClr val="000000"/>
+                </a:solidFill>
+                <a:latin typeface="Cascadia Code" panose="020B0609020000020004" pitchFamily="49" charset="77"/>
+              </a:rPr>
+              <a:t>[] </a:t>
+            </a:r>
+            <a:r>
+              <a:rPr lang="es-ES_tradnl" sz="2000" dirty="0" err="1">
+                <a:solidFill>
+                  <a:srgbClr val="6A3E3E"/>
+                </a:solidFill>
+                <a:latin typeface="Cascadia Code" panose="020B0609020000020004" pitchFamily="49" charset="77"/>
+              </a:rPr>
+              <a:t>array</a:t>
+            </a:r>
+            <a:r>
+              <a:rPr lang="es-ES_tradnl" sz="2000" dirty="0">
+                <a:solidFill>
+                  <a:srgbClr val="000000"/>
+                </a:solidFill>
+                <a:latin typeface="Cascadia Code" panose="020B0609020000020004" pitchFamily="49" charset="77"/>
+              </a:rPr>
+              <a:t>, </a:t>
+            </a:r>
+            <a:r>
+              <a:rPr lang="es-ES_tradnl" sz="2000" dirty="0" err="1">
+                <a:solidFill>
+                  <a:srgbClr val="7F0055"/>
+                </a:solidFill>
+                <a:latin typeface="Cascadia Code" panose="020B0609020000020004" pitchFamily="49" charset="77"/>
+              </a:rPr>
+              <a:t>int</a:t>
+            </a:r>
+            <a:r>
+              <a:rPr lang="es-ES_tradnl" sz="2000" dirty="0">
+                <a:solidFill>
+                  <a:srgbClr val="000000"/>
+                </a:solidFill>
+                <a:latin typeface="Cascadia Code" panose="020B0609020000020004" pitchFamily="49" charset="77"/>
+              </a:rPr>
+              <a:t> </a:t>
+            </a:r>
+            <a:r>
+              <a:rPr lang="es-ES_tradnl" sz="2000" dirty="0">
+                <a:solidFill>
+                  <a:srgbClr val="6A3E3E"/>
+                </a:solidFill>
+                <a:latin typeface="Cascadia Code" panose="020B0609020000020004" pitchFamily="49" charset="77"/>
+              </a:rPr>
+              <a:t>target</a:t>
+            </a:r>
+            <a:r>
+              <a:rPr lang="es-ES_tradnl" sz="2000" dirty="0">
+                <a:solidFill>
+                  <a:srgbClr val="000000"/>
+                </a:solidFill>
+                <a:latin typeface="Cascadia Code" panose="020B0609020000020004" pitchFamily="49" charset="77"/>
+              </a:rPr>
+              <a:t>) {</a:t>
+            </a:r>
+          </a:p>
+          <a:p>
+            <a:r>
+              <a:rPr lang="es-ES_tradnl" sz="2000" dirty="0">
+                <a:solidFill>
+                  <a:srgbClr val="7F0055"/>
+                </a:solidFill>
+                <a:latin typeface="Cascadia Code" panose="020B0609020000020004" pitchFamily="49" charset="77"/>
+              </a:rPr>
+              <a:t>  </a:t>
+            </a:r>
+            <a:r>
+              <a:rPr lang="es-ES_tradnl" sz="2000" dirty="0" err="1">
+                <a:solidFill>
+                  <a:srgbClr val="7F0055"/>
+                </a:solidFill>
+                <a:latin typeface="Cascadia Code" panose="020B0609020000020004" pitchFamily="49" charset="77"/>
+              </a:rPr>
+              <a:t>return</a:t>
+            </a:r>
+            <a:r>
+              <a:rPr lang="es-ES_tradnl" sz="2000" dirty="0">
+                <a:solidFill>
+                  <a:srgbClr val="000000"/>
+                </a:solidFill>
+                <a:latin typeface="Cascadia Code" panose="020B0609020000020004" pitchFamily="49" charset="77"/>
+              </a:rPr>
+              <a:t> </a:t>
+            </a:r>
+            <a:r>
+              <a:rPr lang="es-ES_tradnl" sz="2000" dirty="0" err="1">
+                <a:solidFill>
+                  <a:srgbClr val="000000"/>
+                </a:solidFill>
+                <a:latin typeface="Cascadia Code" panose="020B0609020000020004" pitchFamily="49" charset="77"/>
+              </a:rPr>
+              <a:t>binarySearch</a:t>
+            </a:r>
+            <a:r>
+              <a:rPr lang="es-ES_tradnl" sz="2000" dirty="0">
+                <a:solidFill>
+                  <a:srgbClr val="000000"/>
+                </a:solidFill>
+                <a:latin typeface="Cascadia Code" panose="020B0609020000020004" pitchFamily="49" charset="77"/>
+              </a:rPr>
+              <a:t>(</a:t>
+            </a:r>
+            <a:r>
+              <a:rPr lang="es-ES_tradnl" sz="2000" dirty="0" err="1">
+                <a:solidFill>
+                  <a:srgbClr val="6A3E3E"/>
+                </a:solidFill>
+                <a:latin typeface="Cascadia Code" panose="020B0609020000020004" pitchFamily="49" charset="77"/>
+              </a:rPr>
+              <a:t>array</a:t>
+            </a:r>
+            <a:r>
+              <a:rPr lang="es-ES_tradnl" sz="2000" dirty="0">
+                <a:solidFill>
+                  <a:srgbClr val="000000"/>
+                </a:solidFill>
+                <a:latin typeface="Cascadia Code" panose="020B0609020000020004" pitchFamily="49" charset="77"/>
+              </a:rPr>
+              <a:t>, </a:t>
+            </a:r>
+            <a:r>
+              <a:rPr lang="es-ES_tradnl" sz="2000" dirty="0">
+                <a:solidFill>
+                  <a:srgbClr val="6A3E3E"/>
+                </a:solidFill>
+                <a:latin typeface="Cascadia Code" panose="020B0609020000020004" pitchFamily="49" charset="77"/>
+              </a:rPr>
+              <a:t>target</a:t>
+            </a:r>
+            <a:r>
+              <a:rPr lang="es-ES_tradnl" sz="2000" dirty="0">
+                <a:solidFill>
+                  <a:srgbClr val="000000"/>
+                </a:solidFill>
+                <a:latin typeface="Cascadia Code" panose="020B0609020000020004" pitchFamily="49" charset="77"/>
+              </a:rPr>
+              <a:t>, 0, </a:t>
+            </a:r>
+            <a:r>
+              <a:rPr lang="es-ES_tradnl" sz="2000" dirty="0">
+                <a:solidFill>
+                  <a:srgbClr val="6A3E3E"/>
+                </a:solidFill>
+                <a:latin typeface="Cascadia Code" panose="020B0609020000020004" pitchFamily="49" charset="77"/>
+              </a:rPr>
+              <a:t>array</a:t>
+            </a:r>
+            <a:r>
+              <a:rPr lang="es-ES_tradnl" sz="2000" dirty="0">
+                <a:solidFill>
+                  <a:srgbClr val="000000"/>
+                </a:solidFill>
+                <a:latin typeface="Cascadia Code" panose="020B0609020000020004" pitchFamily="49" charset="77"/>
+              </a:rPr>
+              <a:t>.</a:t>
+            </a:r>
+            <a:r>
+              <a:rPr lang="es-ES_tradnl" sz="2000" dirty="0">
+                <a:solidFill>
+                  <a:srgbClr val="0000C0"/>
+                </a:solidFill>
+                <a:latin typeface="Cascadia Code" panose="020B0609020000020004" pitchFamily="49" charset="77"/>
+              </a:rPr>
+              <a:t>length</a:t>
+            </a:r>
+            <a:r>
+              <a:rPr lang="es-ES_tradnl" sz="2000" dirty="0">
+                <a:solidFill>
+                  <a:srgbClr val="000000"/>
+                </a:solidFill>
+                <a:latin typeface="Cascadia Code" panose="020B0609020000020004" pitchFamily="49" charset="77"/>
+              </a:rPr>
+              <a:t>-1);</a:t>
+            </a:r>
+          </a:p>
+          <a:p>
+            <a:r>
+              <a:rPr lang="es-ES_tradnl" sz="2000" dirty="0">
+                <a:solidFill>
+                  <a:srgbClr val="000000"/>
+                </a:solidFill>
+                <a:latin typeface="Cascadia Code" panose="020B0609020000020004" pitchFamily="49" charset="77"/>
+              </a:rPr>
+              <a:t>}</a:t>
+            </a:r>
+            <a:endParaRPr lang="es-ES_tradnl" sz="2000" dirty="0">
+              <a:latin typeface="Cascadia Code" panose="020B0609020000020004" pitchFamily="49" charset="77"/>
+            </a:endParaRPr>
+          </a:p>
+        </p:txBody>
+      </p:sp>
+      <p:sp>
+        <p:nvSpPr>
+          <p:cNvPr id="5" name="TextBox 4">
+            <a:extLst>
+              <a:ext uri="{FF2B5EF4-FFF2-40B4-BE49-F238E27FC236}">
+                <a16:creationId xmlns:a16="http://schemas.microsoft.com/office/drawing/2014/main" id="{BD3F8E08-38B9-1A4B-A7BD-7AE9CCDDB65D}"/>
+              </a:ext>
+            </a:extLst>
+          </p:cNvPr>
+          <p:cNvSpPr txBox="1"/>
+          <p:nvPr/>
+        </p:nvSpPr>
+        <p:spPr>
+          <a:xfrm>
+            <a:off x="2489200" y="4025900"/>
+            <a:ext cx="8699500" cy="1569660"/>
+          </a:xfrm>
+          <a:prstGeom prst="rect">
+            <a:avLst/>
+          </a:prstGeom>
+          <a:noFill/>
+        </p:spPr>
+        <p:txBody>
+          <a:bodyPr wrap="square" rtlCol="0">
+            <a:spAutoFit/>
+          </a:bodyPr>
+          <a:lstStyle/>
+          <a:p>
+            <a:r>
+              <a:rPr lang="es-ES_tradnl" sz="3200" dirty="0">
+                <a:latin typeface="Roboto" panose="02000000000000000000" pitchFamily="2" charset="0"/>
+                <a:ea typeface="Roboto" panose="02000000000000000000" pitchFamily="2" charset="0"/>
+              </a:rPr>
+              <a:t>Sobrecargamos el método </a:t>
+            </a:r>
+            <a:r>
+              <a:rPr lang="es-ES_tradnl" sz="3200" dirty="0" err="1">
+                <a:latin typeface="Cascadia Code" panose="020B0609020000020004" pitchFamily="49" charset="77"/>
+                <a:ea typeface="Roboto" panose="02000000000000000000" pitchFamily="2" charset="0"/>
+              </a:rPr>
+              <a:t>binarySearch</a:t>
+            </a:r>
+            <a:r>
+              <a:rPr lang="es-ES_tradnl" sz="3200" dirty="0">
+                <a:latin typeface="Roboto" panose="02000000000000000000" pitchFamily="2" charset="0"/>
+                <a:ea typeface="Roboto" panose="02000000000000000000" pitchFamily="2" charset="0"/>
+              </a:rPr>
+              <a:t> para simplificar la firma al utilizar el método desde fuera.</a:t>
+            </a:r>
+          </a:p>
+        </p:txBody>
+      </p:sp>
+    </p:spTree>
+    <p:extLst>
+      <p:ext uri="{BB962C8B-B14F-4D97-AF65-F5344CB8AC3E}">
+        <p14:creationId xmlns:p14="http://schemas.microsoft.com/office/powerpoint/2010/main" val="1268085811"/>
+      </p:ext>
+    </p:extLst>
+  </p:cSld>
+  <p:clrMapOvr>
+    <a:masterClrMapping/>
+  </p:clrMapOvr>
+</p:sld>
+</file>
+
 <file path=ppt/slides/slide9.xml><?xml version="1.0" encoding="utf-8"?>
 <p:sld xmlns:a="http://schemas.openxmlformats.org/drawingml/2006/main" xmlns:r="http://schemas.openxmlformats.org/officeDocument/2006/relationships" xmlns:p="http://schemas.openxmlformats.org/presentationml/2006/main">
   <p:cSld>
@@ -4932,10 +6866,10 @@
       </p:grpSpPr>
       <p:sp>
         <p:nvSpPr>
-          <p:cNvPr id="39938" name="Title 1">
-            <a:extLst>
-              <a:ext uri="{FF2B5EF4-FFF2-40B4-BE49-F238E27FC236}">
-                <a16:creationId xmlns:a16="http://schemas.microsoft.com/office/drawing/2014/main" id="{424E6F72-7D63-4029-8F32-CDC96EBEDC1C}"/>
+          <p:cNvPr id="37890" name="Title 1">
+            <a:extLst>
+              <a:ext uri="{FF2B5EF4-FFF2-40B4-BE49-F238E27FC236}">
+                <a16:creationId xmlns:a16="http://schemas.microsoft.com/office/drawing/2014/main" id="{BD2C7765-C87E-4CAA-B6F2-F91A70399B35}"/>
               </a:ext>
             </a:extLst>
           </p:cNvPr>
@@ -4951,20 +6885,20 @@
           <a:bodyPr/>
           <a:lstStyle/>
           <a:p>
-            <a:r>
-              <a:rPr lang="es-MX" altLang="en-US"/>
-              <a:t>Merge Sort</a:t>
-            </a:r>
-            <a:endParaRPr lang="en-US" altLang="en-US"/>
-          </a:p>
-        </p:txBody>
-      </p:sp>
-      <p:sp>
-        <p:nvSpPr>
-          <p:cNvPr id="39939" name="Content Placeholder 2">
-            <a:extLst>
-              <a:ext uri="{FF2B5EF4-FFF2-40B4-BE49-F238E27FC236}">
-                <a16:creationId xmlns:a16="http://schemas.microsoft.com/office/drawing/2014/main" id="{C63C59AA-468E-4D2F-A428-D1147596C8E6}"/>
+            <a:pPr eaLnBrk="1" hangingPunct="1"/>
+            <a:r>
+              <a:rPr lang="en-US" altLang="en-US"/>
+              <a:t>Programming Example</a:t>
+            </a:r>
+          </a:p>
+        </p:txBody>
+      </p:sp>
+      <p:sp>
+        <p:nvSpPr>
+          <p:cNvPr id="37891" name="Content Placeholder 2">
+            <a:extLst>
+              <a:ext uri="{FF2B5EF4-FFF2-40B4-BE49-F238E27FC236}">
+                <a16:creationId xmlns:a16="http://schemas.microsoft.com/office/drawing/2014/main" id="{68DA76F3-B541-4D67-B9E8-8DD292F12EEE}"/>
               </a:ext>
             </a:extLst>
           </p:cNvPr>
@@ -4980,31 +6914,39 @@
           <a:bodyPr/>
           <a:lstStyle/>
           <a:p>
-            <a:r>
-              <a:rPr lang="es-MX" altLang="en-US"/>
-              <a:t>El merge sort está compuesto por dos partes:</a:t>
-            </a:r>
-          </a:p>
-          <a:p>
-            <a:pPr>
-              <a:buFontTx/>
-              <a:buAutoNum type="arabicPeriod"/>
-            </a:pPr>
-            <a:r>
-              <a:rPr lang="es-MX" altLang="en-US"/>
-              <a:t>Divisón del problema en problemas más pequeños</a:t>
-            </a:r>
-          </a:p>
-          <a:p>
-            <a:pPr>
-              <a:buFontTx/>
-              <a:buAutoNum type="arabicPeriod"/>
-            </a:pPr>
-            <a:r>
-              <a:rPr lang="es-MX" altLang="en-US"/>
-              <a:t>Unión de las soluciones para encontrar la solución final.</a:t>
-            </a:r>
-            <a:endParaRPr lang="en-US" altLang="en-US"/>
+            <a:pPr eaLnBrk="1" hangingPunct="1"/>
+            <a:r>
+              <a:rPr lang="en-US" altLang="en-US"/>
+              <a:t>Merge sort – A recursive sorting method</a:t>
+            </a:r>
+          </a:p>
+          <a:p>
+            <a:pPr eaLnBrk="1" hangingPunct="1"/>
+            <a:r>
+              <a:rPr lang="en-US" altLang="en-US"/>
+              <a:t>A divide-and-conquer algorithm</a:t>
+            </a:r>
+          </a:p>
+          <a:p>
+            <a:pPr lvl="1" eaLnBrk="1" hangingPunct="1"/>
+            <a:r>
+              <a:rPr lang="en-US" altLang="en-US"/>
+              <a:t>Array to be sorted is divided in half</a:t>
+            </a:r>
+          </a:p>
+          <a:p>
+            <a:pPr lvl="1" eaLnBrk="1" hangingPunct="1"/>
+            <a:r>
+              <a:rPr lang="en-US" altLang="en-US"/>
+              <a:t>The two halves are sorted by recursive calls</a:t>
+            </a:r>
+          </a:p>
+          <a:p>
+            <a:pPr lvl="1" eaLnBrk="1" hangingPunct="1"/>
+            <a:r>
+              <a:rPr lang="en-US" altLang="en-US"/>
+              <a:t>This produces two smaller, sorted arrays which are merged to a single sorted array</a:t>
+            </a:r>
           </a:p>
         </p:txBody>
       </p:sp>
@@ -5309,4 +7251,299 @@
     </a:ext>
   </a:extLst>
 </a:theme>
+</file>
+
+<file path=ppt/theme/theme2.xml><?xml version="1.0" encoding="utf-8"?>
+<a:theme xmlns:a="http://schemas.openxmlformats.org/drawingml/2006/main" name="Office Theme">
+  <a:themeElements>
+    <a:clrScheme name="Office">
+      <a:dk1>
+        <a:sysClr val="windowText" lastClr="000000"/>
+      </a:dk1>
+      <a:lt1>
+        <a:sysClr val="window" lastClr="FFFFFF"/>
+      </a:lt1>
+      <a:dk2>
+        <a:srgbClr val="44546A"/>
+      </a:dk2>
+      <a:lt2>
+        <a:srgbClr val="E7E6E6"/>
+      </a:lt2>
+      <a:accent1>
+        <a:srgbClr val="4472C4"/>
+      </a:accent1>
+      <a:accent2>
+        <a:srgbClr val="ED7D31"/>
+      </a:accent2>
+      <a:accent3>
+        <a:srgbClr val="A5A5A5"/>
+      </a:accent3>
+      <a:accent4>
+        <a:srgbClr val="FFC000"/>
+      </a:accent4>
+      <a:accent5>
+        <a:srgbClr val="5B9BD5"/>
+      </a:accent5>
+      <a:accent6>
+        <a:srgbClr val="70AD47"/>
+      </a:accent6>
+      <a:hlink>
+        <a:srgbClr val="0563C1"/>
+      </a:hlink>
+      <a:folHlink>
+        <a:srgbClr val="954F72"/>
+      </a:folHlink>
+    </a:clrScheme>
+    <a:fontScheme name="Office">
+      <a:majorFont>
+        <a:latin typeface="Calibri Light" panose="020F0302020204030204"/>
+        <a:ea typeface=""/>
+        <a:cs typeface=""/>
+        <a:font script="Jpan" typeface="游ゴシック Light"/>
+        <a:font script="Hang" typeface="맑은 고딕"/>
+        <a:font script="Hans" typeface="等线 Light"/>
+        <a:font script="Hant" typeface="新細明體"/>
+        <a:font script="Arab" typeface="Times New Roman"/>
+        <a:font script="Hebr" typeface="Times New Roman"/>
+        <a:font script="Thai" typeface="Angsana New"/>
+        <a:font script="Ethi" typeface="Nyala"/>
+        <a:font script="Beng" typeface="Vrinda"/>
+        <a:font script="Gujr" typeface="Shruti"/>
+        <a:font script="Khmr" typeface="MoolBoran"/>
+        <a:font script="Knda" typeface="Tunga"/>
+        <a:font script="Guru" typeface="Raavi"/>
+        <a:font script="Cans" typeface="Euphemia"/>
+        <a:font script="Cher" typeface="Plantagenet Cherokee"/>
+        <a:font script="Yiii" typeface="Microsoft Yi Baiti"/>
+        <a:font script="Tibt" typeface="Microsoft Himalaya"/>
+        <a:font script="Thaa" typeface="MV Boli"/>
+        <a:font script="Deva" typeface="Mangal"/>
+        <a:font script="Telu" typeface="Gautami"/>
+        <a:font script="Taml" typeface="Latha"/>
+        <a:font script="Syrc" typeface="Estrangelo Edessa"/>
+        <a:font script="Orya" typeface="Kalinga"/>
+        <a:font script="Mlym" typeface="Kartika"/>
+        <a:font script="Laoo" typeface="DokChampa"/>
+        <a:font script="Sinh" typeface="Iskoola Pota"/>
+        <a:font script="Mong" typeface="Mongolian Baiti"/>
+        <a:font script="Viet" typeface="Times New Roman"/>
+        <a:font script="Uigh" typeface="Microsoft Uighur"/>
+        <a:font script="Geor" typeface="Sylfaen"/>
+        <a:font script="Armn" typeface="Arial"/>
+        <a:font script="Bugi" typeface="Leelawadee UI"/>
+        <a:font script="Bopo" typeface="Microsoft JhengHei"/>
+        <a:font script="Java" typeface="Javanese Text"/>
+        <a:font script="Lisu" typeface="Segoe UI"/>
+        <a:font script="Mymr" typeface="Myanmar Text"/>
+        <a:font script="Nkoo" typeface="Ebrima"/>
+        <a:font script="Olck" typeface="Nirmala UI"/>
+        <a:font script="Osma" typeface="Ebrima"/>
+        <a:font script="Phag" typeface="Phagspa"/>
+        <a:font script="Syrn" typeface="Estrangelo Edessa"/>
+        <a:font script="Syrj" typeface="Estrangelo Edessa"/>
+        <a:font script="Syre" typeface="Estrangelo Edessa"/>
+        <a:font script="Sora" typeface="Nirmala UI"/>
+        <a:font script="Tale" typeface="Microsoft Tai Le"/>
+        <a:font script="Talu" typeface="Microsoft New Tai Lue"/>
+        <a:font script="Tfng" typeface="Ebrima"/>
+      </a:majorFont>
+      <a:minorFont>
+        <a:latin typeface="Calibri" panose="020F0502020204030204"/>
+        <a:ea typeface=""/>
+        <a:cs typeface=""/>
+        <a:font script="Jpan" typeface="游ゴシック"/>
+        <a:font script="Hang" typeface="맑은 고딕"/>
+        <a:font script="Hans" typeface="等线"/>
+        <a:font script="Hant" typeface="新細明體"/>
+        <a:font script="Arab" typeface="Arial"/>
+        <a:font script="Hebr" typeface="Arial"/>
+        <a:font script="Thai" typeface="Cordia New"/>
+        <a:font script="Ethi" typeface="Nyala"/>
+        <a:font script="Beng" typeface="Vrinda"/>
+        <a:font script="Gujr" typeface="Shruti"/>
+        <a:font script="Khmr" typeface="DaunPenh"/>
+        <a:font script="Knda" typeface="Tunga"/>
+        <a:font script="Guru" typeface="Raavi"/>
+        <a:font script="Cans" typeface="Euphemia"/>
+        <a:font script="Cher" typeface="Plantagenet Cherokee"/>
+        <a:font script="Yiii" typeface="Microsoft Yi Baiti"/>
+        <a:font script="Tibt" typeface="Microsoft Himalaya"/>
+        <a:font script="Thaa" typeface="MV Boli"/>
+        <a:font script="Deva" typeface="Mangal"/>
+        <a:font script="Telu" typeface="Gautami"/>
+        <a:font script="Taml" typeface="Latha"/>
+        <a:font script="Syrc" typeface="Estrangelo Edessa"/>
+        <a:font script="Orya" typeface="Kalinga"/>
+        <a:font script="Mlym" typeface="Kartika"/>
+        <a:font script="Laoo" typeface="DokChampa"/>
+        <a:font script="Sinh" typeface="Iskoola Pota"/>
+        <a:font script="Mong" typeface="Mongolian Baiti"/>
+        <a:font script="Viet" typeface="Arial"/>
+        <a:font script="Uigh" typeface="Microsoft Uighur"/>
+        <a:font script="Geor" typeface="Sylfaen"/>
+        <a:font script="Armn" typeface="Arial"/>
+        <a:font script="Bugi" typeface="Leelawadee UI"/>
+        <a:font script="Bopo" typeface="Microsoft JhengHei"/>
+        <a:font script="Java" typeface="Javanese Text"/>
+        <a:font script="Lisu" typeface="Segoe UI"/>
+        <a:font script="Mymr" typeface="Myanmar Text"/>
+        <a:font script="Nkoo" typeface="Ebrima"/>
+        <a:font script="Olck" typeface="Nirmala UI"/>
+        <a:font script="Osma" typeface="Ebrima"/>
+        <a:font script="Phag" typeface="Phagspa"/>
+        <a:font script="Syrn" typeface="Estrangelo Edessa"/>
+        <a:font script="Syrj" typeface="Estrangelo Edessa"/>
+        <a:font script="Syre" typeface="Estrangelo Edessa"/>
+        <a:font script="Sora" typeface="Nirmala UI"/>
+        <a:font script="Tale" typeface="Microsoft Tai Le"/>
+        <a:font script="Talu" typeface="Microsoft New Tai Lue"/>
+        <a:font script="Tfng" typeface="Ebrima"/>
+      </a:minorFont>
+    </a:fontScheme>
+    <a:fmtScheme name="Office">
+      <a:fillStyleLst>
+        <a:solidFill>
+          <a:schemeClr val="phClr"/>
+        </a:solidFill>
+        <a:gradFill rotWithShape="1">
+          <a:gsLst>
+            <a:gs pos="0">
+              <a:schemeClr val="phClr">
+                <a:lumMod val="110000"/>
+                <a:satMod val="105000"/>
+                <a:tint val="67000"/>
+              </a:schemeClr>
+            </a:gs>
+            <a:gs pos="50000">
+              <a:schemeClr val="phClr">
+                <a:lumMod val="105000"/>
+                <a:satMod val="103000"/>
+                <a:tint val="73000"/>
+              </a:schemeClr>
+            </a:gs>
+            <a:gs pos="100000">
+              <a:schemeClr val="phClr">
+                <a:lumMod val="105000"/>
+                <a:satMod val="109000"/>
+                <a:tint val="81000"/>
+              </a:schemeClr>
+            </a:gs>
+          </a:gsLst>
+          <a:lin ang="5400000" scaled="0"/>
+        </a:gradFill>
+        <a:gradFill rotWithShape="1">
+          <a:gsLst>
+            <a:gs pos="0">
+              <a:schemeClr val="phClr">
+                <a:satMod val="103000"/>
+                <a:lumMod val="102000"/>
+                <a:tint val="94000"/>
+              </a:schemeClr>
+            </a:gs>
+            <a:gs pos="50000">
+              <a:schemeClr val="phClr">
+                <a:satMod val="110000"/>
+                <a:lumMod val="100000"/>
+                <a:shade val="100000"/>
+              </a:schemeClr>
+            </a:gs>
+            <a:gs pos="100000">
+              <a:schemeClr val="phClr">
+                <a:lumMod val="99000"/>
+                <a:satMod val="120000"/>
+                <a:shade val="78000"/>
+              </a:schemeClr>
+            </a:gs>
+          </a:gsLst>
+          <a:lin ang="5400000" scaled="0"/>
+        </a:gradFill>
+      </a:fillStyleLst>
+      <a:lnStyleLst>
+        <a:ln w="6350" cap="flat" cmpd="sng" algn="ctr">
+          <a:solidFill>
+            <a:schemeClr val="phClr"/>
+          </a:solidFill>
+          <a:prstDash val="solid"/>
+          <a:miter lim="800000"/>
+        </a:ln>
+        <a:ln w="12700" cap="flat" cmpd="sng" algn="ctr">
+          <a:solidFill>
+            <a:schemeClr val="phClr"/>
+          </a:solidFill>
+          <a:prstDash val="solid"/>
+          <a:miter lim="800000"/>
+        </a:ln>
+        <a:ln w="19050" cap="flat" cmpd="sng" algn="ctr">
+          <a:solidFill>
+            <a:schemeClr val="phClr"/>
+          </a:solidFill>
+          <a:prstDash val="solid"/>
+          <a:miter lim="800000"/>
+        </a:ln>
+      </a:lnStyleLst>
+      <a:effectStyleLst>
+        <a:effectStyle>
+          <a:effectLst/>
+        </a:effectStyle>
+        <a:effectStyle>
+          <a:effectLst/>
+        </a:effectStyle>
+        <a:effectStyle>
+          <a:effectLst>
+            <a:outerShdw blurRad="57150" dist="19050" dir="5400000" algn="ctr" rotWithShape="0">
+              <a:srgbClr val="000000">
+                <a:alpha val="63000"/>
+              </a:srgbClr>
+            </a:outerShdw>
+          </a:effectLst>
+        </a:effectStyle>
+      </a:effectStyleLst>
+      <a:bgFillStyleLst>
+        <a:solidFill>
+          <a:schemeClr val="phClr"/>
+        </a:solidFill>
+        <a:solidFill>
+          <a:schemeClr val="phClr">
+            <a:tint val="95000"/>
+            <a:satMod val="170000"/>
+          </a:schemeClr>
+        </a:solidFill>
+        <a:gradFill rotWithShape="1">
+          <a:gsLst>
+            <a:gs pos="0">
+              <a:schemeClr val="phClr">
+                <a:tint val="93000"/>
+                <a:satMod val="150000"/>
+                <a:shade val="98000"/>
+                <a:lumMod val="102000"/>
+              </a:schemeClr>
+            </a:gs>
+            <a:gs pos="50000">
+              <a:schemeClr val="phClr">
+                <a:tint val="98000"/>
+                <a:satMod val="130000"/>
+                <a:shade val="90000"/>
+                <a:lumMod val="103000"/>
+              </a:schemeClr>
+            </a:gs>
+            <a:gs pos="100000">
+              <a:schemeClr val="phClr">
+                <a:shade val="63000"/>
+                <a:satMod val="120000"/>
+              </a:schemeClr>
+            </a:gs>
+          </a:gsLst>
+          <a:lin ang="5400000" scaled="0"/>
+        </a:gradFill>
+      </a:bgFillStyleLst>
+    </a:fmtScheme>
+  </a:themeElements>
+  <a:objectDefaults/>
+  <a:extraClrSchemeLst/>
+  <a:extLst>
+    <a:ext uri="{05A4C25C-085E-4340-85A3-A5531E510DB2}">
+      <thm15:themeFamily xmlns:thm15="http://schemas.microsoft.com/office/thememl/2012/main" name="Office Theme" id="{62F939B6-93AF-4DB8-9C6B-D6C7DFDC589F}" vid="{4A3C46E8-61CC-4603-A589-7422A47A8E4A}"/>
+    </a:ext>
+  </a:extLst>
+</a:theme>
 </file>
--- a/MOD08_Recursion/01 Presentacion/INFO2_MOD08_2-Busqueda_Binaria.pptx
+++ b/MOD08_Recursion/01 Presentacion/INFO2_MOD08_2-Busqueda_Binaria.pptx
@@ -5,7 +5,7 @@
     <p:sldMasterId id="2147483648" r:id="rId1"/>
   </p:sldMasterIdLst>
   <p:notesMasterIdLst>
-    <p:notesMasterId r:id="rId17"/>
+    <p:notesMasterId r:id="rId18"/>
   </p:notesMasterIdLst>
   <p:sldIdLst>
     <p:sldId id="256" r:id="rId2"/>
@@ -18,11 +18,12 @@
     <p:sldId id="306" r:id="rId9"/>
     <p:sldId id="301" r:id="rId10"/>
     <p:sldId id="304" r:id="rId11"/>
-    <p:sldId id="288" r:id="rId12"/>
-    <p:sldId id="302" r:id="rId13"/>
-    <p:sldId id="303" r:id="rId14"/>
-    <p:sldId id="289" r:id="rId15"/>
-    <p:sldId id="290" r:id="rId16"/>
+    <p:sldId id="311" r:id="rId12"/>
+    <p:sldId id="288" r:id="rId13"/>
+    <p:sldId id="302" r:id="rId14"/>
+    <p:sldId id="303" r:id="rId15"/>
+    <p:sldId id="289" r:id="rId16"/>
+    <p:sldId id="290" r:id="rId17"/>
   </p:sldIdLst>
   <p:sldSz cx="12192000" cy="6858000"/>
   <p:notesSz cx="6858000" cy="9144000"/>
@@ -234,7 +235,7 @@
           <a:p>
             <a:fld id="{6AB1AF17-118D-084A-9561-24C354C6B611}" type="datetimeFigureOut">
               <a:rPr lang="es-ES_tradnl" smtClean="0"/>
-              <a:t>01/03/2020</a:t>
+              <a:t>04/03/2020</a:t>
             </a:fld>
             <a:endParaRPr lang="es-ES_tradnl"/>
           </a:p>
@@ -733,7 +734,7 @@
           <a:p>
             <a:fld id="{2167A42A-8D4A-48BE-87EF-28C7E229D938}" type="datetimeFigureOut">
               <a:rPr lang="en-US" smtClean="0"/>
-              <a:t>3/1/2020</a:t>
+              <a:t>3/4/2020</a:t>
             </a:fld>
             <a:endParaRPr lang="en-US"/>
           </a:p>
@@ -931,7 +932,7 @@
           <a:p>
             <a:fld id="{2167A42A-8D4A-48BE-87EF-28C7E229D938}" type="datetimeFigureOut">
               <a:rPr lang="en-US" smtClean="0"/>
-              <a:t>3/1/2020</a:t>
+              <a:t>3/4/2020</a:t>
             </a:fld>
             <a:endParaRPr lang="en-US"/>
           </a:p>
@@ -1139,7 +1140,7 @@
           <a:p>
             <a:fld id="{2167A42A-8D4A-48BE-87EF-28C7E229D938}" type="datetimeFigureOut">
               <a:rPr lang="en-US" smtClean="0"/>
-              <a:t>3/1/2020</a:t>
+              <a:t>3/4/2020</a:t>
             </a:fld>
             <a:endParaRPr lang="en-US"/>
           </a:p>
@@ -1501,7 +1502,7 @@
           <a:p>
             <a:fld id="{2167A42A-8D4A-48BE-87EF-28C7E229D938}" type="datetimeFigureOut">
               <a:rPr lang="en-US" smtClean="0"/>
-              <a:t>3/1/2020</a:t>
+              <a:t>3/4/2020</a:t>
             </a:fld>
             <a:endParaRPr lang="en-US"/>
           </a:p>
@@ -1776,7 +1777,7 @@
           <a:p>
             <a:fld id="{2167A42A-8D4A-48BE-87EF-28C7E229D938}" type="datetimeFigureOut">
               <a:rPr lang="en-US" smtClean="0"/>
-              <a:t>3/1/2020</a:t>
+              <a:t>3/4/2020</a:t>
             </a:fld>
             <a:endParaRPr lang="en-US"/>
           </a:p>
@@ -2041,7 +2042,7 @@
           <a:p>
             <a:fld id="{2167A42A-8D4A-48BE-87EF-28C7E229D938}" type="datetimeFigureOut">
               <a:rPr lang="en-US" smtClean="0"/>
-              <a:t>3/1/2020</a:t>
+              <a:t>3/4/2020</a:t>
             </a:fld>
             <a:endParaRPr lang="en-US"/>
           </a:p>
@@ -2453,7 +2454,7 @@
           <a:p>
             <a:fld id="{2167A42A-8D4A-48BE-87EF-28C7E229D938}" type="datetimeFigureOut">
               <a:rPr lang="en-US" smtClean="0"/>
-              <a:t>3/1/2020</a:t>
+              <a:t>3/4/2020</a:t>
             </a:fld>
             <a:endParaRPr lang="en-US"/>
           </a:p>
@@ -2594,7 +2595,7 @@
           <a:p>
             <a:fld id="{2167A42A-8D4A-48BE-87EF-28C7E229D938}" type="datetimeFigureOut">
               <a:rPr lang="en-US" smtClean="0"/>
-              <a:t>3/1/2020</a:t>
+              <a:t>3/4/2020</a:t>
             </a:fld>
             <a:endParaRPr lang="en-US"/>
           </a:p>
@@ -2707,7 +2708,7 @@
           <a:p>
             <a:fld id="{2167A42A-8D4A-48BE-87EF-28C7E229D938}" type="datetimeFigureOut">
               <a:rPr lang="en-US" smtClean="0"/>
-              <a:t>3/1/2020</a:t>
+              <a:t>3/4/2020</a:t>
             </a:fld>
             <a:endParaRPr lang="en-US"/>
           </a:p>
@@ -3018,7 +3019,7 @@
           <a:p>
             <a:fld id="{2167A42A-8D4A-48BE-87EF-28C7E229D938}" type="datetimeFigureOut">
               <a:rPr lang="en-US" smtClean="0"/>
-              <a:t>3/1/2020</a:t>
+              <a:t>3/4/2020</a:t>
             </a:fld>
             <a:endParaRPr lang="en-US"/>
           </a:p>
@@ -3306,7 +3307,7 @@
           <a:p>
             <a:fld id="{2167A42A-8D4A-48BE-87EF-28C7E229D938}" type="datetimeFigureOut">
               <a:rPr lang="en-US" smtClean="0"/>
-              <a:t>3/1/2020</a:t>
+              <a:t>3/4/2020</a:t>
             </a:fld>
             <a:endParaRPr lang="en-US"/>
           </a:p>
@@ -3547,7 +3548,7 @@
           <a:p>
             <a:fld id="{2167A42A-8D4A-48BE-87EF-28C7E229D938}" type="datetimeFigureOut">
               <a:rPr lang="en-US" smtClean="0"/>
-              <a:t>3/1/2020</a:t>
+              <a:t>3/4/2020</a:t>
             </a:fld>
             <a:endParaRPr lang="en-US"/>
           </a:p>
@@ -4547,6 +4548,151 @@
       </p:grpSpPr>
       <p:sp>
         <p:nvSpPr>
+          <p:cNvPr id="6" name="TextBox 5">
+            <a:extLst>
+              <a:ext uri="{FF2B5EF4-FFF2-40B4-BE49-F238E27FC236}">
+                <a16:creationId xmlns:a16="http://schemas.microsoft.com/office/drawing/2014/main" id="{1D2DD486-4003-44B2-B4D0-FEA3BCD636BA}"/>
+              </a:ext>
+            </a:extLst>
+          </p:cNvPr>
+          <p:cNvSpPr txBox="1"/>
+          <p:nvPr/>
+        </p:nvSpPr>
+        <p:spPr>
+          <a:xfrm>
+            <a:off x="0" y="0"/>
+            <a:ext cx="12192000" cy="923330"/>
+          </a:xfrm>
+          <a:prstGeom prst="rect">
+            <a:avLst/>
+          </a:prstGeom>
+          <a:solidFill>
+            <a:schemeClr val="accent1"/>
+          </a:solidFill>
+        </p:spPr>
+        <p:txBody>
+          <a:bodyPr wrap="square" rtlCol="0">
+            <a:spAutoFit/>
+          </a:bodyPr>
+          <a:lstStyle/>
+          <a:p>
+            <a:r>
+              <a:rPr lang="es-ES_tradnl" sz="5400" dirty="0">
+                <a:solidFill>
+                  <a:schemeClr val="bg1"/>
+                </a:solidFill>
+                <a:latin typeface="Roboto" panose="02000000000000000000" pitchFamily="2" charset="0"/>
+                <a:ea typeface="Roboto" panose="02000000000000000000" pitchFamily="2" charset="0"/>
+              </a:rPr>
+              <a:t>Ejercicio</a:t>
+            </a:r>
+          </a:p>
+        </p:txBody>
+      </p:sp>
+      <p:pic>
+        <p:nvPicPr>
+          <p:cNvPr id="7" name="Picture 6">
+            <a:extLst>
+              <a:ext uri="{FF2B5EF4-FFF2-40B4-BE49-F238E27FC236}">
+                <a16:creationId xmlns:a16="http://schemas.microsoft.com/office/drawing/2014/main" id="{3AF2C29E-8489-4793-8A7F-4358DEFAD138}"/>
+              </a:ext>
+            </a:extLst>
+          </p:cNvPr>
+          <p:cNvPicPr>
+            <a:picLocks noChangeAspect="1"/>
+          </p:cNvPicPr>
+          <p:nvPr/>
+        </p:nvPicPr>
+        <p:blipFill>
+          <a:blip r:embed="rId2"/>
+          <a:stretch>
+            <a:fillRect/>
+          </a:stretch>
+        </p:blipFill>
+        <p:spPr>
+          <a:xfrm>
+            <a:off x="791343" y="2029240"/>
+            <a:ext cx="10369827" cy="1273864"/>
+          </a:xfrm>
+          <a:prstGeom prst="rect">
+            <a:avLst/>
+          </a:prstGeom>
+        </p:spPr>
+      </p:pic>
+      <p:sp>
+        <p:nvSpPr>
+          <p:cNvPr id="3" name="TextBox 2">
+            <a:extLst>
+              <a:ext uri="{FF2B5EF4-FFF2-40B4-BE49-F238E27FC236}">
+                <a16:creationId xmlns:a16="http://schemas.microsoft.com/office/drawing/2014/main" id="{743CEEFE-82CC-45AA-A695-19D9259E5922}"/>
+              </a:ext>
+            </a:extLst>
+          </p:cNvPr>
+          <p:cNvSpPr txBox="1"/>
+          <p:nvPr/>
+        </p:nvSpPr>
+        <p:spPr>
+          <a:xfrm>
+            <a:off x="794657" y="3808849"/>
+            <a:ext cx="10602686" cy="1200329"/>
+          </a:xfrm>
+          <a:prstGeom prst="rect">
+            <a:avLst/>
+          </a:prstGeom>
+          <a:noFill/>
+        </p:spPr>
+        <p:txBody>
+          <a:bodyPr wrap="square" rtlCol="0">
+            <a:spAutoFit/>
+          </a:bodyPr>
+          <a:lstStyle/>
+          <a:p>
+            <a:r>
+              <a:rPr lang="es-MX" sz="3600" dirty="0"/>
+              <a:t>1. Realiza una búsqueda binaria sobre el número 5 </a:t>
+            </a:r>
+          </a:p>
+          <a:p>
+            <a:r>
+              <a:rPr lang="es-MX" sz="3600" dirty="0"/>
+              <a:t>2. Realiza una búsqueda binaria sobre el número 100.</a:t>
+            </a:r>
+            <a:endParaRPr lang="en-US" sz="3600" dirty="0"/>
+          </a:p>
+        </p:txBody>
+      </p:sp>
+    </p:spTree>
+    <p:extLst>
+      <p:ext uri="{BB962C8B-B14F-4D97-AF65-F5344CB8AC3E}">
+        <p14:creationId xmlns:p14="http://schemas.microsoft.com/office/powerpoint/2010/main" val="1751414003"/>
+      </p:ext>
+    </p:extLst>
+  </p:cSld>
+  <p:clrMapOvr>
+    <a:masterClrMapping/>
+  </p:clrMapOvr>
+</p:sld>
+</file>
+
+<file path=ppt/slides/slide12.xml><?xml version="1.0" encoding="utf-8"?>
+<p:sld xmlns:a="http://schemas.openxmlformats.org/drawingml/2006/main" xmlns:r="http://schemas.openxmlformats.org/officeDocument/2006/relationships" xmlns:p="http://schemas.openxmlformats.org/presentationml/2006/main">
+  <p:cSld>
+    <p:spTree>
+      <p:nvGrpSpPr>
+        <p:cNvPr id="1" name=""/>
+        <p:cNvGrpSpPr/>
+        <p:nvPr/>
+      </p:nvGrpSpPr>
+      <p:grpSpPr>
+        <a:xfrm>
+          <a:off x="0" y="0"/>
+          <a:ext cx="0" cy="0"/>
+          <a:chOff x="0" y="0"/>
+          <a:chExt cx="0" cy="0"/>
+        </a:xfrm>
+      </p:grpSpPr>
+      <p:sp>
+        <p:nvSpPr>
           <p:cNvPr id="38914" name="Title 1">
             <a:extLst>
               <a:ext uri="{FF2B5EF4-FFF2-40B4-BE49-F238E27FC236}">
@@ -4728,7 +4874,7 @@
 </p:sld>
 </file>
 
-<file path=ppt/slides/slide12.xml><?xml version="1.0" encoding="utf-8"?>
+<file path=ppt/slides/slide13.xml><?xml version="1.0" encoding="utf-8"?>
 <p:sld xmlns:a="http://schemas.openxmlformats.org/drawingml/2006/main" xmlns:r="http://schemas.openxmlformats.org/officeDocument/2006/relationships" xmlns:p="http://schemas.openxmlformats.org/presentationml/2006/main">
   <p:cSld>
     <p:spTree>
@@ -4823,91 +4969,6 @@
           </a:p>
         </p:txBody>
       </p:sp>
-    </p:spTree>
-  </p:cSld>
-  <p:clrMapOvr>
-    <a:masterClrMapping/>
-  </p:clrMapOvr>
-</p:sld>
-</file>
-
-<file path=ppt/slides/slide13.xml><?xml version="1.0" encoding="utf-8"?>
-<p:sld xmlns:a="http://schemas.openxmlformats.org/drawingml/2006/main" xmlns:r="http://schemas.openxmlformats.org/officeDocument/2006/relationships" xmlns:p="http://schemas.openxmlformats.org/presentationml/2006/main">
-  <p:cSld>
-    <p:spTree>
-      <p:nvGrpSpPr>
-        <p:cNvPr id="1" name=""/>
-        <p:cNvGrpSpPr/>
-        <p:nvPr/>
-      </p:nvGrpSpPr>
-      <p:grpSpPr>
-        <a:xfrm>
-          <a:off x="0" y="0"/>
-          <a:ext cx="0" cy="0"/>
-          <a:chOff x="0" y="0"/>
-          <a:chExt cx="0" cy="0"/>
-        </a:xfrm>
-      </p:grpSpPr>
-      <p:pic>
-        <p:nvPicPr>
-          <p:cNvPr id="40962" name="Picture 2" descr="Image result for merge sort explained">
-            <a:extLst>
-              <a:ext uri="{FF2B5EF4-FFF2-40B4-BE49-F238E27FC236}">
-                <a16:creationId xmlns:a16="http://schemas.microsoft.com/office/drawing/2014/main" id="{0CD6FBB8-D296-4728-83B3-6F02BBD8E58A}"/>
-              </a:ext>
-            </a:extLst>
-          </p:cNvPr>
-          <p:cNvPicPr>
-            <a:picLocks noChangeAspect="1" noChangeArrowheads="1"/>
-          </p:cNvPicPr>
-          <p:nvPr/>
-        </p:nvPicPr>
-        <p:blipFill>
-          <a:blip r:embed="rId2">
-            <a:extLst>
-              <a:ext uri="{28A0092B-C50C-407E-A947-70E740481C1C}">
-                <a14:useLocalDpi xmlns:a14="http://schemas.microsoft.com/office/drawing/2010/main" val="0"/>
-              </a:ext>
-            </a:extLst>
-          </a:blip>
-          <a:srcRect/>
-          <a:stretch>
-            <a:fillRect/>
-          </a:stretch>
-        </p:blipFill>
-        <p:spPr bwMode="auto">
-          <a:xfrm>
-            <a:off x="2882901" y="381001"/>
-            <a:ext cx="6030913" cy="5921375"/>
-          </a:xfrm>
-          <a:prstGeom prst="rect">
-            <a:avLst/>
-          </a:prstGeom>
-          <a:noFill/>
-          <a:ln>
-            <a:noFill/>
-          </a:ln>
-          <a:extLst>
-            <a:ext uri="{909E8E84-426E-40DD-AFC4-6F175D3DCCD1}">
-              <a14:hiddenFill xmlns:a14="http://schemas.microsoft.com/office/drawing/2010/main">
-                <a:solidFill>
-                  <a:srgbClr val="FFFFFF"/>
-                </a:solidFill>
-              </a14:hiddenFill>
-            </a:ext>
-            <a:ext uri="{91240B29-F687-4F45-9708-019B960494DF}">
-              <a14:hiddenLine xmlns:a14="http://schemas.microsoft.com/office/drawing/2010/main" w="9525">
-                <a:solidFill>
-                  <a:srgbClr val="000000"/>
-                </a:solidFill>
-                <a:miter lim="800000"/>
-                <a:headEnd/>
-                <a:tailEnd/>
-              </a14:hiddenLine>
-            </a:ext>
-          </a:extLst>
-        </p:spPr>
-      </p:pic>
     </p:spTree>
   </p:cSld>
   <p:clrMapOvr>
@@ -4933,6 +4994,91 @@
           <a:chExt cx="0" cy="0"/>
         </a:xfrm>
       </p:grpSpPr>
+      <p:pic>
+        <p:nvPicPr>
+          <p:cNvPr id="40962" name="Picture 2" descr="Image result for merge sort explained">
+            <a:extLst>
+              <a:ext uri="{FF2B5EF4-FFF2-40B4-BE49-F238E27FC236}">
+                <a16:creationId xmlns:a16="http://schemas.microsoft.com/office/drawing/2014/main" id="{0CD6FBB8-D296-4728-83B3-6F02BBD8E58A}"/>
+              </a:ext>
+            </a:extLst>
+          </p:cNvPr>
+          <p:cNvPicPr>
+            <a:picLocks noChangeAspect="1" noChangeArrowheads="1"/>
+          </p:cNvPicPr>
+          <p:nvPr/>
+        </p:nvPicPr>
+        <p:blipFill>
+          <a:blip r:embed="rId2">
+            <a:extLst>
+              <a:ext uri="{28A0092B-C50C-407E-A947-70E740481C1C}">
+                <a14:useLocalDpi xmlns:a14="http://schemas.microsoft.com/office/drawing/2010/main" val="0"/>
+              </a:ext>
+            </a:extLst>
+          </a:blip>
+          <a:srcRect/>
+          <a:stretch>
+            <a:fillRect/>
+          </a:stretch>
+        </p:blipFill>
+        <p:spPr bwMode="auto">
+          <a:xfrm>
+            <a:off x="2882901" y="381001"/>
+            <a:ext cx="6030913" cy="5921375"/>
+          </a:xfrm>
+          <a:prstGeom prst="rect">
+            <a:avLst/>
+          </a:prstGeom>
+          <a:noFill/>
+          <a:ln>
+            <a:noFill/>
+          </a:ln>
+          <a:extLst>
+            <a:ext uri="{909E8E84-426E-40DD-AFC4-6F175D3DCCD1}">
+              <a14:hiddenFill xmlns:a14="http://schemas.microsoft.com/office/drawing/2010/main">
+                <a:solidFill>
+                  <a:srgbClr val="FFFFFF"/>
+                </a:solidFill>
+              </a14:hiddenFill>
+            </a:ext>
+            <a:ext uri="{91240B29-F687-4F45-9708-019B960494DF}">
+              <a14:hiddenLine xmlns:a14="http://schemas.microsoft.com/office/drawing/2010/main" w="9525">
+                <a:solidFill>
+                  <a:srgbClr val="000000"/>
+                </a:solidFill>
+                <a:miter lim="800000"/>
+                <a:headEnd/>
+                <a:tailEnd/>
+              </a14:hiddenLine>
+            </a:ext>
+          </a:extLst>
+        </p:spPr>
+      </p:pic>
+    </p:spTree>
+  </p:cSld>
+  <p:clrMapOvr>
+    <a:masterClrMapping/>
+  </p:clrMapOvr>
+</p:sld>
+</file>
+
+<file path=ppt/slides/slide15.xml><?xml version="1.0" encoding="utf-8"?>
+<p:sld xmlns:a="http://schemas.openxmlformats.org/drawingml/2006/main" xmlns:r="http://schemas.openxmlformats.org/officeDocument/2006/relationships" xmlns:p="http://schemas.openxmlformats.org/presentationml/2006/main">
+  <p:cSld>
+    <p:spTree>
+      <p:nvGrpSpPr>
+        <p:cNvPr id="1" name=""/>
+        <p:cNvGrpSpPr/>
+        <p:nvPr/>
+      </p:nvGrpSpPr>
+      <p:grpSpPr>
+        <a:xfrm>
+          <a:off x="0" y="0"/>
+          <a:ext cx="0" cy="0"/>
+          <a:chOff x="0" y="0"/>
+          <a:chExt cx="0" cy="0"/>
+        </a:xfrm>
+      </p:grpSpPr>
       <p:sp>
         <p:nvSpPr>
           <p:cNvPr id="41986" name="Title 1">
@@ -5029,7 +5175,7 @@
 </p:sld>
 </file>
 
-<file path=ppt/slides/slide15.xml><?xml version="1.0" encoding="utf-8"?>
+<file path=ppt/slides/slide16.xml><?xml version="1.0" encoding="utf-8"?>
 <p:sld xmlns:a="http://schemas.openxmlformats.org/drawingml/2006/main" xmlns:r="http://schemas.openxmlformats.org/officeDocument/2006/relationships" xmlns:p="http://schemas.openxmlformats.org/presentationml/2006/main">
   <p:cSld>
     <p:spTree>

--- a/MOD08_Recursion/01 Presentacion/INFO2_MOD08_2-Busqueda_Binaria.pptx
+++ b/MOD08_Recursion/01 Presentacion/INFO2_MOD08_2-Busqueda_Binaria.pptx
@@ -5,7 +5,7 @@
     <p:sldMasterId id="2147483648" r:id="rId1"/>
   </p:sldMasterIdLst>
   <p:notesMasterIdLst>
-    <p:notesMasterId r:id="rId18"/>
+    <p:notesMasterId r:id="rId13"/>
   </p:notesMasterIdLst>
   <p:sldIdLst>
     <p:sldId id="256" r:id="rId2"/>
@@ -19,11 +19,6 @@
     <p:sldId id="301" r:id="rId10"/>
     <p:sldId id="304" r:id="rId11"/>
     <p:sldId id="311" r:id="rId12"/>
-    <p:sldId id="288" r:id="rId13"/>
-    <p:sldId id="302" r:id="rId14"/>
-    <p:sldId id="303" r:id="rId15"/>
-    <p:sldId id="289" r:id="rId16"/>
-    <p:sldId id="290" r:id="rId17"/>
   </p:sldIdLst>
   <p:sldSz cx="12192000" cy="6858000"/>
   <p:notesSz cx="6858000" cy="9144000"/>
@@ -4674,632 +4669,6 @@
 </p:sld>
 </file>
 
-<file path=ppt/slides/slide12.xml><?xml version="1.0" encoding="utf-8"?>
-<p:sld xmlns:a="http://schemas.openxmlformats.org/drawingml/2006/main" xmlns:r="http://schemas.openxmlformats.org/officeDocument/2006/relationships" xmlns:p="http://schemas.openxmlformats.org/presentationml/2006/main">
-  <p:cSld>
-    <p:spTree>
-      <p:nvGrpSpPr>
-        <p:cNvPr id="1" name=""/>
-        <p:cNvGrpSpPr/>
-        <p:nvPr/>
-      </p:nvGrpSpPr>
-      <p:grpSpPr>
-        <a:xfrm>
-          <a:off x="0" y="0"/>
-          <a:ext cx="0" cy="0"/>
-          <a:chOff x="0" y="0"/>
-          <a:chExt cx="0" cy="0"/>
-        </a:xfrm>
-      </p:grpSpPr>
-      <p:sp>
-        <p:nvSpPr>
-          <p:cNvPr id="38914" name="Title 1">
-            <a:extLst>
-              <a:ext uri="{FF2B5EF4-FFF2-40B4-BE49-F238E27FC236}">
-                <a16:creationId xmlns:a16="http://schemas.microsoft.com/office/drawing/2014/main" id="{D2426FBC-1C6C-42A3-8C16-EFF65129CC00}"/>
-              </a:ext>
-            </a:extLst>
-          </p:cNvPr>
-          <p:cNvSpPr>
-            <a:spLocks noGrp="1" noChangeArrowheads="1"/>
-          </p:cNvSpPr>
-          <p:nvPr>
-            <p:ph type="title"/>
-          </p:nvPr>
-        </p:nvSpPr>
-        <p:spPr/>
-        <p:txBody>
-          <a:bodyPr/>
-          <a:lstStyle/>
-          <a:p>
-            <a:r>
-              <a:rPr lang="en-US" altLang="en-US"/>
-              <a:t>Merge Sort</a:t>
-            </a:r>
-          </a:p>
-        </p:txBody>
-      </p:sp>
-      <p:grpSp>
-        <p:nvGrpSpPr>
-          <p:cNvPr id="38915" name="Group 6">
-            <a:extLst>
-              <a:ext uri="{FF2B5EF4-FFF2-40B4-BE49-F238E27FC236}">
-                <a16:creationId xmlns:a16="http://schemas.microsoft.com/office/drawing/2014/main" id="{ACFF9B25-BB5F-4155-947E-9475585DE9DF}"/>
-              </a:ext>
-            </a:extLst>
-          </p:cNvPr>
-          <p:cNvGrpSpPr>
-            <a:grpSpLocks/>
-          </p:cNvGrpSpPr>
-          <p:nvPr/>
-        </p:nvGrpSpPr>
-        <p:grpSpPr bwMode="auto">
-          <a:xfrm>
-            <a:off x="2146300" y="2366964"/>
-            <a:ext cx="7899400" cy="2124075"/>
-            <a:chOff x="1066800" y="3001115"/>
-            <a:chExt cx="6854042" cy="1637986"/>
-          </a:xfrm>
-        </p:grpSpPr>
-        <p:pic>
-          <p:nvPicPr>
-            <p:cNvPr id="38916" name="Picture 2">
-              <a:extLst>
-                <a:ext uri="{FF2B5EF4-FFF2-40B4-BE49-F238E27FC236}">
-                  <a16:creationId xmlns:a16="http://schemas.microsoft.com/office/drawing/2014/main" id="{0FFDCE76-3993-4EC3-8041-381C6ECC3459}"/>
-                </a:ext>
-              </a:extLst>
-            </p:cNvPr>
-            <p:cNvPicPr>
-              <a:picLocks noChangeAspect="1" noChangeArrowheads="1"/>
-            </p:cNvPicPr>
-            <p:nvPr/>
-          </p:nvPicPr>
-          <p:blipFill>
-            <a:blip r:embed="rId2">
-              <a:extLst>
-                <a:ext uri="{28A0092B-C50C-407E-A947-70E740481C1C}">
-                  <a14:useLocalDpi xmlns:a14="http://schemas.microsoft.com/office/drawing/2010/main" val="0"/>
-                </a:ext>
-              </a:extLst>
-            </a:blip>
-            <a:srcRect l="1472" b="13493"/>
-            <a:stretch>
-              <a:fillRect/>
-            </a:stretch>
-          </p:blipFill>
-          <p:spPr bwMode="auto">
-            <a:xfrm>
-              <a:off x="1069555" y="3001115"/>
-              <a:ext cx="6849910" cy="1029557"/>
-            </a:xfrm>
-            <a:prstGeom prst="rect">
-              <a:avLst/>
-            </a:prstGeom>
-            <a:solidFill>
-              <a:schemeClr val="accent1"/>
-            </a:solidFill>
-            <a:ln>
-              <a:noFill/>
-            </a:ln>
-            <a:effectLst>
-              <a:outerShdw dist="107763" dir="2700000" algn="ctr" rotWithShape="0">
-                <a:schemeClr val="bg2">
-                  <a:alpha val="50000"/>
-                </a:schemeClr>
-              </a:outerShdw>
-            </a:effectLst>
-            <a:extLst>
-              <a:ext uri="{91240B29-F687-4F45-9708-019B960494DF}">
-                <a14:hiddenLine xmlns:a14="http://schemas.microsoft.com/office/drawing/2010/main" w="12700" algn="ctr">
-                  <a:solidFill>
-                    <a:srgbClr val="000000"/>
-                  </a:solidFill>
-                  <a:miter lim="800000"/>
-                  <a:headEnd/>
-                  <a:tailEnd/>
-                </a14:hiddenLine>
-              </a:ext>
-            </a:extLst>
-          </p:spPr>
-        </p:pic>
-        <p:pic>
-          <p:nvPicPr>
-            <p:cNvPr id="38917" name="Picture 4">
-              <a:extLst>
-                <a:ext uri="{FF2B5EF4-FFF2-40B4-BE49-F238E27FC236}">
-                  <a16:creationId xmlns:a16="http://schemas.microsoft.com/office/drawing/2014/main" id="{277E1F2C-3366-4588-A47F-A05C9F13A183}"/>
-                </a:ext>
-              </a:extLst>
-            </p:cNvPr>
-            <p:cNvPicPr>
-              <a:picLocks noChangeAspect="1" noChangeArrowheads="1"/>
-            </p:cNvPicPr>
-            <p:nvPr/>
-          </p:nvPicPr>
-          <p:blipFill>
-            <a:blip r:embed="rId3">
-              <a:extLst>
-                <a:ext uri="{28A0092B-C50C-407E-A947-70E740481C1C}">
-                  <a14:useLocalDpi xmlns:a14="http://schemas.microsoft.com/office/drawing/2010/main" val="0"/>
-                </a:ext>
-              </a:extLst>
-            </a:blip>
-            <a:srcRect l="1511" t="15060" r="9100"/>
-            <a:stretch>
-              <a:fillRect/>
-            </a:stretch>
-          </p:blipFill>
-          <p:spPr bwMode="auto">
-            <a:xfrm>
-              <a:off x="1066800" y="3967013"/>
-              <a:ext cx="6854042" cy="672088"/>
-            </a:xfrm>
-            <a:prstGeom prst="rect">
-              <a:avLst/>
-            </a:prstGeom>
-            <a:solidFill>
-              <a:schemeClr val="accent1"/>
-            </a:solidFill>
-            <a:ln>
-              <a:noFill/>
-            </a:ln>
-            <a:effectLst>
-              <a:outerShdw dist="107763" dir="2700000" algn="ctr" rotWithShape="0">
-                <a:schemeClr val="bg2">
-                  <a:alpha val="50000"/>
-                </a:schemeClr>
-              </a:outerShdw>
-            </a:effectLst>
-            <a:extLst>
-              <a:ext uri="{91240B29-F687-4F45-9708-019B960494DF}">
-                <a14:hiddenLine xmlns:a14="http://schemas.microsoft.com/office/drawing/2010/main" w="12700" algn="ctr">
-                  <a:solidFill>
-                    <a:srgbClr val="000000"/>
-                  </a:solidFill>
-                  <a:miter lim="800000"/>
-                  <a:headEnd/>
-                  <a:tailEnd/>
-                </a14:hiddenLine>
-              </a:ext>
-            </a:extLst>
-          </p:spPr>
-        </p:pic>
-      </p:grpSp>
-    </p:spTree>
-  </p:cSld>
-  <p:clrMapOvr>
-    <a:masterClrMapping/>
-  </p:clrMapOvr>
-</p:sld>
-</file>
-
-<file path=ppt/slides/slide13.xml><?xml version="1.0" encoding="utf-8"?>
-<p:sld xmlns:a="http://schemas.openxmlformats.org/drawingml/2006/main" xmlns:r="http://schemas.openxmlformats.org/officeDocument/2006/relationships" xmlns:p="http://schemas.openxmlformats.org/presentationml/2006/main">
-  <p:cSld>
-    <p:spTree>
-      <p:nvGrpSpPr>
-        <p:cNvPr id="1" name=""/>
-        <p:cNvGrpSpPr/>
-        <p:nvPr/>
-      </p:nvGrpSpPr>
-      <p:grpSpPr>
-        <a:xfrm>
-          <a:off x="0" y="0"/>
-          <a:ext cx="0" cy="0"/>
-          <a:chOff x="0" y="0"/>
-          <a:chExt cx="0" cy="0"/>
-        </a:xfrm>
-      </p:grpSpPr>
-      <p:sp>
-        <p:nvSpPr>
-          <p:cNvPr id="39938" name="Title 1">
-            <a:extLst>
-              <a:ext uri="{FF2B5EF4-FFF2-40B4-BE49-F238E27FC236}">
-                <a16:creationId xmlns:a16="http://schemas.microsoft.com/office/drawing/2014/main" id="{424E6F72-7D63-4029-8F32-CDC96EBEDC1C}"/>
-              </a:ext>
-            </a:extLst>
-          </p:cNvPr>
-          <p:cNvSpPr>
-            <a:spLocks noGrp="1" noChangeArrowheads="1"/>
-          </p:cNvSpPr>
-          <p:nvPr>
-            <p:ph type="title"/>
-          </p:nvPr>
-        </p:nvSpPr>
-        <p:spPr/>
-        <p:txBody>
-          <a:bodyPr/>
-          <a:lstStyle/>
-          <a:p>
-            <a:r>
-              <a:rPr lang="es-MX" altLang="en-US"/>
-              <a:t>Merge Sort</a:t>
-            </a:r>
-            <a:endParaRPr lang="en-US" altLang="en-US"/>
-          </a:p>
-        </p:txBody>
-      </p:sp>
-      <p:sp>
-        <p:nvSpPr>
-          <p:cNvPr id="39939" name="Content Placeholder 2">
-            <a:extLst>
-              <a:ext uri="{FF2B5EF4-FFF2-40B4-BE49-F238E27FC236}">
-                <a16:creationId xmlns:a16="http://schemas.microsoft.com/office/drawing/2014/main" id="{C63C59AA-468E-4D2F-A428-D1147596C8E6}"/>
-              </a:ext>
-            </a:extLst>
-          </p:cNvPr>
-          <p:cNvSpPr>
-            <a:spLocks noGrp="1" noChangeArrowheads="1"/>
-          </p:cNvSpPr>
-          <p:nvPr>
-            <p:ph idx="1"/>
-          </p:nvPr>
-        </p:nvSpPr>
-        <p:spPr/>
-        <p:txBody>
-          <a:bodyPr/>
-          <a:lstStyle/>
-          <a:p>
-            <a:r>
-              <a:rPr lang="es-MX" altLang="en-US"/>
-              <a:t>El merge sort está compuesto por dos partes:</a:t>
-            </a:r>
-          </a:p>
-          <a:p>
-            <a:pPr>
-              <a:buFontTx/>
-              <a:buAutoNum type="arabicPeriod"/>
-            </a:pPr>
-            <a:r>
-              <a:rPr lang="es-MX" altLang="en-US"/>
-              <a:t>Divisón del problema en problemas más pequeños</a:t>
-            </a:r>
-          </a:p>
-          <a:p>
-            <a:pPr>
-              <a:buFontTx/>
-              <a:buAutoNum type="arabicPeriod"/>
-            </a:pPr>
-            <a:r>
-              <a:rPr lang="es-MX" altLang="en-US"/>
-              <a:t>Unión de las soluciones para encontrar la solución final.</a:t>
-            </a:r>
-            <a:endParaRPr lang="en-US" altLang="en-US"/>
-          </a:p>
-        </p:txBody>
-      </p:sp>
-    </p:spTree>
-  </p:cSld>
-  <p:clrMapOvr>
-    <a:masterClrMapping/>
-  </p:clrMapOvr>
-</p:sld>
-</file>
-
-<file path=ppt/slides/slide14.xml><?xml version="1.0" encoding="utf-8"?>
-<p:sld xmlns:a="http://schemas.openxmlformats.org/drawingml/2006/main" xmlns:r="http://schemas.openxmlformats.org/officeDocument/2006/relationships" xmlns:p="http://schemas.openxmlformats.org/presentationml/2006/main">
-  <p:cSld>
-    <p:spTree>
-      <p:nvGrpSpPr>
-        <p:cNvPr id="1" name=""/>
-        <p:cNvGrpSpPr/>
-        <p:nvPr/>
-      </p:nvGrpSpPr>
-      <p:grpSpPr>
-        <a:xfrm>
-          <a:off x="0" y="0"/>
-          <a:ext cx="0" cy="0"/>
-          <a:chOff x="0" y="0"/>
-          <a:chExt cx="0" cy="0"/>
-        </a:xfrm>
-      </p:grpSpPr>
-      <p:pic>
-        <p:nvPicPr>
-          <p:cNvPr id="40962" name="Picture 2" descr="Image result for merge sort explained">
-            <a:extLst>
-              <a:ext uri="{FF2B5EF4-FFF2-40B4-BE49-F238E27FC236}">
-                <a16:creationId xmlns:a16="http://schemas.microsoft.com/office/drawing/2014/main" id="{0CD6FBB8-D296-4728-83B3-6F02BBD8E58A}"/>
-              </a:ext>
-            </a:extLst>
-          </p:cNvPr>
-          <p:cNvPicPr>
-            <a:picLocks noChangeAspect="1" noChangeArrowheads="1"/>
-          </p:cNvPicPr>
-          <p:nvPr/>
-        </p:nvPicPr>
-        <p:blipFill>
-          <a:blip r:embed="rId2">
-            <a:extLst>
-              <a:ext uri="{28A0092B-C50C-407E-A947-70E740481C1C}">
-                <a14:useLocalDpi xmlns:a14="http://schemas.microsoft.com/office/drawing/2010/main" val="0"/>
-              </a:ext>
-            </a:extLst>
-          </a:blip>
-          <a:srcRect/>
-          <a:stretch>
-            <a:fillRect/>
-          </a:stretch>
-        </p:blipFill>
-        <p:spPr bwMode="auto">
-          <a:xfrm>
-            <a:off x="2882901" y="381001"/>
-            <a:ext cx="6030913" cy="5921375"/>
-          </a:xfrm>
-          <a:prstGeom prst="rect">
-            <a:avLst/>
-          </a:prstGeom>
-          <a:noFill/>
-          <a:ln>
-            <a:noFill/>
-          </a:ln>
-          <a:extLst>
-            <a:ext uri="{909E8E84-426E-40DD-AFC4-6F175D3DCCD1}">
-              <a14:hiddenFill xmlns:a14="http://schemas.microsoft.com/office/drawing/2010/main">
-                <a:solidFill>
-                  <a:srgbClr val="FFFFFF"/>
-                </a:solidFill>
-              </a14:hiddenFill>
-            </a:ext>
-            <a:ext uri="{91240B29-F687-4F45-9708-019B960494DF}">
-              <a14:hiddenLine xmlns:a14="http://schemas.microsoft.com/office/drawing/2010/main" w="9525">
-                <a:solidFill>
-                  <a:srgbClr val="000000"/>
-                </a:solidFill>
-                <a:miter lim="800000"/>
-                <a:headEnd/>
-                <a:tailEnd/>
-              </a14:hiddenLine>
-            </a:ext>
-          </a:extLst>
-        </p:spPr>
-      </p:pic>
-    </p:spTree>
-  </p:cSld>
-  <p:clrMapOvr>
-    <a:masterClrMapping/>
-  </p:clrMapOvr>
-</p:sld>
-</file>
-
-<file path=ppt/slides/slide15.xml><?xml version="1.0" encoding="utf-8"?>
-<p:sld xmlns:a="http://schemas.openxmlformats.org/drawingml/2006/main" xmlns:r="http://schemas.openxmlformats.org/officeDocument/2006/relationships" xmlns:p="http://schemas.openxmlformats.org/presentationml/2006/main">
-  <p:cSld>
-    <p:spTree>
-      <p:nvGrpSpPr>
-        <p:cNvPr id="1" name=""/>
-        <p:cNvGrpSpPr/>
-        <p:nvPr/>
-      </p:nvGrpSpPr>
-      <p:grpSpPr>
-        <a:xfrm>
-          <a:off x="0" y="0"/>
-          <a:ext cx="0" cy="0"/>
-          <a:chOff x="0" y="0"/>
-          <a:chExt cx="0" cy="0"/>
-        </a:xfrm>
-      </p:grpSpPr>
-      <p:sp>
-        <p:nvSpPr>
-          <p:cNvPr id="41986" name="Title 1">
-            <a:extLst>
-              <a:ext uri="{FF2B5EF4-FFF2-40B4-BE49-F238E27FC236}">
-                <a16:creationId xmlns:a16="http://schemas.microsoft.com/office/drawing/2014/main" id="{3088A3BF-5A97-49F9-AB1C-06E216EE03AF}"/>
-              </a:ext>
-            </a:extLst>
-          </p:cNvPr>
-          <p:cNvSpPr>
-            <a:spLocks noGrp="1" noChangeArrowheads="1"/>
-          </p:cNvSpPr>
-          <p:nvPr>
-            <p:ph type="title"/>
-          </p:nvPr>
-        </p:nvSpPr>
-        <p:spPr/>
-        <p:txBody>
-          <a:bodyPr/>
-          <a:lstStyle/>
-          <a:p>
-            <a:r>
-              <a:rPr lang="en-US" altLang="en-US"/>
-              <a:t>Merge Sort</a:t>
-            </a:r>
-          </a:p>
-        </p:txBody>
-      </p:sp>
-      <p:pic>
-        <p:nvPicPr>
-          <p:cNvPr id="41987" name="Picture 3">
-            <a:extLst>
-              <a:ext uri="{FF2B5EF4-FFF2-40B4-BE49-F238E27FC236}">
-                <a16:creationId xmlns:a16="http://schemas.microsoft.com/office/drawing/2014/main" id="{FB081BB6-2F8A-491C-941E-B13C455B46EE}"/>
-              </a:ext>
-            </a:extLst>
-          </p:cNvPr>
-          <p:cNvPicPr>
-            <a:picLocks noChangeAspect="1" noChangeArrowheads="1"/>
-          </p:cNvPicPr>
-          <p:nvPr/>
-        </p:nvPicPr>
-        <p:blipFill>
-          <a:blip r:embed="rId2">
-            <a:extLst>
-              <a:ext uri="{28A0092B-C50C-407E-A947-70E740481C1C}">
-                <a14:useLocalDpi xmlns:a14="http://schemas.microsoft.com/office/drawing/2010/main" val="0"/>
-              </a:ext>
-            </a:extLst>
-          </a:blip>
-          <a:srcRect/>
-          <a:stretch>
-            <a:fillRect/>
-          </a:stretch>
-        </p:blipFill>
-        <p:spPr bwMode="auto">
-          <a:xfrm>
-            <a:off x="2214563" y="1371600"/>
-            <a:ext cx="7605712" cy="4768850"/>
-          </a:xfrm>
-          <a:prstGeom prst="rect">
-            <a:avLst/>
-          </a:prstGeom>
-          <a:noFill/>
-          <a:ln>
-            <a:noFill/>
-          </a:ln>
-          <a:extLst>
-            <a:ext uri="{909E8E84-426E-40DD-AFC4-6F175D3DCCD1}">
-              <a14:hiddenFill xmlns:a14="http://schemas.microsoft.com/office/drawing/2010/main">
-                <a:solidFill>
-                  <a:srgbClr val="FFFFFF"/>
-                </a:solidFill>
-              </a14:hiddenFill>
-            </a:ext>
-            <a:ext uri="{91240B29-F687-4F45-9708-019B960494DF}">
-              <a14:hiddenLine xmlns:a14="http://schemas.microsoft.com/office/drawing/2010/main" w="9525">
-                <a:solidFill>
-                  <a:srgbClr val="000000"/>
-                </a:solidFill>
-                <a:miter lim="800000"/>
-                <a:headEnd/>
-                <a:tailEnd/>
-              </a14:hiddenLine>
-            </a:ext>
-          </a:extLst>
-        </p:spPr>
-      </p:pic>
-    </p:spTree>
-  </p:cSld>
-  <p:clrMapOvr>
-    <a:masterClrMapping/>
-  </p:clrMapOvr>
-</p:sld>
-</file>
-
-<file path=ppt/slides/slide16.xml><?xml version="1.0" encoding="utf-8"?>
-<p:sld xmlns:a="http://schemas.openxmlformats.org/drawingml/2006/main" xmlns:r="http://schemas.openxmlformats.org/officeDocument/2006/relationships" xmlns:p="http://schemas.openxmlformats.org/presentationml/2006/main">
-  <p:cSld>
-    <p:spTree>
-      <p:nvGrpSpPr>
-        <p:cNvPr id="1" name=""/>
-        <p:cNvGrpSpPr/>
-        <p:nvPr/>
-      </p:nvGrpSpPr>
-      <p:grpSpPr>
-        <a:xfrm>
-          <a:off x="0" y="0"/>
-          <a:ext cx="0" cy="0"/>
-          <a:chOff x="0" y="0"/>
-          <a:chExt cx="0" cy="0"/>
-        </a:xfrm>
-      </p:grpSpPr>
-      <p:sp>
-        <p:nvSpPr>
-          <p:cNvPr id="43010" name="Title 1">
-            <a:extLst>
-              <a:ext uri="{FF2B5EF4-FFF2-40B4-BE49-F238E27FC236}">
-                <a16:creationId xmlns:a16="http://schemas.microsoft.com/office/drawing/2014/main" id="{D91F4838-FE84-4F26-9AD6-A7200402C3C8}"/>
-              </a:ext>
-            </a:extLst>
-          </p:cNvPr>
-          <p:cNvSpPr>
-            <a:spLocks noGrp="1" noChangeArrowheads="1"/>
-          </p:cNvSpPr>
-          <p:nvPr>
-            <p:ph type="title"/>
-          </p:nvPr>
-        </p:nvSpPr>
-        <p:spPr>
-          <a:xfrm>
-            <a:off x="1981200" y="0"/>
-            <a:ext cx="8229600" cy="877888"/>
-          </a:xfrm>
-        </p:spPr>
-        <p:txBody>
-          <a:bodyPr/>
-          <a:lstStyle/>
-          <a:p>
-            <a:r>
-              <a:rPr lang="en-US" altLang="en-US"/>
-              <a:t>Resumen</a:t>
-            </a:r>
-          </a:p>
-        </p:txBody>
-      </p:sp>
-      <p:sp>
-        <p:nvSpPr>
-          <p:cNvPr id="43011" name="Content Placeholder 2">
-            <a:extLst>
-              <a:ext uri="{FF2B5EF4-FFF2-40B4-BE49-F238E27FC236}">
-                <a16:creationId xmlns:a16="http://schemas.microsoft.com/office/drawing/2014/main" id="{883EB8F3-798C-4F6D-B475-372CB9F49638}"/>
-              </a:ext>
-            </a:extLst>
-          </p:cNvPr>
-          <p:cNvSpPr>
-            <a:spLocks noGrp="1" noChangeArrowheads="1"/>
-          </p:cNvSpPr>
-          <p:nvPr>
-            <p:ph idx="1"/>
-          </p:nvPr>
-        </p:nvSpPr>
-        <p:spPr>
-          <a:xfrm>
-            <a:off x="1981200" y="877888"/>
-            <a:ext cx="8229600" cy="4525962"/>
-          </a:xfrm>
-        </p:spPr>
-        <p:txBody>
-          <a:bodyPr/>
-          <a:lstStyle/>
-          <a:p>
-            <a:r>
-              <a:rPr lang="en-US" altLang="en-US"/>
-              <a:t>Para evitar recursion infinita, todos nuestros algoritmos recursivos deben tener:</a:t>
-            </a:r>
-          </a:p>
-          <a:p>
-            <a:pPr lvl="1"/>
-            <a:r>
-              <a:rPr lang="en-US" altLang="en-US"/>
-              <a:t>Una llamada recursiva</a:t>
-            </a:r>
-          </a:p>
-          <a:p>
-            <a:pPr lvl="1"/>
-            <a:r>
-              <a:rPr lang="en-US" altLang="en-US"/>
-              <a:t>Un caso base sin llamada recursiva.</a:t>
-            </a:r>
-          </a:p>
-          <a:p>
-            <a:r>
-              <a:rPr lang="en-US" altLang="en-US"/>
-              <a:t>Ejemplos de algoritmos recursivos que son más eficientes que contrapartes iterativas:</a:t>
-            </a:r>
-          </a:p>
-          <a:p>
-            <a:pPr lvl="1"/>
-            <a:r>
-              <a:rPr lang="en-US" altLang="en-US"/>
-              <a:t>Binary search algorithm</a:t>
-            </a:r>
-          </a:p>
-          <a:p>
-            <a:pPr lvl="1"/>
-            <a:r>
-              <a:rPr lang="en-US" altLang="en-US"/>
-              <a:t>Merge sort algorithm</a:t>
-            </a:r>
-          </a:p>
-        </p:txBody>
-      </p:sp>
-    </p:spTree>
-  </p:cSld>
-  <p:clrMapOvr>
-    <a:masterClrMapping/>
-  </p:clrMapOvr>
-</p:sld>
-</file>
-
 <file path=ppt/slides/slide2.xml><?xml version="1.0" encoding="utf-8"?>
 <p:sld xmlns:a="http://schemas.openxmlformats.org/drawingml/2006/main" xmlns:r="http://schemas.openxmlformats.org/officeDocument/2006/relationships" xmlns:p="http://schemas.openxmlformats.org/presentationml/2006/main">
   <p:cSld>
@@ -6359,7 +5728,7 @@
                 <a:latin typeface="Roboto" panose="02000000000000000000" pitchFamily="2" charset="0"/>
                 <a:ea typeface="Roboto" panose="02000000000000000000" pitchFamily="2" charset="0"/>
               </a:rPr>
-              <a:t>Búsqueda Secuencial</a:t>
+              <a:t>Búsqueda Binaria</a:t>
             </a:r>
           </a:p>
         </p:txBody>
